--- a/ArchSW-docs/The Fuck.pptx
+++ b/ArchSW-docs/The Fuck.pptx
@@ -259,7 +259,7 @@
           <a:p>
             <a:fld id="{8DCB84B0-2216-46A3-91E2-6A737E8ACCEC}" type="datetimeFigureOut">
               <a:rPr lang="pt-PT" smtClean="0"/>
-              <a:t>28/05/2016</a:t>
+              <a:t>30-05-2016</a:t>
             </a:fld>
             <a:endParaRPr lang="pt-PT"/>
           </a:p>
@@ -301,7 +301,7 @@
           <a:p>
             <a:fld id="{876A3C7B-547D-4A44-9EDF-656795392BE8}" type="slidenum">
               <a:rPr lang="pt-PT" smtClean="0"/>
-              <a:t>‹nº›</a:t>
+              <a:t>‹#›</a:t>
             </a:fld>
             <a:endParaRPr lang="pt-PT"/>
           </a:p>
@@ -429,7 +429,7 @@
           <a:p>
             <a:fld id="{8DCB84B0-2216-46A3-91E2-6A737E8ACCEC}" type="datetimeFigureOut">
               <a:rPr lang="pt-PT" smtClean="0"/>
-              <a:t>28/05/2016</a:t>
+              <a:t>30-05-2016</a:t>
             </a:fld>
             <a:endParaRPr lang="pt-PT"/>
           </a:p>
@@ -471,7 +471,7 @@
           <a:p>
             <a:fld id="{876A3C7B-547D-4A44-9EDF-656795392BE8}" type="slidenum">
               <a:rPr lang="pt-PT" smtClean="0"/>
-              <a:t>‹nº›</a:t>
+              <a:t>‹#›</a:t>
             </a:fld>
             <a:endParaRPr lang="pt-PT"/>
           </a:p>
@@ -609,7 +609,7 @@
           <a:p>
             <a:fld id="{8DCB84B0-2216-46A3-91E2-6A737E8ACCEC}" type="datetimeFigureOut">
               <a:rPr lang="pt-PT" smtClean="0"/>
-              <a:t>28/05/2016</a:t>
+              <a:t>30-05-2016</a:t>
             </a:fld>
             <a:endParaRPr lang="pt-PT"/>
           </a:p>
@@ -651,7 +651,7 @@
           <a:p>
             <a:fld id="{876A3C7B-547D-4A44-9EDF-656795392BE8}" type="slidenum">
               <a:rPr lang="pt-PT" smtClean="0"/>
-              <a:t>‹nº›</a:t>
+              <a:t>‹#›</a:t>
             </a:fld>
             <a:endParaRPr lang="pt-PT"/>
           </a:p>
@@ -779,7 +779,7 @@
           <a:p>
             <a:fld id="{8DCB84B0-2216-46A3-91E2-6A737E8ACCEC}" type="datetimeFigureOut">
               <a:rPr lang="pt-PT" smtClean="0"/>
-              <a:t>28/05/2016</a:t>
+              <a:t>30-05-2016</a:t>
             </a:fld>
             <a:endParaRPr lang="pt-PT"/>
           </a:p>
@@ -821,7 +821,7 @@
           <a:p>
             <a:fld id="{876A3C7B-547D-4A44-9EDF-656795392BE8}" type="slidenum">
               <a:rPr lang="pt-PT" smtClean="0"/>
-              <a:t>‹nº›</a:t>
+              <a:t>‹#›</a:t>
             </a:fld>
             <a:endParaRPr lang="pt-PT"/>
           </a:p>
@@ -1025,7 +1025,7 @@
           <a:p>
             <a:fld id="{8DCB84B0-2216-46A3-91E2-6A737E8ACCEC}" type="datetimeFigureOut">
               <a:rPr lang="pt-PT" smtClean="0"/>
-              <a:t>28/05/2016</a:t>
+              <a:t>30-05-2016</a:t>
             </a:fld>
             <a:endParaRPr lang="pt-PT"/>
           </a:p>
@@ -1067,7 +1067,7 @@
           <a:p>
             <a:fld id="{876A3C7B-547D-4A44-9EDF-656795392BE8}" type="slidenum">
               <a:rPr lang="pt-PT" smtClean="0"/>
-              <a:t>‹nº›</a:t>
+              <a:t>‹#›</a:t>
             </a:fld>
             <a:endParaRPr lang="pt-PT"/>
           </a:p>
@@ -1257,7 +1257,7 @@
           <a:p>
             <a:fld id="{8DCB84B0-2216-46A3-91E2-6A737E8ACCEC}" type="datetimeFigureOut">
               <a:rPr lang="pt-PT" smtClean="0"/>
-              <a:t>28/05/2016</a:t>
+              <a:t>30-05-2016</a:t>
             </a:fld>
             <a:endParaRPr lang="pt-PT"/>
           </a:p>
@@ -1299,7 +1299,7 @@
           <a:p>
             <a:fld id="{876A3C7B-547D-4A44-9EDF-656795392BE8}" type="slidenum">
               <a:rPr lang="pt-PT" smtClean="0"/>
-              <a:t>‹nº›</a:t>
+              <a:t>‹#›</a:t>
             </a:fld>
             <a:endParaRPr lang="pt-PT"/>
           </a:p>
@@ -1624,7 +1624,7 @@
           <a:p>
             <a:fld id="{8DCB84B0-2216-46A3-91E2-6A737E8ACCEC}" type="datetimeFigureOut">
               <a:rPr lang="pt-PT" smtClean="0"/>
-              <a:t>28/05/2016</a:t>
+              <a:t>30-05-2016</a:t>
             </a:fld>
             <a:endParaRPr lang="pt-PT"/>
           </a:p>
@@ -1666,7 +1666,7 @@
           <a:p>
             <a:fld id="{876A3C7B-547D-4A44-9EDF-656795392BE8}" type="slidenum">
               <a:rPr lang="pt-PT" smtClean="0"/>
-              <a:t>‹nº›</a:t>
+              <a:t>‹#›</a:t>
             </a:fld>
             <a:endParaRPr lang="pt-PT"/>
           </a:p>
@@ -1742,7 +1742,7 @@
           <a:p>
             <a:fld id="{8DCB84B0-2216-46A3-91E2-6A737E8ACCEC}" type="datetimeFigureOut">
               <a:rPr lang="pt-PT" smtClean="0"/>
-              <a:t>28/05/2016</a:t>
+              <a:t>30-05-2016</a:t>
             </a:fld>
             <a:endParaRPr lang="pt-PT"/>
           </a:p>
@@ -1784,7 +1784,7 @@
           <a:p>
             <a:fld id="{876A3C7B-547D-4A44-9EDF-656795392BE8}" type="slidenum">
               <a:rPr lang="pt-PT" smtClean="0"/>
-              <a:t>‹nº›</a:t>
+              <a:t>‹#›</a:t>
             </a:fld>
             <a:endParaRPr lang="pt-PT"/>
           </a:p>
@@ -1837,7 +1837,7 @@
           <a:p>
             <a:fld id="{8DCB84B0-2216-46A3-91E2-6A737E8ACCEC}" type="datetimeFigureOut">
               <a:rPr lang="pt-PT" smtClean="0"/>
-              <a:t>28/05/2016</a:t>
+              <a:t>30-05-2016</a:t>
             </a:fld>
             <a:endParaRPr lang="pt-PT"/>
           </a:p>
@@ -1879,7 +1879,7 @@
           <a:p>
             <a:fld id="{876A3C7B-547D-4A44-9EDF-656795392BE8}" type="slidenum">
               <a:rPr lang="pt-PT" smtClean="0"/>
-              <a:t>‹nº›</a:t>
+              <a:t>‹#›</a:t>
             </a:fld>
             <a:endParaRPr lang="pt-PT"/>
           </a:p>
@@ -2114,7 +2114,7 @@
           <a:p>
             <a:fld id="{8DCB84B0-2216-46A3-91E2-6A737E8ACCEC}" type="datetimeFigureOut">
               <a:rPr lang="pt-PT" smtClean="0"/>
-              <a:t>28/05/2016</a:t>
+              <a:t>30-05-2016</a:t>
             </a:fld>
             <a:endParaRPr lang="pt-PT"/>
           </a:p>
@@ -2156,7 +2156,7 @@
           <a:p>
             <a:fld id="{876A3C7B-547D-4A44-9EDF-656795392BE8}" type="slidenum">
               <a:rPr lang="pt-PT" smtClean="0"/>
-              <a:t>‹nº›</a:t>
+              <a:t>‹#›</a:t>
             </a:fld>
             <a:endParaRPr lang="pt-PT"/>
           </a:p>
@@ -2367,7 +2367,7 @@
           <a:p>
             <a:fld id="{8DCB84B0-2216-46A3-91E2-6A737E8ACCEC}" type="datetimeFigureOut">
               <a:rPr lang="pt-PT" smtClean="0"/>
-              <a:t>28/05/2016</a:t>
+              <a:t>30-05-2016</a:t>
             </a:fld>
             <a:endParaRPr lang="pt-PT"/>
           </a:p>
@@ -2409,7 +2409,7 @@
           <a:p>
             <a:fld id="{876A3C7B-547D-4A44-9EDF-656795392BE8}" type="slidenum">
               <a:rPr lang="pt-PT" smtClean="0"/>
-              <a:t>‹nº›</a:t>
+              <a:t>‹#›</a:t>
             </a:fld>
             <a:endParaRPr lang="pt-PT"/>
           </a:p>
@@ -2580,7 +2580,7 @@
           <a:p>
             <a:fld id="{8DCB84B0-2216-46A3-91E2-6A737E8ACCEC}" type="datetimeFigureOut">
               <a:rPr lang="pt-PT" smtClean="0"/>
-              <a:t>28/05/2016</a:t>
+              <a:t>30-05-2016</a:t>
             </a:fld>
             <a:endParaRPr lang="pt-PT"/>
           </a:p>
@@ -2658,7 +2658,7 @@
           <a:p>
             <a:fld id="{876A3C7B-547D-4A44-9EDF-656795392BE8}" type="slidenum">
               <a:rPr lang="pt-PT" smtClean="0"/>
-              <a:t>‹nº›</a:t>
+              <a:t>‹#›</a:t>
             </a:fld>
             <a:endParaRPr lang="pt-PT"/>
           </a:p>
@@ -3370,23 +3370,67 @@
               <a:buChar char="•"/>
             </a:pPr>
             <a:r>
-              <a:rPr lang="pt-PT" dirty="0"/>
+              <a:rPr lang="pt-PT" dirty="0">
+                <a:effectLst>
+                  <a:outerShdw blurRad="38100" dist="38100" dir="2700000" algn="tl">
+                    <a:srgbClr val="000000">
+                      <a:alpha val="43137"/>
+                    </a:srgbClr>
+                  </a:outerShdw>
+                </a:effectLst>
+              </a:rPr>
               <a:t>m</a:t>
             </a:r>
             <a:r>
+              <a:rPr lang="pt-PT" dirty="0" smtClean="0">
+                <a:effectLst>
+                  <a:outerShdw blurRad="38100" dist="38100" dir="2700000" algn="tl">
+                    <a:srgbClr val="000000">
+                      <a:alpha val="43137"/>
+                    </a:srgbClr>
+                  </a:outerShdw>
+                </a:effectLst>
+              </a:rPr>
+              <a:t>atch(</a:t>
+            </a:r>
+            <a:r>
+              <a:rPr lang="pt-PT" dirty="0" err="1" smtClean="0">
+                <a:effectLst>
+                  <a:outerShdw blurRad="38100" dist="38100" dir="2700000" algn="tl">
+                    <a:srgbClr val="000000">
+                      <a:alpha val="43137"/>
+                    </a:srgbClr>
+                  </a:outerShdw>
+                </a:effectLst>
+              </a:rPr>
+              <a:t>command</a:t>
+            </a:r>
+            <a:r>
+              <a:rPr lang="pt-PT" dirty="0" smtClean="0">
+                <a:effectLst>
+                  <a:outerShdw blurRad="38100" dist="38100" dir="2700000" algn="tl">
+                    <a:srgbClr val="000000">
+                      <a:alpha val="43137"/>
+                    </a:srgbClr>
+                  </a:outerShdw>
+                </a:effectLst>
+              </a:rPr>
+              <a:t>) </a:t>
+            </a:r>
+            <a:r>
               <a:rPr lang="pt-PT" dirty="0" smtClean="0"/>
-              <a:t>atch(</a:t>
-            </a:r>
-            <a:r>
-              <a:rPr lang="pt-PT" dirty="0" err="1" smtClean="0"/>
-              <a:t>command</a:t>
-            </a:r>
-            <a:r>
-              <a:rPr lang="pt-PT" dirty="0" smtClean="0"/>
-              <a:t>) - </a:t>
-            </a:r>
-            <a:r>
-              <a:rPr lang="pt-PT" dirty="0" err="1"/>
+              <a:t>- </a:t>
+            </a:r>
+            <a:r>
+              <a:rPr lang="pt-PT" dirty="0" err="1">
+                <a:effectLst>
+                  <a:outerShdw blurRad="38100" dist="38100" dir="2700000" algn="tl">
+                    <a:srgbClr val="000000">
+                      <a:alpha val="43137"/>
+                    </a:srgbClr>
+                  </a:outerShdw>
+                </a:effectLst>
+              </a:rPr>
               <a:t>True</a:t>
             </a:r>
             <a:r>
@@ -3416,27 +3460,75 @@
               <a:buChar char="•"/>
             </a:pPr>
             <a:r>
-              <a:rPr lang="pt-PT" dirty="0" err="1" smtClean="0"/>
+              <a:rPr lang="pt-PT" dirty="0" err="1" smtClean="0">
+                <a:effectLst>
+                  <a:outerShdw blurRad="38100" dist="38100" dir="2700000" algn="tl">
+                    <a:srgbClr val="000000">
+                      <a:alpha val="43137"/>
+                    </a:srgbClr>
+                  </a:outerShdw>
+                </a:effectLst>
+              </a:rPr>
               <a:t>get_new</a:t>
             </a:r>
             <a:r>
-              <a:rPr lang="pt-PT" dirty="0" smtClean="0"/>
+              <a:rPr lang="pt-PT" dirty="0" smtClean="0">
+                <a:effectLst>
+                  <a:outerShdw blurRad="38100" dist="38100" dir="2700000" algn="tl">
+                    <a:srgbClr val="000000">
+                      <a:alpha val="43137"/>
+                    </a:srgbClr>
+                  </a:outerShdw>
+                </a:effectLst>
+              </a:rPr>
               <a:t>_</a:t>
             </a:r>
             <a:r>
-              <a:rPr lang="en-US" dirty="0" smtClean="0"/>
+              <a:rPr lang="en-US" dirty="0" smtClean="0">
+                <a:effectLst>
+                  <a:outerShdw blurRad="38100" dist="38100" dir="2700000" algn="tl">
+                    <a:srgbClr val="000000">
+                      <a:alpha val="43137"/>
+                    </a:srgbClr>
+                  </a:outerShdw>
+                </a:effectLst>
+              </a:rPr>
               <a:t>command</a:t>
             </a:r>
             <a:r>
-              <a:rPr lang="pt-PT" dirty="0" smtClean="0"/>
+              <a:rPr lang="pt-PT" dirty="0" smtClean="0">
+                <a:effectLst>
+                  <a:outerShdw blurRad="38100" dist="38100" dir="2700000" algn="tl">
+                    <a:srgbClr val="000000">
+                      <a:alpha val="43137"/>
+                    </a:srgbClr>
+                  </a:outerShdw>
+                </a:effectLst>
+              </a:rPr>
               <a:t>(</a:t>
             </a:r>
             <a:r>
-              <a:rPr lang="pt-PT" dirty="0" err="1" smtClean="0"/>
+              <a:rPr lang="pt-PT" dirty="0" err="1" smtClean="0">
+                <a:effectLst>
+                  <a:outerShdw blurRad="38100" dist="38100" dir="2700000" algn="tl">
+                    <a:srgbClr val="000000">
+                      <a:alpha val="43137"/>
+                    </a:srgbClr>
+                  </a:outerShdw>
+                </a:effectLst>
+              </a:rPr>
               <a:t>command</a:t>
             </a:r>
             <a:r>
-              <a:rPr lang="pt-PT" dirty="0"/>
+              <a:rPr lang="pt-PT" dirty="0">
+                <a:effectLst>
+                  <a:outerShdw blurRad="38100" dist="38100" dir="2700000" algn="tl">
+                    <a:srgbClr val="000000">
+                      <a:alpha val="43137"/>
+                    </a:srgbClr>
+                  </a:outerShdw>
+                </a:effectLst>
+              </a:rPr>
               <a:t>) </a:t>
             </a:r>
             <a:r>
@@ -3537,6 +3629,231 @@
           </a:prstGeom>
         </p:spPr>
       </p:pic>
+      <p:sp>
+        <p:nvSpPr>
+          <p:cNvPr id="7" name="CaixaDeTexto 2"/>
+          <p:cNvSpPr txBox="1"/>
+          <p:nvPr/>
+        </p:nvSpPr>
+        <p:spPr>
+          <a:xfrm>
+            <a:off x="2481942" y="2259061"/>
+            <a:ext cx="8238217" cy="646331"/>
+          </a:xfrm>
+          <a:prstGeom prst="rect">
+            <a:avLst/>
+          </a:prstGeom>
+          <a:noFill/>
+        </p:spPr>
+        <p:txBody>
+          <a:bodyPr wrap="none" rtlCol="0">
+            <a:spAutoFit/>
+          </a:bodyPr>
+          <a:lstStyle/>
+          <a:p>
+            <a:r>
+              <a:rPr lang="en-US" dirty="0"/>
+              <a:t>U</a:t>
+            </a:r>
+            <a:r>
+              <a:rPr lang="en-US" dirty="0" smtClean="0"/>
+              <a:t>tility </a:t>
+            </a:r>
+            <a:r>
+              <a:rPr lang="en-US" dirty="0"/>
+              <a:t>functions to help matching specific rules. Provides information about </a:t>
+            </a:r>
+            <a:r>
+              <a:rPr lang="en-US" dirty="0" smtClean="0"/>
+              <a:t>existence </a:t>
+            </a:r>
+          </a:p>
+          <a:p>
+            <a:r>
+              <a:rPr lang="en-US" dirty="0" smtClean="0"/>
+              <a:t>of </a:t>
+            </a:r>
+            <a:r>
+              <a:rPr lang="en-US" u="sng" dirty="0" smtClean="0"/>
+              <a:t>a</a:t>
+            </a:r>
+            <a:r>
+              <a:rPr lang="en-US" u="sng" dirty="0" smtClean="0"/>
+              <a:t>pt-get</a:t>
+            </a:r>
+            <a:r>
+              <a:rPr lang="en-US" dirty="0" smtClean="0"/>
+              <a:t> </a:t>
+            </a:r>
+            <a:r>
+              <a:rPr lang="pt-PT" dirty="0" smtClean="0"/>
+              <a:t>or </a:t>
+            </a:r>
+            <a:r>
+              <a:rPr lang="pt-PT" dirty="0" smtClean="0"/>
+              <a:t>ArchLinux </a:t>
+            </a:r>
+            <a:r>
+              <a:rPr lang="pt-PT" dirty="0" smtClean="0">
+                <a:effectLst>
+                  <a:outerShdw blurRad="38100" dist="38100" dir="2700000" algn="tl">
+                    <a:srgbClr val="000000">
+                      <a:alpha val="43137"/>
+                    </a:srgbClr>
+                  </a:outerShdw>
+                </a:effectLst>
+              </a:rPr>
+              <a:t>pacman</a:t>
+            </a:r>
+            <a:r>
+              <a:rPr lang="pt-PT" dirty="0" smtClean="0"/>
+              <a:t>, </a:t>
+            </a:r>
+            <a:r>
+              <a:rPr lang="en-US" dirty="0"/>
+              <a:t>for instance, and predicts a fix for the </a:t>
+            </a:r>
+            <a:r>
+              <a:rPr lang="en-US" dirty="0" smtClean="0"/>
+              <a:t>command.</a:t>
+            </a:r>
+          </a:p>
+        </p:txBody>
+      </p:sp>
+      <p:sp>
+        <p:nvSpPr>
+          <p:cNvPr id="11" name="CaixaDeTexto 2"/>
+          <p:cNvSpPr txBox="1"/>
+          <p:nvPr/>
+        </p:nvSpPr>
+        <p:spPr>
+          <a:xfrm>
+            <a:off x="2481942" y="3911827"/>
+            <a:ext cx="8271917" cy="646331"/>
+          </a:xfrm>
+          <a:prstGeom prst="rect">
+            <a:avLst/>
+          </a:prstGeom>
+          <a:noFill/>
+        </p:spPr>
+        <p:txBody>
+          <a:bodyPr wrap="square" rtlCol="0">
+            <a:spAutoFit/>
+          </a:bodyPr>
+          <a:lstStyle/>
+          <a:p>
+            <a:r>
+              <a:rPr lang="en-US" dirty="0"/>
+              <a:t>C</a:t>
+            </a:r>
+            <a:r>
+              <a:rPr lang="en-US" dirty="0" smtClean="0"/>
+              <a:t>onverts </a:t>
+            </a:r>
+            <a:r>
+              <a:rPr lang="en-US" dirty="0"/>
+              <a:t>shell specific command </a:t>
+            </a:r>
+            <a:r>
+              <a:rPr lang="en-US" dirty="0" smtClean="0"/>
+              <a:t>to </a:t>
+            </a:r>
+            <a:r>
+              <a:rPr lang="en-US" dirty="0" err="1" smtClean="0">
+                <a:effectLst>
+                  <a:outerShdw blurRad="38100" dist="38100" dir="2700000" algn="tl">
+                    <a:srgbClr val="000000">
+                      <a:alpha val="43137"/>
+                    </a:srgbClr>
+                  </a:outerShdw>
+                </a:effectLst>
+              </a:rPr>
+              <a:t>sh</a:t>
+            </a:r>
+            <a:r>
+              <a:rPr lang="en-US" dirty="0" smtClean="0"/>
+              <a:t> </a:t>
+            </a:r>
+            <a:r>
+              <a:rPr lang="pt-PT" dirty="0"/>
+              <a:t>compatible version, expands aliases and </a:t>
+            </a:r>
+            <a:endParaRPr lang="pt-PT" dirty="0" smtClean="0"/>
+          </a:p>
+          <a:p>
+            <a:r>
+              <a:rPr lang="pt-PT" dirty="0" smtClean="0"/>
+              <a:t>environment </a:t>
+            </a:r>
+            <a:r>
+              <a:rPr lang="pt-PT" dirty="0"/>
+              <a:t>variable</a:t>
+            </a:r>
+            <a:r>
+              <a:rPr lang="pt-PT" dirty="0" smtClean="0"/>
+              <a:t>.</a:t>
+            </a:r>
+            <a:endParaRPr lang="en-US" dirty="0" smtClean="0"/>
+          </a:p>
+        </p:txBody>
+      </p:sp>
+      <p:sp>
+        <p:nvSpPr>
+          <p:cNvPr id="12" name="CaixaDeTexto 2"/>
+          <p:cNvSpPr txBox="1"/>
+          <p:nvPr/>
+        </p:nvSpPr>
+        <p:spPr>
+          <a:xfrm>
+            <a:off x="2481941" y="5564593"/>
+            <a:ext cx="8271917" cy="646331"/>
+          </a:xfrm>
+          <a:prstGeom prst="rect">
+            <a:avLst/>
+          </a:prstGeom>
+          <a:noFill/>
+        </p:spPr>
+        <p:txBody>
+          <a:bodyPr wrap="square" rtlCol="0">
+            <a:spAutoFit/>
+          </a:bodyPr>
+          <a:lstStyle/>
+          <a:p>
+            <a:r>
+              <a:rPr lang="en-US" dirty="0"/>
+              <a:t>D</a:t>
+            </a:r>
+            <a:r>
+              <a:rPr lang="en-US" dirty="0" smtClean="0"/>
+              <a:t>ecides </a:t>
+            </a:r>
+            <a:r>
+              <a:rPr lang="en-US" dirty="0"/>
+              <a:t>which terminal encoding to use and how to recognize key up/down movements </a:t>
+            </a:r>
+            <a:r>
+              <a:rPr lang="en-US" dirty="0" smtClean="0"/>
+              <a:t>in </a:t>
+            </a:r>
+            <a:r>
+              <a:rPr lang="en-US" i="1" dirty="0" err="1" smtClean="0"/>
+              <a:t>unix</a:t>
+            </a:r>
+            <a:r>
+              <a:rPr lang="en-US" dirty="0" smtClean="0"/>
+              <a:t> and </a:t>
+            </a:r>
+            <a:r>
+              <a:rPr lang="en-US" i="1" dirty="0" smtClean="0"/>
+              <a:t>Windows</a:t>
+            </a:r>
+            <a:r>
+              <a:rPr lang="en-US" dirty="0" smtClean="0"/>
+              <a:t>.</a:t>
+            </a:r>
+          </a:p>
+        </p:txBody>
+      </p:sp>
     </p:spTree>
     <p:extLst>
       <p:ext uri="{BB962C8B-B14F-4D97-AF65-F5344CB8AC3E}">
@@ -3871,6 +4188,286 @@
           </a:prstGeom>
         </p:spPr>
       </p:pic>
+      <p:sp>
+        <p:nvSpPr>
+          <p:cNvPr id="6" name="CaixaDeTexto 2"/>
+          <p:cNvSpPr txBox="1"/>
+          <p:nvPr/>
+        </p:nvSpPr>
+        <p:spPr>
+          <a:xfrm>
+            <a:off x="2906944" y="927467"/>
+            <a:ext cx="7602217" cy="646331"/>
+          </a:xfrm>
+          <a:prstGeom prst="rect">
+            <a:avLst/>
+          </a:prstGeom>
+          <a:noFill/>
+        </p:spPr>
+        <p:txBody>
+          <a:bodyPr wrap="square" rtlCol="0">
+            <a:spAutoFit/>
+          </a:bodyPr>
+          <a:lstStyle/>
+          <a:p>
+            <a:r>
+              <a:rPr lang="en-US" dirty="0"/>
+              <a:t>M</a:t>
+            </a:r>
+            <a:r>
+              <a:rPr lang="en-US" dirty="0" smtClean="0"/>
+              <a:t>atches </a:t>
+            </a:r>
+            <a:r>
+              <a:rPr lang="en-US" dirty="0"/>
+              <a:t>all enabled rules from rules package against current command and </a:t>
+            </a:r>
+            <a:endParaRPr lang="en-US" dirty="0" smtClean="0"/>
+          </a:p>
+          <a:p>
+            <a:r>
+              <a:rPr lang="en-US" dirty="0" smtClean="0"/>
+              <a:t>return </a:t>
+            </a:r>
+            <a:r>
+              <a:rPr lang="en-US" dirty="0"/>
+              <a:t>all available corrected commands.</a:t>
+            </a:r>
+            <a:endParaRPr lang="en-US" dirty="0" smtClean="0"/>
+          </a:p>
+        </p:txBody>
+      </p:sp>
+      <p:sp>
+        <p:nvSpPr>
+          <p:cNvPr id="7" name="Rectangle 6"/>
+          <p:cNvSpPr/>
+          <p:nvPr/>
+        </p:nvSpPr>
+        <p:spPr>
+          <a:xfrm>
+            <a:off x="2906943" y="2286004"/>
+            <a:ext cx="7602217" cy="646331"/>
+          </a:xfrm>
+          <a:prstGeom prst="rect">
+            <a:avLst/>
+          </a:prstGeom>
+        </p:spPr>
+        <p:txBody>
+          <a:bodyPr wrap="square">
+            <a:spAutoFit/>
+          </a:bodyPr>
+          <a:lstStyle/>
+          <a:p>
+            <a:r>
+              <a:rPr lang="en-US" dirty="0"/>
+              <a:t>A</a:t>
+            </a:r>
+            <a:r>
+              <a:rPr lang="en-US" dirty="0" smtClean="0"/>
+              <a:t>llows </a:t>
+            </a:r>
+            <a:r>
+              <a:rPr lang="en-US" dirty="0"/>
+              <a:t>to choose from a list of corrected commands with arrow keys, approve selection </a:t>
+            </a:r>
+            <a:r>
+              <a:rPr lang="en-US" dirty="0" smtClean="0"/>
+              <a:t>with </a:t>
+            </a:r>
+            <a:r>
+              <a:rPr lang="en-US" dirty="0" smtClean="0">
+                <a:effectLst>
+                  <a:outerShdw blurRad="38100" dist="38100" dir="2700000" algn="tl">
+                    <a:srgbClr val="000000">
+                      <a:alpha val="43137"/>
+                    </a:srgbClr>
+                  </a:outerShdw>
+                </a:effectLst>
+              </a:rPr>
+              <a:t>Enter</a:t>
+            </a:r>
+            <a:r>
+              <a:rPr lang="en-US" dirty="0" smtClean="0"/>
+              <a:t> </a:t>
+            </a:r>
+            <a:r>
+              <a:rPr lang="pt-PT" dirty="0"/>
+              <a:t>or dismiss it </a:t>
+            </a:r>
+            <a:r>
+              <a:rPr lang="pt-PT" dirty="0" smtClean="0"/>
+              <a:t>with </a:t>
+            </a:r>
+            <a:r>
+              <a:rPr lang="pt-PT" dirty="0" smtClean="0">
+                <a:effectLst>
+                  <a:outerShdw blurRad="38100" dist="38100" dir="2700000" algn="tl">
+                    <a:srgbClr val="000000">
+                      <a:alpha val="43137"/>
+                    </a:srgbClr>
+                  </a:outerShdw>
+                </a:effectLst>
+              </a:rPr>
+              <a:t>Ctrl+C</a:t>
+            </a:r>
+            <a:endParaRPr lang="pt-PT" dirty="0">
+              <a:effectLst>
+                <a:outerShdw blurRad="38100" dist="38100" dir="2700000" algn="tl">
+                  <a:srgbClr val="000000">
+                    <a:alpha val="43137"/>
+                  </a:srgbClr>
+                </a:outerShdw>
+              </a:effectLst>
+            </a:endParaRPr>
+          </a:p>
+        </p:txBody>
+      </p:sp>
+      <p:sp>
+        <p:nvSpPr>
+          <p:cNvPr id="11" name="CaixaDeTexto 2"/>
+          <p:cNvSpPr txBox="1"/>
+          <p:nvPr/>
+        </p:nvSpPr>
+        <p:spPr>
+          <a:xfrm>
+            <a:off x="2906943" y="3552605"/>
+            <a:ext cx="7014805" cy="1200329"/>
+          </a:xfrm>
+          <a:prstGeom prst="rect">
+            <a:avLst/>
+          </a:prstGeom>
+          <a:noFill/>
+        </p:spPr>
+        <p:txBody>
+          <a:bodyPr wrap="none" rtlCol="0">
+            <a:spAutoFit/>
+          </a:bodyPr>
+          <a:lstStyle/>
+          <a:p>
+            <a:r>
+              <a:rPr lang="en-US" dirty="0"/>
+              <a:t>I</a:t>
+            </a:r>
+            <a:r>
+              <a:rPr lang="en-US" dirty="0" smtClean="0"/>
+              <a:t>t's </a:t>
+            </a:r>
+            <a:r>
+              <a:rPr lang="en-US" dirty="0"/>
+              <a:t>distributed in three </a:t>
+            </a:r>
+            <a:r>
+              <a:rPr lang="en-US" dirty="0" smtClean="0"/>
+              <a:t>classes</a:t>
+            </a:r>
+            <a:r>
+              <a:rPr lang="en-US" dirty="0" smtClean="0"/>
+              <a:t>:</a:t>
+            </a:r>
+            <a:endParaRPr lang="en-US" dirty="0" smtClean="0"/>
+          </a:p>
+          <a:p>
+            <a:pPr marL="285750" indent="-285750">
+              <a:buFont typeface="Arial" panose="020B0604020202020204" pitchFamily="34" charset="0"/>
+              <a:buChar char="•"/>
+            </a:pPr>
+            <a:r>
+              <a:rPr lang="pt-PT" dirty="0" smtClean="0">
+                <a:effectLst>
+                  <a:outerShdw blurRad="38100" dist="38100" dir="2700000" algn="tl">
+                    <a:srgbClr val="000000">
+                      <a:alpha val="43137"/>
+                    </a:srgbClr>
+                  </a:outerShdw>
+                </a:effectLst>
+              </a:rPr>
+              <a:t>Command(object) </a:t>
+            </a:r>
+            <a:r>
+              <a:rPr lang="pt-PT" dirty="0" smtClean="0"/>
+              <a:t>– parser of commands;</a:t>
+            </a:r>
+            <a:endParaRPr lang="pt-PT" dirty="0" smtClean="0"/>
+          </a:p>
+          <a:p>
+            <a:pPr marL="285750" indent="-285750">
+              <a:buFont typeface="Arial" panose="020B0604020202020204" pitchFamily="34" charset="0"/>
+              <a:buChar char="•"/>
+            </a:pPr>
+            <a:r>
+              <a:rPr lang="pt-PT" dirty="0" smtClean="0">
+                <a:effectLst>
+                  <a:outerShdw blurRad="38100" dist="38100" dir="2700000" algn="tl">
+                    <a:srgbClr val="000000">
+                      <a:alpha val="43137"/>
+                    </a:srgbClr>
+                  </a:outerShdw>
+                </a:effectLst>
+              </a:rPr>
+              <a:t>Rule(object) </a:t>
+            </a:r>
+            <a:r>
+              <a:rPr lang="en-US" dirty="0" smtClean="0"/>
+              <a:t>- </a:t>
+            </a:r>
+            <a:r>
+              <a:rPr lang="en-US" dirty="0" err="1" smtClean="0"/>
+              <a:t>inicializes</a:t>
+            </a:r>
+            <a:r>
+              <a:rPr lang="en-US" dirty="0" smtClean="0"/>
+              <a:t> </a:t>
+            </a:r>
+            <a:r>
+              <a:rPr lang="en-US" dirty="0"/>
+              <a:t>rule with given fields</a:t>
+            </a:r>
+            <a:r>
+              <a:rPr lang="en-US" dirty="0" smtClean="0"/>
+              <a:t>;</a:t>
+            </a:r>
+          </a:p>
+          <a:p>
+            <a:pPr marL="285750" indent="-285750">
+              <a:buFont typeface="Arial" panose="020B0604020202020204" pitchFamily="34" charset="0"/>
+              <a:buChar char="•"/>
+            </a:pPr>
+            <a:r>
+              <a:rPr lang="en-US" dirty="0" err="1" smtClean="0">
+                <a:effectLst>
+                  <a:outerShdw blurRad="38100" dist="38100" dir="2700000" algn="tl">
+                    <a:srgbClr val="000000">
+                      <a:alpha val="43137"/>
+                    </a:srgbClr>
+                  </a:outerShdw>
+                </a:effectLst>
+              </a:rPr>
+              <a:t>CorrectedCommand</a:t>
+            </a:r>
+            <a:r>
+              <a:rPr lang="en-US" dirty="0" smtClean="0">
+                <a:effectLst>
+                  <a:outerShdw blurRad="38100" dist="38100" dir="2700000" algn="tl">
+                    <a:srgbClr val="000000">
+                      <a:alpha val="43137"/>
+                    </a:srgbClr>
+                  </a:outerShdw>
+                </a:effectLst>
+              </a:rPr>
+              <a:t>(object) </a:t>
+            </a:r>
+            <a:r>
+              <a:rPr lang="en-US" dirty="0" smtClean="0"/>
+              <a:t>- </a:t>
+            </a:r>
+            <a:r>
+              <a:rPr lang="en-US" dirty="0"/>
+              <a:t>run command from chosen rule by user.</a:t>
+            </a:r>
+            <a:endParaRPr lang="pt-PT" dirty="0"/>
+          </a:p>
+        </p:txBody>
+      </p:sp>
     </p:spTree>
     <p:extLst>
       <p:ext uri="{BB962C8B-B14F-4D97-AF65-F5344CB8AC3E}">

--- a/ArchSW-docs/The Fuck.pptx
+++ b/ArchSW-docs/The Fuck.pptx
@@ -189,7 +189,7 @@
           <a:noFill/>
           <a:extLst>
             <a:ext uri="{909E8E84-426E-40dd-AFC4-6F175D3DCCD1}">
-              <a14:hiddenFill xmlns="" xmlns:a14="http://schemas.microsoft.com/office/drawing/2010/main">
+              <a14:hiddenFill xmlns:a14="http://schemas.microsoft.com/office/drawing/2010/main" xmlns="">
                 <a:solidFill>
                   <a:srgbClr val="FFFFFF"/>
                 </a:solidFill>
@@ -248,7 +248,7 @@
             </a:ln>
             <a:extLst>
               <a:ext uri="{91240B29-F687-4f45-9708-019B960494DF}">
-                <a14:hiddenLine xmlns="" xmlns:a14="http://schemas.microsoft.com/office/drawing/2010/main" w="9525">
+                <a14:hiddenLine xmlns:a14="http://schemas.microsoft.com/office/drawing/2010/main" xmlns="" w="9525">
                   <a:solidFill>
                     <a:srgbClr val="000000"/>
                   </a:solidFill>
@@ -338,7 +338,7 @@
             </a:ln>
             <a:extLst>
               <a:ext uri="{91240B29-F687-4f45-9708-019B960494DF}">
-                <a14:hiddenLine xmlns="" xmlns:a14="http://schemas.microsoft.com/office/drawing/2010/main" w="9525">
+                <a14:hiddenLine xmlns:a14="http://schemas.microsoft.com/office/drawing/2010/main" xmlns="" w="9525">
                   <a:solidFill>
                     <a:srgbClr val="000000"/>
                   </a:solidFill>
@@ -428,7 +428,7 @@
             </a:ln>
             <a:extLst>
               <a:ext uri="{91240B29-F687-4f45-9708-019B960494DF}">
-                <a14:hiddenLine xmlns="" xmlns:a14="http://schemas.microsoft.com/office/drawing/2010/main" w="9525">
+                <a14:hiddenLine xmlns:a14="http://schemas.microsoft.com/office/drawing/2010/main" xmlns="" w="9525">
                   <a:solidFill>
                     <a:srgbClr val="000000"/>
                   </a:solidFill>
@@ -462,7 +462,7 @@
             </a:ln>
             <a:extLst>
               <a:ext uri="{91240B29-F687-4f45-9708-019B960494DF}">
-                <a14:hiddenLine xmlns="" xmlns:a14="http://schemas.microsoft.com/office/drawing/2010/main" w="9525">
+                <a14:hiddenLine xmlns:a14="http://schemas.microsoft.com/office/drawing/2010/main" xmlns="" w="9525">
                   <a:solidFill>
                     <a:srgbClr val="000000"/>
                   </a:solidFill>
@@ -552,7 +552,7 @@
             </a:ln>
             <a:extLst>
               <a:ext uri="{91240B29-F687-4f45-9708-019B960494DF}">
-                <a14:hiddenLine xmlns="" xmlns:a14="http://schemas.microsoft.com/office/drawing/2010/main" w="9525">
+                <a14:hiddenLine xmlns:a14="http://schemas.microsoft.com/office/drawing/2010/main" xmlns="" w="9525">
                   <a:solidFill>
                     <a:srgbClr val="000000"/>
                   </a:solidFill>
@@ -614,7 +614,7 @@
             </a:ln>
             <a:extLst>
               <a:ext uri="{91240B29-F687-4f45-9708-019B960494DF}">
-                <a14:hiddenLine xmlns="" xmlns:a14="http://schemas.microsoft.com/office/drawing/2010/main" w="9525">
+                <a14:hiddenLine xmlns:a14="http://schemas.microsoft.com/office/drawing/2010/main" xmlns="" w="9525">
                   <a:solidFill>
                     <a:srgbClr val="000000"/>
                   </a:solidFill>
@@ -676,7 +676,7 @@
             </a:ln>
             <a:extLst>
               <a:ext uri="{91240B29-F687-4f45-9708-019B960494DF}">
-                <a14:hiddenLine xmlns="" xmlns:a14="http://schemas.microsoft.com/office/drawing/2010/main" w="9525">
+                <a14:hiddenLine xmlns:a14="http://schemas.microsoft.com/office/drawing/2010/main" xmlns="" w="9525">
                   <a:solidFill>
                     <a:srgbClr val="000000"/>
                   </a:solidFill>
@@ -766,7 +766,7 @@
             </a:ln>
             <a:extLst>
               <a:ext uri="{91240B29-F687-4f45-9708-019B960494DF}">
-                <a14:hiddenLine xmlns="" xmlns:a14="http://schemas.microsoft.com/office/drawing/2010/main" w="9525">
+                <a14:hiddenLine xmlns:a14="http://schemas.microsoft.com/office/drawing/2010/main" xmlns="" w="9525">
                   <a:solidFill>
                     <a:srgbClr val="000000"/>
                   </a:solidFill>
@@ -828,7 +828,7 @@
             </a:ln>
             <a:extLst>
               <a:ext uri="{91240B29-F687-4f45-9708-019B960494DF}">
-                <a14:hiddenLine xmlns="" xmlns:a14="http://schemas.microsoft.com/office/drawing/2010/main" w="9525">
+                <a14:hiddenLine xmlns:a14="http://schemas.microsoft.com/office/drawing/2010/main" xmlns="" w="9525">
                   <a:solidFill>
                     <a:srgbClr val="000000"/>
                   </a:solidFill>
@@ -890,7 +890,7 @@
             </a:ln>
             <a:extLst>
               <a:ext uri="{91240B29-F687-4f45-9708-019B960494DF}">
-                <a14:hiddenLine xmlns="" xmlns:a14="http://schemas.microsoft.com/office/drawing/2010/main" w="9525">
+                <a14:hiddenLine xmlns:a14="http://schemas.microsoft.com/office/drawing/2010/main" xmlns="" w="9525">
                   <a:solidFill>
                     <a:srgbClr val="000000"/>
                   </a:solidFill>
@@ -980,7 +980,7 @@
             </a:ln>
             <a:extLst>
               <a:ext uri="{91240B29-F687-4f45-9708-019B960494DF}">
-                <a14:hiddenLine xmlns="" xmlns:a14="http://schemas.microsoft.com/office/drawing/2010/main" w="9525">
+                <a14:hiddenLine xmlns:a14="http://schemas.microsoft.com/office/drawing/2010/main" xmlns="" w="9525">
                   <a:solidFill>
                     <a:srgbClr val="000000"/>
                   </a:solidFill>
@@ -1070,7 +1070,7 @@
             </a:ln>
             <a:extLst>
               <a:ext uri="{91240B29-F687-4f45-9708-019B960494DF}">
-                <a14:hiddenLine xmlns="" xmlns:a14="http://schemas.microsoft.com/office/drawing/2010/main" w="9525">
+                <a14:hiddenLine xmlns:a14="http://schemas.microsoft.com/office/drawing/2010/main" xmlns="" w="9525">
                   <a:solidFill>
                     <a:srgbClr val="000000"/>
                   </a:solidFill>
@@ -1132,7 +1132,7 @@
             </a:ln>
             <a:extLst>
               <a:ext uri="{91240B29-F687-4f45-9708-019B960494DF}">
-                <a14:hiddenLine xmlns="" xmlns:a14="http://schemas.microsoft.com/office/drawing/2010/main" w="9525">
+                <a14:hiddenLine xmlns:a14="http://schemas.microsoft.com/office/drawing/2010/main" xmlns="" w="9525">
                   <a:solidFill>
                     <a:srgbClr val="000000"/>
                   </a:solidFill>
@@ -1242,7 +1242,7 @@
             </a:ln>
             <a:extLst>
               <a:ext uri="{91240B29-F687-4f45-9708-019B960494DF}">
-                <a14:hiddenLine xmlns="" xmlns:a14="http://schemas.microsoft.com/office/drawing/2010/main" w="9525">
+                <a14:hiddenLine xmlns:a14="http://schemas.microsoft.com/office/drawing/2010/main" xmlns="" w="9525">
                   <a:solidFill>
                     <a:srgbClr val="000000"/>
                   </a:solidFill>
@@ -1304,7 +1304,7 @@
             </a:ln>
             <a:extLst>
               <a:ext uri="{91240B29-F687-4f45-9708-019B960494DF}">
-                <a14:hiddenLine xmlns="" xmlns:a14="http://schemas.microsoft.com/office/drawing/2010/main" w="9525">
+                <a14:hiddenLine xmlns:a14="http://schemas.microsoft.com/office/drawing/2010/main" xmlns="" w="9525">
                   <a:solidFill>
                     <a:srgbClr val="000000"/>
                   </a:solidFill>
@@ -1394,7 +1394,7 @@
             </a:ln>
             <a:extLst>
               <a:ext uri="{91240B29-F687-4f45-9708-019B960494DF}">
-                <a14:hiddenLine xmlns="" xmlns:a14="http://schemas.microsoft.com/office/drawing/2010/main" w="9525">
+                <a14:hiddenLine xmlns:a14="http://schemas.microsoft.com/office/drawing/2010/main" xmlns="" w="9525">
                   <a:solidFill>
                     <a:srgbClr val="000000"/>
                   </a:solidFill>
@@ -1484,7 +1484,7 @@
             </a:ln>
             <a:extLst>
               <a:ext uri="{91240B29-F687-4f45-9708-019B960494DF}">
-                <a14:hiddenLine xmlns="" xmlns:a14="http://schemas.microsoft.com/office/drawing/2010/main" w="9525">
+                <a14:hiddenLine xmlns:a14="http://schemas.microsoft.com/office/drawing/2010/main" xmlns="" w="9525">
                   <a:solidFill>
                     <a:srgbClr val="000000"/>
                   </a:solidFill>
@@ -1546,7 +1546,7 @@
             </a:ln>
             <a:extLst>
               <a:ext uri="{91240B29-F687-4f45-9708-019B960494DF}">
-                <a14:hiddenLine xmlns="" xmlns:a14="http://schemas.microsoft.com/office/drawing/2010/main" w="9525">
+                <a14:hiddenLine xmlns:a14="http://schemas.microsoft.com/office/drawing/2010/main" xmlns="" w="9525">
                   <a:solidFill>
                     <a:srgbClr val="000000"/>
                   </a:solidFill>
@@ -1636,7 +1636,7 @@
             </a:ln>
             <a:extLst>
               <a:ext uri="{91240B29-F687-4f45-9708-019B960494DF}">
-                <a14:hiddenLine xmlns="" xmlns:a14="http://schemas.microsoft.com/office/drawing/2010/main" w="9525">
+                <a14:hiddenLine xmlns:a14="http://schemas.microsoft.com/office/drawing/2010/main" xmlns="" w="9525">
                   <a:solidFill>
                     <a:srgbClr val="000000"/>
                   </a:solidFill>
@@ -1726,7 +1726,7 @@
             </a:ln>
             <a:extLst>
               <a:ext uri="{91240B29-F687-4f45-9708-019B960494DF}">
-                <a14:hiddenLine xmlns="" xmlns:a14="http://schemas.microsoft.com/office/drawing/2010/main" w="9525">
+                <a14:hiddenLine xmlns:a14="http://schemas.microsoft.com/office/drawing/2010/main" xmlns="" w="9525">
                   <a:solidFill>
                     <a:srgbClr val="000000"/>
                   </a:solidFill>
@@ -1782,7 +1782,7 @@
             </a:ln>
             <a:extLst>
               <a:ext uri="{91240B29-F687-4f45-9708-019B960494DF}">
-                <a14:hiddenLine xmlns="" xmlns:a14="http://schemas.microsoft.com/office/drawing/2010/main" w="9525">
+                <a14:hiddenLine xmlns:a14="http://schemas.microsoft.com/office/drawing/2010/main" xmlns="" w="9525">
                   <a:solidFill>
                     <a:srgbClr val="000000"/>
                   </a:solidFill>
@@ -1872,7 +1872,7 @@
             </a:ln>
             <a:extLst>
               <a:ext uri="{91240B29-F687-4f45-9708-019B960494DF}">
-                <a14:hiddenLine xmlns="" xmlns:a14="http://schemas.microsoft.com/office/drawing/2010/main" w="9525">
+                <a14:hiddenLine xmlns:a14="http://schemas.microsoft.com/office/drawing/2010/main" xmlns="" w="9525">
                   <a:solidFill>
                     <a:srgbClr val="000000"/>
                   </a:solidFill>
@@ -1928,7 +1928,7 @@
             </a:ln>
             <a:extLst>
               <a:ext uri="{91240B29-F687-4f45-9708-019B960494DF}">
-                <a14:hiddenLine xmlns="" xmlns:a14="http://schemas.microsoft.com/office/drawing/2010/main" w="9525">
+                <a14:hiddenLine xmlns:a14="http://schemas.microsoft.com/office/drawing/2010/main" xmlns="" w="9525">
                   <a:solidFill>
                     <a:srgbClr val="000000"/>
                   </a:solidFill>
@@ -2018,7 +2018,7 @@
             </a:ln>
             <a:extLst>
               <a:ext uri="{91240B29-F687-4f45-9708-019B960494DF}">
-                <a14:hiddenLine xmlns="" xmlns:a14="http://schemas.microsoft.com/office/drawing/2010/main" w="9525">
+                <a14:hiddenLine xmlns:a14="http://schemas.microsoft.com/office/drawing/2010/main" xmlns="" w="9525">
                   <a:solidFill>
                     <a:srgbClr val="000000"/>
                   </a:solidFill>
@@ -2086,7 +2086,7 @@
             </a:ln>
             <a:extLst>
               <a:ext uri="{91240B29-F687-4f45-9708-019B960494DF}">
-                <a14:hiddenLine xmlns="" xmlns:a14="http://schemas.microsoft.com/office/drawing/2010/main" w="9525">
+                <a14:hiddenLine xmlns:a14="http://schemas.microsoft.com/office/drawing/2010/main" xmlns="" w="9525">
                   <a:solidFill>
                     <a:srgbClr val="000000"/>
                   </a:solidFill>
@@ -2176,7 +2176,7 @@
             </a:ln>
             <a:extLst>
               <a:ext uri="{91240B29-F687-4f45-9708-019B960494DF}">
-                <a14:hiddenLine xmlns="" xmlns:a14="http://schemas.microsoft.com/office/drawing/2010/main" w="9525">
+                <a14:hiddenLine xmlns:a14="http://schemas.microsoft.com/office/drawing/2010/main" xmlns="" w="9525">
                   <a:solidFill>
                     <a:srgbClr val="000000"/>
                   </a:solidFill>
@@ -2244,7 +2244,7 @@
             </a:ln>
             <a:extLst>
               <a:ext uri="{91240B29-F687-4f45-9708-019B960494DF}">
-                <a14:hiddenLine xmlns="" xmlns:a14="http://schemas.microsoft.com/office/drawing/2010/main" w="9525">
+                <a14:hiddenLine xmlns:a14="http://schemas.microsoft.com/office/drawing/2010/main" xmlns="" w="9525">
                   <a:solidFill>
                     <a:srgbClr val="000000"/>
                   </a:solidFill>
@@ -2334,7 +2334,7 @@
             </a:ln>
             <a:extLst>
               <a:ext uri="{91240B29-F687-4f45-9708-019B960494DF}">
-                <a14:hiddenLine xmlns="" xmlns:a14="http://schemas.microsoft.com/office/drawing/2010/main" w="9525">
+                <a14:hiddenLine xmlns:a14="http://schemas.microsoft.com/office/drawing/2010/main" xmlns="" w="9525">
                   <a:solidFill>
                     <a:srgbClr val="000000"/>
                   </a:solidFill>
@@ -2368,7 +2368,7 @@
             </a:ln>
             <a:extLst>
               <a:ext uri="{91240B29-F687-4f45-9708-019B960494DF}">
-                <a14:hiddenLine xmlns="" xmlns:a14="http://schemas.microsoft.com/office/drawing/2010/main" w="9525">
+                <a14:hiddenLine xmlns:a14="http://schemas.microsoft.com/office/drawing/2010/main" xmlns="" w="9525">
                   <a:solidFill>
                     <a:srgbClr val="000000"/>
                   </a:solidFill>
@@ -2458,7 +2458,7 @@
             </a:ln>
             <a:extLst>
               <a:ext uri="{91240B29-F687-4f45-9708-019B960494DF}">
-                <a14:hiddenLine xmlns="" xmlns:a14="http://schemas.microsoft.com/office/drawing/2010/main" w="9525">
+                <a14:hiddenLine xmlns:a14="http://schemas.microsoft.com/office/drawing/2010/main" xmlns="" w="9525">
                   <a:solidFill>
                     <a:srgbClr val="000000"/>
                   </a:solidFill>
@@ -2520,7 +2520,7 @@
             </a:ln>
             <a:extLst>
               <a:ext uri="{91240B29-F687-4f45-9708-019B960494DF}">
-                <a14:hiddenLine xmlns="" xmlns:a14="http://schemas.microsoft.com/office/drawing/2010/main" w="9525">
+                <a14:hiddenLine xmlns:a14="http://schemas.microsoft.com/office/drawing/2010/main" xmlns="" w="9525">
                   <a:solidFill>
                     <a:srgbClr val="000000"/>
                   </a:solidFill>
@@ -2582,7 +2582,7 @@
             </a:ln>
             <a:extLst>
               <a:ext uri="{91240B29-F687-4f45-9708-019B960494DF}">
-                <a14:hiddenLine xmlns="" xmlns:a14="http://schemas.microsoft.com/office/drawing/2010/main" w="9525">
+                <a14:hiddenLine xmlns:a14="http://schemas.microsoft.com/office/drawing/2010/main" xmlns="" w="9525">
                   <a:solidFill>
                     <a:srgbClr val="000000"/>
                   </a:solidFill>
@@ -2672,7 +2672,7 @@
             </a:ln>
             <a:extLst>
               <a:ext uri="{91240B29-F687-4f45-9708-019B960494DF}">
-                <a14:hiddenLine xmlns="" xmlns:a14="http://schemas.microsoft.com/office/drawing/2010/main" w="9525">
+                <a14:hiddenLine xmlns:a14="http://schemas.microsoft.com/office/drawing/2010/main" xmlns="" w="9525">
                   <a:solidFill>
                     <a:srgbClr val="000000"/>
                   </a:solidFill>
@@ -2740,7 +2740,7 @@
             </a:ln>
             <a:extLst>
               <a:ext uri="{91240B29-F687-4f45-9708-019B960494DF}">
-                <a14:hiddenLine xmlns="" xmlns:a14="http://schemas.microsoft.com/office/drawing/2010/main" w="9525">
+                <a14:hiddenLine xmlns:a14="http://schemas.microsoft.com/office/drawing/2010/main" xmlns="" w="9525">
                   <a:solidFill>
                     <a:srgbClr val="000000"/>
                   </a:solidFill>
@@ -2802,7 +2802,7 @@
             </a:ln>
             <a:extLst>
               <a:ext uri="{91240B29-F687-4f45-9708-019B960494DF}">
-                <a14:hiddenLine xmlns="" xmlns:a14="http://schemas.microsoft.com/office/drawing/2010/main" w="9525">
+                <a14:hiddenLine xmlns:a14="http://schemas.microsoft.com/office/drawing/2010/main" xmlns="" w="9525">
                   <a:solidFill>
                     <a:srgbClr val="000000"/>
                   </a:solidFill>
@@ -2892,7 +2892,7 @@
             </a:ln>
             <a:extLst>
               <a:ext uri="{91240B29-F687-4f45-9708-019B960494DF}">
-                <a14:hiddenLine xmlns="" xmlns:a14="http://schemas.microsoft.com/office/drawing/2010/main" w="9525">
+                <a14:hiddenLine xmlns:a14="http://schemas.microsoft.com/office/drawing/2010/main" xmlns="" w="9525">
                   <a:solidFill>
                     <a:srgbClr val="000000"/>
                   </a:solidFill>
@@ -2954,7 +2954,7 @@
             </a:ln>
             <a:extLst>
               <a:ext uri="{91240B29-F687-4f45-9708-019B960494DF}">
-                <a14:hiddenLine xmlns="" xmlns:a14="http://schemas.microsoft.com/office/drawing/2010/main" w="9525">
+                <a14:hiddenLine xmlns:a14="http://schemas.microsoft.com/office/drawing/2010/main" xmlns="" w="9525">
                   <a:solidFill>
                     <a:srgbClr val="000000"/>
                   </a:solidFill>
@@ -3044,7 +3044,7 @@
             </a:ln>
             <a:extLst>
               <a:ext uri="{91240B29-F687-4f45-9708-019B960494DF}">
-                <a14:hiddenLine xmlns="" xmlns:a14="http://schemas.microsoft.com/office/drawing/2010/main" w="9525">
+                <a14:hiddenLine xmlns:a14="http://schemas.microsoft.com/office/drawing/2010/main" xmlns="" w="9525">
                   <a:solidFill>
                     <a:srgbClr val="000000"/>
                   </a:solidFill>
@@ -3106,7 +3106,7 @@
             </a:ln>
             <a:extLst>
               <a:ext uri="{91240B29-F687-4f45-9708-019B960494DF}">
-                <a14:hiddenLine xmlns="" xmlns:a14="http://schemas.microsoft.com/office/drawing/2010/main" w="9525">
+                <a14:hiddenLine xmlns:a14="http://schemas.microsoft.com/office/drawing/2010/main" xmlns="" w="9525">
                   <a:solidFill>
                     <a:srgbClr val="000000"/>
                   </a:solidFill>
@@ -3196,7 +3196,7 @@
             </a:ln>
             <a:extLst>
               <a:ext uri="{91240B29-F687-4f45-9708-019B960494DF}">
-                <a14:hiddenLine xmlns="" xmlns:a14="http://schemas.microsoft.com/office/drawing/2010/main" w="9525">
+                <a14:hiddenLine xmlns:a14="http://schemas.microsoft.com/office/drawing/2010/main" xmlns="" w="9525">
                   <a:solidFill>
                     <a:srgbClr val="000000"/>
                   </a:solidFill>
@@ -3230,7 +3230,7 @@
             </a:ln>
             <a:extLst>
               <a:ext uri="{91240B29-F687-4f45-9708-019B960494DF}">
-                <a14:hiddenLine xmlns="" xmlns:a14="http://schemas.microsoft.com/office/drawing/2010/main" w="9525">
+                <a14:hiddenLine xmlns:a14="http://schemas.microsoft.com/office/drawing/2010/main" xmlns="" w="9525">
                   <a:solidFill>
                     <a:srgbClr val="000000"/>
                   </a:solidFill>
@@ -3295,7 +3295,7 @@
             </a:ln>
             <a:extLst>
               <a:ext uri="{91240B29-F687-4f45-9708-019B960494DF}">
-                <a14:hiddenLine xmlns="" xmlns:a14="http://schemas.microsoft.com/office/drawing/2010/main" w="9525">
+                <a14:hiddenLine xmlns:a14="http://schemas.microsoft.com/office/drawing/2010/main" xmlns="" w="9525">
                   <a:solidFill>
                     <a:srgbClr val="000000"/>
                   </a:solidFill>
@@ -3385,7 +3385,7 @@
             </a:ln>
             <a:extLst>
               <a:ext uri="{91240B29-F687-4f45-9708-019B960494DF}">
-                <a14:hiddenLine xmlns="" xmlns:a14="http://schemas.microsoft.com/office/drawing/2010/main" w="9525">
+                <a14:hiddenLine xmlns:a14="http://schemas.microsoft.com/office/drawing/2010/main" xmlns="" w="9525">
                   <a:solidFill>
                     <a:srgbClr val="000000"/>
                   </a:solidFill>
@@ -3447,7 +3447,7 @@
             </a:ln>
             <a:extLst>
               <a:ext uri="{91240B29-F687-4f45-9708-019B960494DF}">
-                <a14:hiddenLine xmlns="" xmlns:a14="http://schemas.microsoft.com/office/drawing/2010/main" w="9525">
+                <a14:hiddenLine xmlns:a14="http://schemas.microsoft.com/office/drawing/2010/main" xmlns="" w="9525">
                   <a:solidFill>
                     <a:srgbClr val="000000"/>
                   </a:solidFill>
@@ -3537,7 +3537,7 @@
             </a:ln>
             <a:extLst>
               <a:ext uri="{91240B29-F687-4f45-9708-019B960494DF}">
-                <a14:hiddenLine xmlns="" xmlns:a14="http://schemas.microsoft.com/office/drawing/2010/main" w="9525">
+                <a14:hiddenLine xmlns:a14="http://schemas.microsoft.com/office/drawing/2010/main" xmlns="" w="9525">
                   <a:solidFill>
                     <a:srgbClr val="000000"/>
                   </a:solidFill>
@@ -3627,7 +3627,7 @@
             </a:ln>
             <a:extLst>
               <a:ext uri="{91240B29-F687-4f45-9708-019B960494DF}">
-                <a14:hiddenLine xmlns="" xmlns:a14="http://schemas.microsoft.com/office/drawing/2010/main" w="9525">
+                <a14:hiddenLine xmlns:a14="http://schemas.microsoft.com/office/drawing/2010/main" xmlns="" w="9525">
                   <a:solidFill>
                     <a:srgbClr val="000000"/>
                   </a:solidFill>
@@ -3692,7 +3692,7 @@
             </a:ln>
             <a:extLst>
               <a:ext uri="{91240B29-F687-4f45-9708-019B960494DF}">
-                <a14:hiddenLine xmlns="" xmlns:a14="http://schemas.microsoft.com/office/drawing/2010/main" w="9525">
+                <a14:hiddenLine xmlns:a14="http://schemas.microsoft.com/office/drawing/2010/main" xmlns="" w="9525">
                   <a:solidFill>
                     <a:srgbClr val="000000"/>
                   </a:solidFill>
@@ -3754,7 +3754,7 @@
             </a:ln>
             <a:extLst>
               <a:ext uri="{91240B29-F687-4f45-9708-019B960494DF}">
-                <a14:hiddenLine xmlns="" xmlns:a14="http://schemas.microsoft.com/office/drawing/2010/main" w="9525">
+                <a14:hiddenLine xmlns:a14="http://schemas.microsoft.com/office/drawing/2010/main" xmlns="" w="9525">
                   <a:solidFill>
                     <a:srgbClr val="000000"/>
                   </a:solidFill>
@@ -3844,7 +3844,7 @@
             </a:ln>
             <a:extLst>
               <a:ext uri="{91240B29-F687-4f45-9708-019B960494DF}">
-                <a14:hiddenLine xmlns="" xmlns:a14="http://schemas.microsoft.com/office/drawing/2010/main" w="9525">
+                <a14:hiddenLine xmlns:a14="http://schemas.microsoft.com/office/drawing/2010/main" xmlns="" w="9525">
                   <a:solidFill>
                     <a:srgbClr val="000000"/>
                   </a:solidFill>
@@ -3934,7 +3934,7 @@
             </a:ln>
             <a:extLst>
               <a:ext uri="{91240B29-F687-4f45-9708-019B960494DF}">
-                <a14:hiddenLine xmlns="" xmlns:a14="http://schemas.microsoft.com/office/drawing/2010/main" w="9525">
+                <a14:hiddenLine xmlns:a14="http://schemas.microsoft.com/office/drawing/2010/main" xmlns="" w="9525">
                   <a:solidFill>
                     <a:srgbClr val="000000"/>
                   </a:solidFill>
@@ -3996,7 +3996,7 @@
             </a:ln>
             <a:extLst>
               <a:ext uri="{91240B29-F687-4f45-9708-019B960494DF}">
-                <a14:hiddenLine xmlns="" xmlns:a14="http://schemas.microsoft.com/office/drawing/2010/main" w="9525">
+                <a14:hiddenLine xmlns:a14="http://schemas.microsoft.com/office/drawing/2010/main" xmlns="" w="9525">
                   <a:solidFill>
                     <a:srgbClr val="000000"/>
                   </a:solidFill>
@@ -4116,7 +4116,7 @@
             </a:ln>
             <a:extLst>
               <a:ext uri="{91240B29-F687-4f45-9708-019B960494DF}">
-                <a14:hiddenLine xmlns="" xmlns:a14="http://schemas.microsoft.com/office/drawing/2010/main" w="9525">
+                <a14:hiddenLine xmlns:a14="http://schemas.microsoft.com/office/drawing/2010/main" xmlns="" w="9525">
                   <a:solidFill>
                     <a:srgbClr val="000000"/>
                   </a:solidFill>
@@ -4184,7 +4184,7 @@
             </a:ln>
             <a:extLst>
               <a:ext uri="{91240B29-F687-4f45-9708-019B960494DF}">
-                <a14:hiddenLine xmlns="" xmlns:a14="http://schemas.microsoft.com/office/drawing/2010/main" w="9525">
+                <a14:hiddenLine xmlns:a14="http://schemas.microsoft.com/office/drawing/2010/main" xmlns="" w="9525">
                   <a:solidFill>
                     <a:srgbClr val="000000"/>
                   </a:solidFill>
@@ -4274,7 +4274,7 @@
             </a:ln>
             <a:extLst>
               <a:ext uri="{91240B29-F687-4f45-9708-019B960494DF}">
-                <a14:hiddenLine xmlns="" xmlns:a14="http://schemas.microsoft.com/office/drawing/2010/main" w="9525">
+                <a14:hiddenLine xmlns:a14="http://schemas.microsoft.com/office/drawing/2010/main" xmlns="" w="9525">
                   <a:solidFill>
                     <a:srgbClr val="000000"/>
                   </a:solidFill>
@@ -4414,7 +4414,7 @@
           <a:p>
             <a:fld id="{8DCB84B0-2216-46A3-91E2-6A737E8ACCEC}" type="datetimeFigureOut">
               <a:rPr lang="pt-PT" smtClean="0"/>
-              <a:t>30-05-2016</a:t>
+              <a:t>31/05/2016</a:t>
             </a:fld>
             <a:endParaRPr lang="pt-PT"/>
           </a:p>
@@ -4684,7 +4684,7 @@
           <a:p>
             <a:fld id="{8DCB84B0-2216-46A3-91E2-6A737E8ACCEC}" type="datetimeFigureOut">
               <a:rPr lang="pt-PT" smtClean="0"/>
-              <a:t>30-05-2016</a:t>
+              <a:t>31/05/2016</a:t>
             </a:fld>
             <a:endParaRPr lang="pt-PT"/>
           </a:p>
@@ -4883,7 +4883,7 @@
           <a:p>
             <a:fld id="{8DCB84B0-2216-46A3-91E2-6A737E8ACCEC}" type="datetimeFigureOut">
               <a:rPr lang="pt-PT" smtClean="0"/>
-              <a:t>30-05-2016</a:t>
+              <a:t>31/05/2016</a:t>
             </a:fld>
             <a:endParaRPr lang="pt-PT"/>
           </a:p>
@@ -5149,7 +5149,7 @@
           <a:p>
             <a:fld id="{8DCB84B0-2216-46A3-91E2-6A737E8ACCEC}" type="datetimeFigureOut">
               <a:rPr lang="pt-PT" smtClean="0"/>
-              <a:t>30-05-2016</a:t>
+              <a:t>31/05/2016</a:t>
             </a:fld>
             <a:endParaRPr lang="pt-PT"/>
           </a:p>
@@ -5586,7 +5586,7 @@
           <a:p>
             <a:fld id="{8DCB84B0-2216-46A3-91E2-6A737E8ACCEC}" type="datetimeFigureOut">
               <a:rPr lang="pt-PT" smtClean="0"/>
-              <a:t>30-05-2016</a:t>
+              <a:t>31/05/2016</a:t>
             </a:fld>
             <a:endParaRPr lang="pt-PT"/>
           </a:p>
@@ -6135,7 +6135,7 @@
           <a:p>
             <a:fld id="{8DCB84B0-2216-46A3-91E2-6A737E8ACCEC}" type="datetimeFigureOut">
               <a:rPr lang="pt-PT" smtClean="0"/>
-              <a:t>30-05-2016</a:t>
+              <a:t>31/05/2016</a:t>
             </a:fld>
             <a:endParaRPr lang="pt-PT"/>
           </a:p>
@@ -6858,7 +6858,7 @@
           <a:p>
             <a:fld id="{8DCB84B0-2216-46A3-91E2-6A737E8ACCEC}" type="datetimeFigureOut">
               <a:rPr lang="pt-PT" smtClean="0"/>
-              <a:t>30-05-2016</a:t>
+              <a:t>31/05/2016</a:t>
             </a:fld>
             <a:endParaRPr lang="pt-PT"/>
           </a:p>
@@ -7031,7 +7031,7 @@
           <a:p>
             <a:fld id="{8DCB84B0-2216-46A3-91E2-6A737E8ACCEC}" type="datetimeFigureOut">
               <a:rPr lang="pt-PT" smtClean="0"/>
-              <a:t>30-05-2016</a:t>
+              <a:t>31/05/2016</a:t>
             </a:fld>
             <a:endParaRPr lang="pt-PT"/>
           </a:p>
@@ -7214,7 +7214,7 @@
           <a:p>
             <a:fld id="{8DCB84B0-2216-46A3-91E2-6A737E8ACCEC}" type="datetimeFigureOut">
               <a:rPr lang="pt-PT" smtClean="0"/>
-              <a:t>30-05-2016</a:t>
+              <a:t>31/05/2016</a:t>
             </a:fld>
             <a:endParaRPr lang="pt-PT"/>
           </a:p>
@@ -7387,7 +7387,7 @@
           <a:p>
             <a:fld id="{8DCB84B0-2216-46A3-91E2-6A737E8ACCEC}" type="datetimeFigureOut">
               <a:rPr lang="pt-PT" smtClean="0"/>
-              <a:t>30-05-2016</a:t>
+              <a:t>31/05/2016</a:t>
             </a:fld>
             <a:endParaRPr lang="pt-PT"/>
           </a:p>
@@ -7640,7 +7640,7 @@
           <a:p>
             <a:fld id="{8DCB84B0-2216-46A3-91E2-6A737E8ACCEC}" type="datetimeFigureOut">
               <a:rPr lang="pt-PT" smtClean="0"/>
-              <a:t>30-05-2016</a:t>
+              <a:t>31/05/2016</a:t>
             </a:fld>
             <a:endParaRPr lang="pt-PT"/>
           </a:p>
@@ -7875,7 +7875,7 @@
           <a:p>
             <a:fld id="{8DCB84B0-2216-46A3-91E2-6A737E8ACCEC}" type="datetimeFigureOut">
               <a:rPr lang="pt-PT" smtClean="0"/>
-              <a:t>30-05-2016</a:t>
+              <a:t>31/05/2016</a:t>
             </a:fld>
             <a:endParaRPr lang="pt-PT"/>
           </a:p>
@@ -8259,7 +8259,7 @@
           <a:p>
             <a:fld id="{8DCB84B0-2216-46A3-91E2-6A737E8ACCEC}" type="datetimeFigureOut">
               <a:rPr lang="pt-PT" smtClean="0"/>
-              <a:t>30-05-2016</a:t>
+              <a:t>31/05/2016</a:t>
             </a:fld>
             <a:endParaRPr lang="pt-PT"/>
           </a:p>
@@ -8380,7 +8380,7 @@
           <a:p>
             <a:fld id="{8DCB84B0-2216-46A3-91E2-6A737E8ACCEC}" type="datetimeFigureOut">
               <a:rPr lang="pt-PT" smtClean="0"/>
-              <a:t>30-05-2016</a:t>
+              <a:t>31/05/2016</a:t>
             </a:fld>
             <a:endParaRPr lang="pt-PT"/>
           </a:p>
@@ -8478,7 +8478,7 @@
           <a:p>
             <a:fld id="{8DCB84B0-2216-46A3-91E2-6A737E8ACCEC}" type="datetimeFigureOut">
               <a:rPr lang="pt-PT" smtClean="0"/>
-              <a:t>30-05-2016</a:t>
+              <a:t>31/05/2016</a:t>
             </a:fld>
             <a:endParaRPr lang="pt-PT"/>
           </a:p>
@@ -8730,7 +8730,7 @@
           <a:p>
             <a:fld id="{8DCB84B0-2216-46A3-91E2-6A737E8ACCEC}" type="datetimeFigureOut">
               <a:rPr lang="pt-PT" smtClean="0"/>
-              <a:t>30-05-2016</a:t>
+              <a:t>31/05/2016</a:t>
             </a:fld>
             <a:endParaRPr lang="pt-PT"/>
           </a:p>
@@ -9013,7 +9013,7 @@
           <a:p>
             <a:fld id="{8DCB84B0-2216-46A3-91E2-6A737E8ACCEC}" type="datetimeFigureOut">
               <a:rPr lang="pt-PT" smtClean="0"/>
-              <a:t>30-05-2016</a:t>
+              <a:t>31/05/2016</a:t>
             </a:fld>
             <a:endParaRPr lang="pt-PT"/>
           </a:p>
@@ -9169,7 +9169,7 @@
           <a:noFill/>
           <a:extLst>
             <a:ext uri="{909E8E84-426E-40dd-AFC4-6F175D3DCCD1}">
-              <a14:hiddenFill xmlns="" xmlns:a14="http://schemas.microsoft.com/office/drawing/2010/main">
+              <a14:hiddenFill xmlns:a14="http://schemas.microsoft.com/office/drawing/2010/main" xmlns="">
                 <a:solidFill>
                   <a:srgbClr val="FFFFFF"/>
                 </a:solidFill>
@@ -9243,7 +9243,7 @@
               </a:ln>
               <a:extLst>
                 <a:ext uri="{91240B29-F687-4f45-9708-019B960494DF}">
-                  <a14:hiddenLine xmlns="" xmlns:a14="http://schemas.microsoft.com/office/drawing/2010/main" w="9525">
+                  <a14:hiddenLine xmlns:a14="http://schemas.microsoft.com/office/drawing/2010/main" xmlns="" w="9525">
                     <a:solidFill>
                       <a:srgbClr val="000000"/>
                     </a:solidFill>
@@ -9333,7 +9333,7 @@
               </a:ln>
               <a:extLst>
                 <a:ext uri="{91240B29-F687-4f45-9708-019B960494DF}">
-                  <a14:hiddenLine xmlns="" xmlns:a14="http://schemas.microsoft.com/office/drawing/2010/main" w="9525">
+                  <a14:hiddenLine xmlns:a14="http://schemas.microsoft.com/office/drawing/2010/main" xmlns="" w="9525">
                     <a:solidFill>
                       <a:srgbClr val="000000"/>
                     </a:solidFill>
@@ -9423,7 +9423,7 @@
               </a:ln>
               <a:extLst>
                 <a:ext uri="{91240B29-F687-4f45-9708-019B960494DF}">
-                  <a14:hiddenLine xmlns="" xmlns:a14="http://schemas.microsoft.com/office/drawing/2010/main" w="9525">
+                  <a14:hiddenLine xmlns:a14="http://schemas.microsoft.com/office/drawing/2010/main" xmlns="" w="9525">
                     <a:solidFill>
                       <a:srgbClr val="000000"/>
                     </a:solidFill>
@@ -9485,7 +9485,7 @@
               </a:ln>
               <a:extLst>
                 <a:ext uri="{91240B29-F687-4f45-9708-019B960494DF}">
-                  <a14:hiddenLine xmlns="" xmlns:a14="http://schemas.microsoft.com/office/drawing/2010/main" w="9525">
+                  <a14:hiddenLine xmlns:a14="http://schemas.microsoft.com/office/drawing/2010/main" xmlns="" w="9525">
                     <a:solidFill>
                       <a:srgbClr val="000000"/>
                     </a:solidFill>
@@ -9575,7 +9575,7 @@
               </a:ln>
               <a:extLst>
                 <a:ext uri="{91240B29-F687-4f45-9708-019B960494DF}">
-                  <a14:hiddenLine xmlns="" xmlns:a14="http://schemas.microsoft.com/office/drawing/2010/main" w="9525">
+                  <a14:hiddenLine xmlns:a14="http://schemas.microsoft.com/office/drawing/2010/main" xmlns="" w="9525">
                     <a:solidFill>
                       <a:srgbClr val="000000"/>
                     </a:solidFill>
@@ -9637,7 +9637,7 @@
               </a:ln>
               <a:extLst>
                 <a:ext uri="{91240B29-F687-4f45-9708-019B960494DF}">
-                  <a14:hiddenLine xmlns="" xmlns:a14="http://schemas.microsoft.com/office/drawing/2010/main" w="9525">
+                  <a14:hiddenLine xmlns:a14="http://schemas.microsoft.com/office/drawing/2010/main" xmlns="" w="9525">
                     <a:solidFill>
                       <a:srgbClr val="000000"/>
                     </a:solidFill>
@@ -9699,7 +9699,7 @@
               </a:ln>
               <a:extLst>
                 <a:ext uri="{91240B29-F687-4f45-9708-019B960494DF}">
-                  <a14:hiddenLine xmlns="" xmlns:a14="http://schemas.microsoft.com/office/drawing/2010/main" w="9525">
+                  <a14:hiddenLine xmlns:a14="http://schemas.microsoft.com/office/drawing/2010/main" xmlns="" w="9525">
                     <a:solidFill>
                       <a:srgbClr val="000000"/>
                     </a:solidFill>
@@ -9789,7 +9789,7 @@
               </a:ln>
               <a:extLst>
                 <a:ext uri="{91240B29-F687-4f45-9708-019B960494DF}">
-                  <a14:hiddenLine xmlns="" xmlns:a14="http://schemas.microsoft.com/office/drawing/2010/main" w="9525">
+                  <a14:hiddenLine xmlns:a14="http://schemas.microsoft.com/office/drawing/2010/main" xmlns="" w="9525">
                     <a:solidFill>
                       <a:srgbClr val="000000"/>
                     </a:solidFill>
@@ -9879,7 +9879,7 @@
               </a:ln>
               <a:extLst>
                 <a:ext uri="{91240B29-F687-4f45-9708-019B960494DF}">
-                  <a14:hiddenLine xmlns="" xmlns:a14="http://schemas.microsoft.com/office/drawing/2010/main" w="9525">
+                  <a14:hiddenLine xmlns:a14="http://schemas.microsoft.com/office/drawing/2010/main" xmlns="" w="9525">
                     <a:solidFill>
                       <a:srgbClr val="000000"/>
                     </a:solidFill>
@@ -9941,7 +9941,7 @@
               </a:ln>
               <a:extLst>
                 <a:ext uri="{91240B29-F687-4f45-9708-019B960494DF}">
-                  <a14:hiddenLine xmlns="" xmlns:a14="http://schemas.microsoft.com/office/drawing/2010/main" w="9525">
+                  <a14:hiddenLine xmlns:a14="http://schemas.microsoft.com/office/drawing/2010/main" xmlns="" w="9525">
                     <a:solidFill>
                       <a:srgbClr val="000000"/>
                     </a:solidFill>
@@ -10051,7 +10051,7 @@
               </a:ln>
               <a:extLst>
                 <a:ext uri="{91240B29-F687-4f45-9708-019B960494DF}">
-                  <a14:hiddenLine xmlns="" xmlns:a14="http://schemas.microsoft.com/office/drawing/2010/main" w="9525">
+                  <a14:hiddenLine xmlns:a14="http://schemas.microsoft.com/office/drawing/2010/main" xmlns="" w="9525">
                     <a:solidFill>
                       <a:srgbClr val="000000"/>
                     </a:solidFill>
@@ -10135,7 +10135,7 @@
               </a:ln>
               <a:extLst>
                 <a:ext uri="{91240B29-F687-4f45-9708-019B960494DF}">
-                  <a14:hiddenLine xmlns="" xmlns:a14="http://schemas.microsoft.com/office/drawing/2010/main" w="9525">
+                  <a14:hiddenLine xmlns:a14="http://schemas.microsoft.com/office/drawing/2010/main" xmlns="" w="9525">
                     <a:solidFill>
                       <a:srgbClr val="000000"/>
                     </a:solidFill>
@@ -10197,7 +10197,7 @@
               </a:ln>
               <a:extLst>
                 <a:ext uri="{91240B29-F687-4f45-9708-019B960494DF}">
-                  <a14:hiddenLine xmlns="" xmlns:a14="http://schemas.microsoft.com/office/drawing/2010/main" w="9525">
+                  <a14:hiddenLine xmlns:a14="http://schemas.microsoft.com/office/drawing/2010/main" xmlns="" w="9525">
                     <a:solidFill>
                       <a:srgbClr val="000000"/>
                     </a:solidFill>
@@ -10259,7 +10259,7 @@
               </a:ln>
               <a:extLst>
                 <a:ext uri="{91240B29-F687-4f45-9708-019B960494DF}">
-                  <a14:hiddenLine xmlns="" xmlns:a14="http://schemas.microsoft.com/office/drawing/2010/main" w="9525">
+                  <a14:hiddenLine xmlns:a14="http://schemas.microsoft.com/office/drawing/2010/main" xmlns="" w="9525">
                     <a:solidFill>
                       <a:srgbClr val="000000"/>
                     </a:solidFill>
@@ -10349,7 +10349,7 @@
               </a:ln>
               <a:extLst>
                 <a:ext uri="{91240B29-F687-4f45-9708-019B960494DF}">
-                  <a14:hiddenLine xmlns="" xmlns:a14="http://schemas.microsoft.com/office/drawing/2010/main" w="9525">
+                  <a14:hiddenLine xmlns:a14="http://schemas.microsoft.com/office/drawing/2010/main" xmlns="" w="9525">
                     <a:solidFill>
                       <a:srgbClr val="000000"/>
                     </a:solidFill>
@@ -10383,7 +10383,7 @@
               </a:ln>
               <a:extLst>
                 <a:ext uri="{91240B29-F687-4f45-9708-019B960494DF}">
-                  <a14:hiddenLine xmlns="" xmlns:a14="http://schemas.microsoft.com/office/drawing/2010/main" w="9525">
+                  <a14:hiddenLine xmlns:a14="http://schemas.microsoft.com/office/drawing/2010/main" xmlns="" w="9525">
                     <a:solidFill>
                       <a:srgbClr val="000000"/>
                     </a:solidFill>
@@ -10448,7 +10448,7 @@
               </a:ln>
               <a:extLst>
                 <a:ext uri="{91240B29-F687-4f45-9708-019B960494DF}">
-                  <a14:hiddenLine xmlns="" xmlns:a14="http://schemas.microsoft.com/office/drawing/2010/main" w="9525">
+                  <a14:hiddenLine xmlns:a14="http://schemas.microsoft.com/office/drawing/2010/main" xmlns="" w="9525">
                     <a:solidFill>
                       <a:srgbClr val="000000"/>
                     </a:solidFill>
@@ -10538,7 +10538,7 @@
               </a:ln>
               <a:extLst>
                 <a:ext uri="{91240B29-F687-4f45-9708-019B960494DF}">
-                  <a14:hiddenLine xmlns="" xmlns:a14="http://schemas.microsoft.com/office/drawing/2010/main" w="9525">
+                  <a14:hiddenLine xmlns:a14="http://schemas.microsoft.com/office/drawing/2010/main" xmlns="" w="9525">
                     <a:solidFill>
                       <a:srgbClr val="000000"/>
                     </a:solidFill>
@@ -10600,7 +10600,7 @@
               </a:ln>
               <a:extLst>
                 <a:ext uri="{91240B29-F687-4f45-9708-019B960494DF}">
-                  <a14:hiddenLine xmlns="" xmlns:a14="http://schemas.microsoft.com/office/drawing/2010/main" w="9525">
+                  <a14:hiddenLine xmlns:a14="http://schemas.microsoft.com/office/drawing/2010/main" xmlns="" w="9525">
                     <a:solidFill>
                       <a:srgbClr val="000000"/>
                     </a:solidFill>
@@ -10690,7 +10690,7 @@
               </a:ln>
               <a:extLst>
                 <a:ext uri="{91240B29-F687-4f45-9708-019B960494DF}">
-                  <a14:hiddenLine xmlns="" xmlns:a14="http://schemas.microsoft.com/office/drawing/2010/main" w="9525">
+                  <a14:hiddenLine xmlns:a14="http://schemas.microsoft.com/office/drawing/2010/main" xmlns="" w="9525">
                     <a:solidFill>
                       <a:srgbClr val="000000"/>
                     </a:solidFill>
@@ -10755,7 +10755,7 @@
               </a:ln>
               <a:extLst>
                 <a:ext uri="{91240B29-F687-4f45-9708-019B960494DF}">
-                  <a14:hiddenLine xmlns="" xmlns:a14="http://schemas.microsoft.com/office/drawing/2010/main" w="9525">
+                  <a14:hiddenLine xmlns:a14="http://schemas.microsoft.com/office/drawing/2010/main" xmlns="" w="9525">
                     <a:solidFill>
                       <a:srgbClr val="000000"/>
                     </a:solidFill>
@@ -10817,7 +10817,7 @@
               </a:ln>
               <a:extLst>
                 <a:ext uri="{91240B29-F687-4f45-9708-019B960494DF}">
-                  <a14:hiddenLine xmlns="" xmlns:a14="http://schemas.microsoft.com/office/drawing/2010/main" w="9525">
+                  <a14:hiddenLine xmlns:a14="http://schemas.microsoft.com/office/drawing/2010/main" xmlns="" w="9525">
                     <a:solidFill>
                       <a:srgbClr val="000000"/>
                     </a:solidFill>
@@ -10907,7 +10907,7 @@
               </a:ln>
               <a:extLst>
                 <a:ext uri="{91240B29-F687-4f45-9708-019B960494DF}">
-                  <a14:hiddenLine xmlns="" xmlns:a14="http://schemas.microsoft.com/office/drawing/2010/main" w="9525">
+                  <a14:hiddenLine xmlns:a14="http://schemas.microsoft.com/office/drawing/2010/main" xmlns="" w="9525">
                     <a:solidFill>
                       <a:srgbClr val="000000"/>
                     </a:solidFill>
@@ -10997,7 +10997,7 @@
               </a:ln>
               <a:extLst>
                 <a:ext uri="{91240B29-F687-4f45-9708-019B960494DF}">
-                  <a14:hiddenLine xmlns="" xmlns:a14="http://schemas.microsoft.com/office/drawing/2010/main" w="9525">
+                  <a14:hiddenLine xmlns:a14="http://schemas.microsoft.com/office/drawing/2010/main" xmlns="" w="9525">
                     <a:solidFill>
                       <a:srgbClr val="000000"/>
                     </a:solidFill>
@@ -11062,7 +11062,7 @@
               </a:ln>
               <a:extLst>
                 <a:ext uri="{91240B29-F687-4f45-9708-019B960494DF}">
-                  <a14:hiddenLine xmlns="" xmlns:a14="http://schemas.microsoft.com/office/drawing/2010/main" w="9525">
+                  <a14:hiddenLine xmlns:a14="http://schemas.microsoft.com/office/drawing/2010/main" xmlns="" w="9525">
                     <a:solidFill>
                       <a:srgbClr val="000000"/>
                     </a:solidFill>
@@ -11182,7 +11182,7 @@
               </a:ln>
               <a:extLst>
                 <a:ext uri="{91240B29-F687-4f45-9708-019B960494DF}">
-                  <a14:hiddenLine xmlns="" xmlns:a14="http://schemas.microsoft.com/office/drawing/2010/main" w="9525">
+                  <a14:hiddenLine xmlns:a14="http://schemas.microsoft.com/office/drawing/2010/main" xmlns="" w="9525">
                     <a:solidFill>
                       <a:srgbClr val="000000"/>
                     </a:solidFill>
@@ -11263,7 +11263,7 @@
               </a:ln>
               <a:extLst>
                 <a:ext uri="{91240B29-F687-4f45-9708-019B960494DF}">
-                  <a14:hiddenLine xmlns="" xmlns:a14="http://schemas.microsoft.com/office/drawing/2010/main" w="9525">
+                  <a14:hiddenLine xmlns:a14="http://schemas.microsoft.com/office/drawing/2010/main" xmlns="" w="9525">
                     <a:solidFill>
                       <a:srgbClr val="000000"/>
                     </a:solidFill>
@@ -11378,7 +11378,7 @@
               </a:ln>
               <a:extLst>
                 <a:ext uri="{91240B29-F687-4f45-9708-019B960494DF}">
-                  <a14:hiddenLine xmlns="" xmlns:a14="http://schemas.microsoft.com/office/drawing/2010/main" w="9525">
+                  <a14:hiddenLine xmlns:a14="http://schemas.microsoft.com/office/drawing/2010/main" xmlns="" w="9525">
                     <a:solidFill>
                       <a:srgbClr val="000000"/>
                     </a:solidFill>
@@ -11468,7 +11468,7 @@
               </a:ln>
               <a:extLst>
                 <a:ext uri="{91240B29-F687-4f45-9708-019B960494DF}">
-                  <a14:hiddenLine xmlns="" xmlns:a14="http://schemas.microsoft.com/office/drawing/2010/main" w="9525">
+                  <a14:hiddenLine xmlns:a14="http://schemas.microsoft.com/office/drawing/2010/main" xmlns="" w="9525">
                     <a:solidFill>
                       <a:srgbClr val="000000"/>
                     </a:solidFill>
@@ -11533,7 +11533,7 @@
               </a:ln>
               <a:extLst>
                 <a:ext uri="{91240B29-F687-4f45-9708-019B960494DF}">
-                  <a14:hiddenLine xmlns="" xmlns:a14="http://schemas.microsoft.com/office/drawing/2010/main" w="9525">
+                  <a14:hiddenLine xmlns:a14="http://schemas.microsoft.com/office/drawing/2010/main" xmlns="" w="9525">
                     <a:solidFill>
                       <a:srgbClr val="000000"/>
                     </a:solidFill>
@@ -11623,7 +11623,7 @@
               </a:ln>
               <a:extLst>
                 <a:ext uri="{91240B29-F687-4f45-9708-019B960494DF}">
-                  <a14:hiddenLine xmlns="" xmlns:a14="http://schemas.microsoft.com/office/drawing/2010/main" w="9525">
+                  <a14:hiddenLine xmlns:a14="http://schemas.microsoft.com/office/drawing/2010/main" xmlns="" w="9525">
                     <a:solidFill>
                       <a:srgbClr val="000000"/>
                     </a:solidFill>
@@ -11691,7 +11691,7 @@
               </a:ln>
               <a:extLst>
                 <a:ext uri="{91240B29-F687-4f45-9708-019B960494DF}">
-                  <a14:hiddenLine xmlns="" xmlns:a14="http://schemas.microsoft.com/office/drawing/2010/main" w="9525">
+                  <a14:hiddenLine xmlns:a14="http://schemas.microsoft.com/office/drawing/2010/main" xmlns="" w="9525">
                     <a:solidFill>
                       <a:srgbClr val="000000"/>
                     </a:solidFill>
@@ -11781,7 +11781,7 @@
               </a:ln>
               <a:extLst>
                 <a:ext uri="{91240B29-F687-4f45-9708-019B960494DF}">
-                  <a14:hiddenLine xmlns="" xmlns:a14="http://schemas.microsoft.com/office/drawing/2010/main" w="9525">
+                  <a14:hiddenLine xmlns:a14="http://schemas.microsoft.com/office/drawing/2010/main" xmlns="" w="9525">
                     <a:solidFill>
                       <a:srgbClr val="000000"/>
                     </a:solidFill>
@@ -11849,7 +11849,7 @@
               </a:ln>
               <a:extLst>
                 <a:ext uri="{91240B29-F687-4f45-9708-019B960494DF}">
-                  <a14:hiddenLine xmlns="" xmlns:a14="http://schemas.microsoft.com/office/drawing/2010/main" w="9525">
+                  <a14:hiddenLine xmlns:a14="http://schemas.microsoft.com/office/drawing/2010/main" xmlns="" w="9525">
                     <a:solidFill>
                       <a:srgbClr val="000000"/>
                     </a:solidFill>
@@ -11939,7 +11939,7 @@
               </a:ln>
               <a:extLst>
                 <a:ext uri="{91240B29-F687-4f45-9708-019B960494DF}">
-                  <a14:hiddenLine xmlns="" xmlns:a14="http://schemas.microsoft.com/office/drawing/2010/main" w="9525">
+                  <a14:hiddenLine xmlns:a14="http://schemas.microsoft.com/office/drawing/2010/main" xmlns="" w="9525">
                     <a:solidFill>
                       <a:srgbClr val="000000"/>
                     </a:solidFill>
@@ -11973,7 +11973,7 @@
               </a:ln>
               <a:extLst>
                 <a:ext uri="{91240B29-F687-4f45-9708-019B960494DF}">
-                  <a14:hiddenLine xmlns="" xmlns:a14="http://schemas.microsoft.com/office/drawing/2010/main" w="9525">
+                  <a14:hiddenLine xmlns:a14="http://schemas.microsoft.com/office/drawing/2010/main" xmlns="" w="9525">
                     <a:solidFill>
                       <a:srgbClr val="000000"/>
                     </a:solidFill>
@@ -12113,7 +12113,7 @@
           <a:p>
             <a:fld id="{8DCB84B0-2216-46A3-91E2-6A737E8ACCEC}" type="datetimeFigureOut">
               <a:rPr lang="pt-PT" smtClean="0"/>
-              <a:t>30-05-2016</a:t>
+              <a:t>31/05/2016</a:t>
             </a:fld>
             <a:endParaRPr lang="pt-PT"/>
           </a:p>
@@ -15347,16 +15347,32 @@
           <a:lstStyle/>
           <a:p>
             <a:r>
-              <a:rPr lang="pt-PT" dirty="0" err="1"/>
-              <a:t>Section</a:t>
-            </a:r>
-            <a:r>
-              <a:rPr lang="pt-PT" dirty="0"/>
+              <a:rPr lang="pt-PT" dirty="0" err="1" smtClean="0"/>
+              <a:t>Code</a:t>
+            </a:r>
+            <a:r>
+              <a:rPr lang="pt-PT" dirty="0" smtClean="0"/>
               <a:t> </a:t>
             </a:r>
             <a:r>
+              <a:rPr lang="pt-PT" dirty="0" err="1" smtClean="0"/>
+              <a:t>Contribution</a:t>
+            </a:r>
+            <a:r>
               <a:rPr lang="pt-PT" dirty="0" smtClean="0"/>
-              <a:t>X (Regra do Miguel)</a:t>
+              <a:t>: </a:t>
+            </a:r>
+            <a:r>
+              <a:rPr lang="pt-PT" dirty="0" err="1" smtClean="0"/>
+              <a:t>Makefile</a:t>
+            </a:r>
+            <a:r>
+              <a:rPr lang="pt-PT" dirty="0" smtClean="0"/>
+              <a:t> </a:t>
+            </a:r>
+            <a:r>
+              <a:rPr lang="pt-PT" dirty="0" err="1" smtClean="0"/>
+              <a:t>RUle</a:t>
             </a:r>
             <a:endParaRPr lang="pt-PT" dirty="0"/>
           </a:p>
@@ -15364,12 +15380,12 @@
       </p:sp>
       <p:sp>
         <p:nvSpPr>
-          <p:cNvPr id="3" name="Marcador de Posição de Conteúdo 2"/>
+          <p:cNvPr id="4" name="Marcador de Posição de Conteúdo 3"/>
           <p:cNvSpPr>
             <a:spLocks noGrp="1"/>
           </p:cNvSpPr>
           <p:nvPr>
-            <p:ph idx="1"/>
+            <p:ph sz="half" idx="1"/>
           </p:nvPr>
         </p:nvSpPr>
         <p:spPr/>
@@ -15377,10 +15393,71 @@
           <a:bodyPr/>
           <a:lstStyle/>
           <a:p>
-            <a:endParaRPr lang="pt-PT"/>
+            <a:r>
+              <a:rPr lang="en-US" dirty="0" smtClean="0"/>
+              <a:t>We implemented a dynamic rule that, given malformed/invalid make file invocation:</a:t>
+            </a:r>
+          </a:p>
+          <a:p>
+            <a:pPr lvl="1"/>
+            <a:r>
+              <a:rPr lang="en-US" dirty="0" smtClean="0"/>
+              <a:t>Parses the </a:t>
+            </a:r>
+            <a:r>
+              <a:rPr lang="en-US" i="1" dirty="0" err="1" smtClean="0"/>
+              <a:t>Makefile</a:t>
+            </a:r>
+            <a:r>
+              <a:rPr lang="en-US" dirty="0" smtClean="0"/>
+              <a:t>;</a:t>
+            </a:r>
+          </a:p>
+          <a:p>
+            <a:pPr lvl="1"/>
+            <a:r>
+              <a:rPr lang="en-US" dirty="0" smtClean="0"/>
+              <a:t>Retrieves it’s targets using regular expression matching;</a:t>
+            </a:r>
+          </a:p>
+          <a:p>
+            <a:pPr lvl="1"/>
+            <a:r>
+              <a:rPr lang="en-US" dirty="0" smtClean="0"/>
+              <a:t>Returns the most similarly named valid target.</a:t>
+            </a:r>
+            <a:endParaRPr lang="en-US" dirty="0"/>
           </a:p>
         </p:txBody>
       </p:sp>
+      <p:pic>
+        <p:nvPicPr>
+          <p:cNvPr id="6" name="Marcador de Posição de Conteúdo 5"/>
+          <p:cNvPicPr>
+            <a:picLocks noGrp="1" noChangeAspect="1"/>
+          </p:cNvPicPr>
+          <p:nvPr>
+            <p:ph sz="half" idx="2"/>
+          </p:nvPr>
+        </p:nvPicPr>
+        <p:blipFill rotWithShape="1">
+          <a:blip r:embed="rId2" cstate="print">
+            <a:extLst>
+              <a:ext uri="{28A0092B-C50C-407E-A947-70E740481C1C}">
+                <a14:useLocalDpi xmlns:a14="http://schemas.microsoft.com/office/drawing/2010/main" val="0"/>
+              </a:ext>
+            </a:extLst>
+          </a:blip>
+          <a:srcRect l="18087" t="8171" r="26449" b="26538"/>
+          <a:stretch/>
+        </p:blipFill>
+        <p:spPr>
+          <a:xfrm>
+            <a:off x="6019799" y="2092427"/>
+            <a:ext cx="5697584" cy="3770866"/>
+          </a:xfrm>
+        </p:spPr>
+      </p:pic>
     </p:spTree>
     <p:extLst>
       <p:ext uri="{BB962C8B-B14F-4D97-AF65-F5344CB8AC3E}">
@@ -15468,16 +15545,29 @@
             </a:r>
             <a:r>
               <a:rPr lang="en-US" dirty="0"/>
-              <a:t>the contribution of each element to this report, the group believes that the work was equally distributed by the five elements, with the exception of Section X. This section, and all the work behind it, was entirely developed by Miguel </a:t>
-            </a:r>
-            <a:r>
-              <a:rPr lang="en-US"/>
-              <a:t>Ferreira</a:t>
-            </a:r>
-            <a:r>
-              <a:rPr lang="en-US" smtClean="0"/>
-              <a:t>.</a:t>
-            </a:r>
+              <a:t>the contribution of each element to this report, the group believes that the work was equally distributed by the five elements, with </a:t>
+            </a:r>
+            <a:r>
+              <a:rPr lang="en-US" dirty="0" smtClean="0"/>
+              <a:t>the exception of </a:t>
+            </a:r>
+            <a:r>
+              <a:rPr lang="en-US" dirty="0" smtClean="0"/>
+              <a:t>the </a:t>
+            </a:r>
+            <a:r>
+              <a:rPr lang="en-US" i="1" dirty="0" err="1" smtClean="0"/>
+              <a:t>Makefile</a:t>
+            </a:r>
+            <a:r>
+              <a:rPr lang="en-US" i="1" dirty="0" smtClean="0"/>
+              <a:t> </a:t>
+            </a:r>
+            <a:r>
+              <a:rPr lang="en-US" dirty="0" smtClean="0"/>
+              <a:t>rule which was implemented by Miguel Ferreira.</a:t>
+            </a:r>
+            <a:endParaRPr lang="en-US" dirty="0" smtClean="0"/>
           </a:p>
           <a:p>
             <a:pPr marL="0" indent="0" algn="just">

--- a/ArchSW-docs/The Fuck.pptx
+++ b/ArchSW-docs/The Fuck.pptx
@@ -189,7 +189,7 @@
           <a:noFill/>
           <a:extLst>
             <a:ext uri="{909E8E84-426E-40dd-AFC4-6F175D3DCCD1}">
-              <a14:hiddenFill xmlns:a14="http://schemas.microsoft.com/office/drawing/2010/main" xmlns="">
+              <a14:hiddenFill xmlns="" xmlns:a14="http://schemas.microsoft.com/office/drawing/2010/main">
                 <a:solidFill>
                   <a:srgbClr val="FFFFFF"/>
                 </a:solidFill>
@@ -248,7 +248,7 @@
             </a:ln>
             <a:extLst>
               <a:ext uri="{91240B29-F687-4f45-9708-019B960494DF}">
-                <a14:hiddenLine xmlns:a14="http://schemas.microsoft.com/office/drawing/2010/main" xmlns="" w="9525">
+                <a14:hiddenLine xmlns="" xmlns:a14="http://schemas.microsoft.com/office/drawing/2010/main" w="9525">
                   <a:solidFill>
                     <a:srgbClr val="000000"/>
                   </a:solidFill>
@@ -338,7 +338,7 @@
             </a:ln>
             <a:extLst>
               <a:ext uri="{91240B29-F687-4f45-9708-019B960494DF}">
-                <a14:hiddenLine xmlns:a14="http://schemas.microsoft.com/office/drawing/2010/main" xmlns="" w="9525">
+                <a14:hiddenLine xmlns="" xmlns:a14="http://schemas.microsoft.com/office/drawing/2010/main" w="9525">
                   <a:solidFill>
                     <a:srgbClr val="000000"/>
                   </a:solidFill>
@@ -428,7 +428,7 @@
             </a:ln>
             <a:extLst>
               <a:ext uri="{91240B29-F687-4f45-9708-019B960494DF}">
-                <a14:hiddenLine xmlns:a14="http://schemas.microsoft.com/office/drawing/2010/main" xmlns="" w="9525">
+                <a14:hiddenLine xmlns="" xmlns:a14="http://schemas.microsoft.com/office/drawing/2010/main" w="9525">
                   <a:solidFill>
                     <a:srgbClr val="000000"/>
                   </a:solidFill>
@@ -462,7 +462,7 @@
             </a:ln>
             <a:extLst>
               <a:ext uri="{91240B29-F687-4f45-9708-019B960494DF}">
-                <a14:hiddenLine xmlns:a14="http://schemas.microsoft.com/office/drawing/2010/main" xmlns="" w="9525">
+                <a14:hiddenLine xmlns="" xmlns:a14="http://schemas.microsoft.com/office/drawing/2010/main" w="9525">
                   <a:solidFill>
                     <a:srgbClr val="000000"/>
                   </a:solidFill>
@@ -552,7 +552,7 @@
             </a:ln>
             <a:extLst>
               <a:ext uri="{91240B29-F687-4f45-9708-019B960494DF}">
-                <a14:hiddenLine xmlns:a14="http://schemas.microsoft.com/office/drawing/2010/main" xmlns="" w="9525">
+                <a14:hiddenLine xmlns="" xmlns:a14="http://schemas.microsoft.com/office/drawing/2010/main" w="9525">
                   <a:solidFill>
                     <a:srgbClr val="000000"/>
                   </a:solidFill>
@@ -614,7 +614,7 @@
             </a:ln>
             <a:extLst>
               <a:ext uri="{91240B29-F687-4f45-9708-019B960494DF}">
-                <a14:hiddenLine xmlns:a14="http://schemas.microsoft.com/office/drawing/2010/main" xmlns="" w="9525">
+                <a14:hiddenLine xmlns="" xmlns:a14="http://schemas.microsoft.com/office/drawing/2010/main" w="9525">
                   <a:solidFill>
                     <a:srgbClr val="000000"/>
                   </a:solidFill>
@@ -676,7 +676,7 @@
             </a:ln>
             <a:extLst>
               <a:ext uri="{91240B29-F687-4f45-9708-019B960494DF}">
-                <a14:hiddenLine xmlns:a14="http://schemas.microsoft.com/office/drawing/2010/main" xmlns="" w="9525">
+                <a14:hiddenLine xmlns="" xmlns:a14="http://schemas.microsoft.com/office/drawing/2010/main" w="9525">
                   <a:solidFill>
                     <a:srgbClr val="000000"/>
                   </a:solidFill>
@@ -766,7 +766,7 @@
             </a:ln>
             <a:extLst>
               <a:ext uri="{91240B29-F687-4f45-9708-019B960494DF}">
-                <a14:hiddenLine xmlns:a14="http://schemas.microsoft.com/office/drawing/2010/main" xmlns="" w="9525">
+                <a14:hiddenLine xmlns="" xmlns:a14="http://schemas.microsoft.com/office/drawing/2010/main" w="9525">
                   <a:solidFill>
                     <a:srgbClr val="000000"/>
                   </a:solidFill>
@@ -828,7 +828,7 @@
             </a:ln>
             <a:extLst>
               <a:ext uri="{91240B29-F687-4f45-9708-019B960494DF}">
-                <a14:hiddenLine xmlns:a14="http://schemas.microsoft.com/office/drawing/2010/main" xmlns="" w="9525">
+                <a14:hiddenLine xmlns="" xmlns:a14="http://schemas.microsoft.com/office/drawing/2010/main" w="9525">
                   <a:solidFill>
                     <a:srgbClr val="000000"/>
                   </a:solidFill>
@@ -890,7 +890,7 @@
             </a:ln>
             <a:extLst>
               <a:ext uri="{91240B29-F687-4f45-9708-019B960494DF}">
-                <a14:hiddenLine xmlns:a14="http://schemas.microsoft.com/office/drawing/2010/main" xmlns="" w="9525">
+                <a14:hiddenLine xmlns="" xmlns:a14="http://schemas.microsoft.com/office/drawing/2010/main" w="9525">
                   <a:solidFill>
                     <a:srgbClr val="000000"/>
                   </a:solidFill>
@@ -980,7 +980,7 @@
             </a:ln>
             <a:extLst>
               <a:ext uri="{91240B29-F687-4f45-9708-019B960494DF}">
-                <a14:hiddenLine xmlns:a14="http://schemas.microsoft.com/office/drawing/2010/main" xmlns="" w="9525">
+                <a14:hiddenLine xmlns="" xmlns:a14="http://schemas.microsoft.com/office/drawing/2010/main" w="9525">
                   <a:solidFill>
                     <a:srgbClr val="000000"/>
                   </a:solidFill>
@@ -1070,7 +1070,7 @@
             </a:ln>
             <a:extLst>
               <a:ext uri="{91240B29-F687-4f45-9708-019B960494DF}">
-                <a14:hiddenLine xmlns:a14="http://schemas.microsoft.com/office/drawing/2010/main" xmlns="" w="9525">
+                <a14:hiddenLine xmlns="" xmlns:a14="http://schemas.microsoft.com/office/drawing/2010/main" w="9525">
                   <a:solidFill>
                     <a:srgbClr val="000000"/>
                   </a:solidFill>
@@ -1132,7 +1132,7 @@
             </a:ln>
             <a:extLst>
               <a:ext uri="{91240B29-F687-4f45-9708-019B960494DF}">
-                <a14:hiddenLine xmlns:a14="http://schemas.microsoft.com/office/drawing/2010/main" xmlns="" w="9525">
+                <a14:hiddenLine xmlns="" xmlns:a14="http://schemas.microsoft.com/office/drawing/2010/main" w="9525">
                   <a:solidFill>
                     <a:srgbClr val="000000"/>
                   </a:solidFill>
@@ -1242,7 +1242,7 @@
             </a:ln>
             <a:extLst>
               <a:ext uri="{91240B29-F687-4f45-9708-019B960494DF}">
-                <a14:hiddenLine xmlns:a14="http://schemas.microsoft.com/office/drawing/2010/main" xmlns="" w="9525">
+                <a14:hiddenLine xmlns="" xmlns:a14="http://schemas.microsoft.com/office/drawing/2010/main" w="9525">
                   <a:solidFill>
                     <a:srgbClr val="000000"/>
                   </a:solidFill>
@@ -1304,7 +1304,7 @@
             </a:ln>
             <a:extLst>
               <a:ext uri="{91240B29-F687-4f45-9708-019B960494DF}">
-                <a14:hiddenLine xmlns:a14="http://schemas.microsoft.com/office/drawing/2010/main" xmlns="" w="9525">
+                <a14:hiddenLine xmlns="" xmlns:a14="http://schemas.microsoft.com/office/drawing/2010/main" w="9525">
                   <a:solidFill>
                     <a:srgbClr val="000000"/>
                   </a:solidFill>
@@ -1394,7 +1394,7 @@
             </a:ln>
             <a:extLst>
               <a:ext uri="{91240B29-F687-4f45-9708-019B960494DF}">
-                <a14:hiddenLine xmlns:a14="http://schemas.microsoft.com/office/drawing/2010/main" xmlns="" w="9525">
+                <a14:hiddenLine xmlns="" xmlns:a14="http://schemas.microsoft.com/office/drawing/2010/main" w="9525">
                   <a:solidFill>
                     <a:srgbClr val="000000"/>
                   </a:solidFill>
@@ -1484,7 +1484,7 @@
             </a:ln>
             <a:extLst>
               <a:ext uri="{91240B29-F687-4f45-9708-019B960494DF}">
-                <a14:hiddenLine xmlns:a14="http://schemas.microsoft.com/office/drawing/2010/main" xmlns="" w="9525">
+                <a14:hiddenLine xmlns="" xmlns:a14="http://schemas.microsoft.com/office/drawing/2010/main" w="9525">
                   <a:solidFill>
                     <a:srgbClr val="000000"/>
                   </a:solidFill>
@@ -1546,7 +1546,7 @@
             </a:ln>
             <a:extLst>
               <a:ext uri="{91240B29-F687-4f45-9708-019B960494DF}">
-                <a14:hiddenLine xmlns:a14="http://schemas.microsoft.com/office/drawing/2010/main" xmlns="" w="9525">
+                <a14:hiddenLine xmlns="" xmlns:a14="http://schemas.microsoft.com/office/drawing/2010/main" w="9525">
                   <a:solidFill>
                     <a:srgbClr val="000000"/>
                   </a:solidFill>
@@ -1636,7 +1636,7 @@
             </a:ln>
             <a:extLst>
               <a:ext uri="{91240B29-F687-4f45-9708-019B960494DF}">
-                <a14:hiddenLine xmlns:a14="http://schemas.microsoft.com/office/drawing/2010/main" xmlns="" w="9525">
+                <a14:hiddenLine xmlns="" xmlns:a14="http://schemas.microsoft.com/office/drawing/2010/main" w="9525">
                   <a:solidFill>
                     <a:srgbClr val="000000"/>
                   </a:solidFill>
@@ -1726,7 +1726,7 @@
             </a:ln>
             <a:extLst>
               <a:ext uri="{91240B29-F687-4f45-9708-019B960494DF}">
-                <a14:hiddenLine xmlns:a14="http://schemas.microsoft.com/office/drawing/2010/main" xmlns="" w="9525">
+                <a14:hiddenLine xmlns="" xmlns:a14="http://schemas.microsoft.com/office/drawing/2010/main" w="9525">
                   <a:solidFill>
                     <a:srgbClr val="000000"/>
                   </a:solidFill>
@@ -1782,7 +1782,7 @@
             </a:ln>
             <a:extLst>
               <a:ext uri="{91240B29-F687-4f45-9708-019B960494DF}">
-                <a14:hiddenLine xmlns:a14="http://schemas.microsoft.com/office/drawing/2010/main" xmlns="" w="9525">
+                <a14:hiddenLine xmlns="" xmlns:a14="http://schemas.microsoft.com/office/drawing/2010/main" w="9525">
                   <a:solidFill>
                     <a:srgbClr val="000000"/>
                   </a:solidFill>
@@ -1872,7 +1872,7 @@
             </a:ln>
             <a:extLst>
               <a:ext uri="{91240B29-F687-4f45-9708-019B960494DF}">
-                <a14:hiddenLine xmlns:a14="http://schemas.microsoft.com/office/drawing/2010/main" xmlns="" w="9525">
+                <a14:hiddenLine xmlns="" xmlns:a14="http://schemas.microsoft.com/office/drawing/2010/main" w="9525">
                   <a:solidFill>
                     <a:srgbClr val="000000"/>
                   </a:solidFill>
@@ -1928,7 +1928,7 @@
             </a:ln>
             <a:extLst>
               <a:ext uri="{91240B29-F687-4f45-9708-019B960494DF}">
-                <a14:hiddenLine xmlns:a14="http://schemas.microsoft.com/office/drawing/2010/main" xmlns="" w="9525">
+                <a14:hiddenLine xmlns="" xmlns:a14="http://schemas.microsoft.com/office/drawing/2010/main" w="9525">
                   <a:solidFill>
                     <a:srgbClr val="000000"/>
                   </a:solidFill>
@@ -2018,7 +2018,7 @@
             </a:ln>
             <a:extLst>
               <a:ext uri="{91240B29-F687-4f45-9708-019B960494DF}">
-                <a14:hiddenLine xmlns:a14="http://schemas.microsoft.com/office/drawing/2010/main" xmlns="" w="9525">
+                <a14:hiddenLine xmlns="" xmlns:a14="http://schemas.microsoft.com/office/drawing/2010/main" w="9525">
                   <a:solidFill>
                     <a:srgbClr val="000000"/>
                   </a:solidFill>
@@ -2086,7 +2086,7 @@
             </a:ln>
             <a:extLst>
               <a:ext uri="{91240B29-F687-4f45-9708-019B960494DF}">
-                <a14:hiddenLine xmlns:a14="http://schemas.microsoft.com/office/drawing/2010/main" xmlns="" w="9525">
+                <a14:hiddenLine xmlns="" xmlns:a14="http://schemas.microsoft.com/office/drawing/2010/main" w="9525">
                   <a:solidFill>
                     <a:srgbClr val="000000"/>
                   </a:solidFill>
@@ -2176,7 +2176,7 @@
             </a:ln>
             <a:extLst>
               <a:ext uri="{91240B29-F687-4f45-9708-019B960494DF}">
-                <a14:hiddenLine xmlns:a14="http://schemas.microsoft.com/office/drawing/2010/main" xmlns="" w="9525">
+                <a14:hiddenLine xmlns="" xmlns:a14="http://schemas.microsoft.com/office/drawing/2010/main" w="9525">
                   <a:solidFill>
                     <a:srgbClr val="000000"/>
                   </a:solidFill>
@@ -2244,7 +2244,7 @@
             </a:ln>
             <a:extLst>
               <a:ext uri="{91240B29-F687-4f45-9708-019B960494DF}">
-                <a14:hiddenLine xmlns:a14="http://schemas.microsoft.com/office/drawing/2010/main" xmlns="" w="9525">
+                <a14:hiddenLine xmlns="" xmlns:a14="http://schemas.microsoft.com/office/drawing/2010/main" w="9525">
                   <a:solidFill>
                     <a:srgbClr val="000000"/>
                   </a:solidFill>
@@ -2334,7 +2334,7 @@
             </a:ln>
             <a:extLst>
               <a:ext uri="{91240B29-F687-4f45-9708-019B960494DF}">
-                <a14:hiddenLine xmlns:a14="http://schemas.microsoft.com/office/drawing/2010/main" xmlns="" w="9525">
+                <a14:hiddenLine xmlns="" xmlns:a14="http://schemas.microsoft.com/office/drawing/2010/main" w="9525">
                   <a:solidFill>
                     <a:srgbClr val="000000"/>
                   </a:solidFill>
@@ -2368,7 +2368,7 @@
             </a:ln>
             <a:extLst>
               <a:ext uri="{91240B29-F687-4f45-9708-019B960494DF}">
-                <a14:hiddenLine xmlns:a14="http://schemas.microsoft.com/office/drawing/2010/main" xmlns="" w="9525">
+                <a14:hiddenLine xmlns="" xmlns:a14="http://schemas.microsoft.com/office/drawing/2010/main" w="9525">
                   <a:solidFill>
                     <a:srgbClr val="000000"/>
                   </a:solidFill>
@@ -2458,7 +2458,7 @@
             </a:ln>
             <a:extLst>
               <a:ext uri="{91240B29-F687-4f45-9708-019B960494DF}">
-                <a14:hiddenLine xmlns:a14="http://schemas.microsoft.com/office/drawing/2010/main" xmlns="" w="9525">
+                <a14:hiddenLine xmlns="" xmlns:a14="http://schemas.microsoft.com/office/drawing/2010/main" w="9525">
                   <a:solidFill>
                     <a:srgbClr val="000000"/>
                   </a:solidFill>
@@ -2520,7 +2520,7 @@
             </a:ln>
             <a:extLst>
               <a:ext uri="{91240B29-F687-4f45-9708-019B960494DF}">
-                <a14:hiddenLine xmlns:a14="http://schemas.microsoft.com/office/drawing/2010/main" xmlns="" w="9525">
+                <a14:hiddenLine xmlns="" xmlns:a14="http://schemas.microsoft.com/office/drawing/2010/main" w="9525">
                   <a:solidFill>
                     <a:srgbClr val="000000"/>
                   </a:solidFill>
@@ -2582,7 +2582,7 @@
             </a:ln>
             <a:extLst>
               <a:ext uri="{91240B29-F687-4f45-9708-019B960494DF}">
-                <a14:hiddenLine xmlns:a14="http://schemas.microsoft.com/office/drawing/2010/main" xmlns="" w="9525">
+                <a14:hiddenLine xmlns="" xmlns:a14="http://schemas.microsoft.com/office/drawing/2010/main" w="9525">
                   <a:solidFill>
                     <a:srgbClr val="000000"/>
                   </a:solidFill>
@@ -2672,7 +2672,7 @@
             </a:ln>
             <a:extLst>
               <a:ext uri="{91240B29-F687-4f45-9708-019B960494DF}">
-                <a14:hiddenLine xmlns:a14="http://schemas.microsoft.com/office/drawing/2010/main" xmlns="" w="9525">
+                <a14:hiddenLine xmlns="" xmlns:a14="http://schemas.microsoft.com/office/drawing/2010/main" w="9525">
                   <a:solidFill>
                     <a:srgbClr val="000000"/>
                   </a:solidFill>
@@ -2740,7 +2740,7 @@
             </a:ln>
             <a:extLst>
               <a:ext uri="{91240B29-F687-4f45-9708-019B960494DF}">
-                <a14:hiddenLine xmlns:a14="http://schemas.microsoft.com/office/drawing/2010/main" xmlns="" w="9525">
+                <a14:hiddenLine xmlns="" xmlns:a14="http://schemas.microsoft.com/office/drawing/2010/main" w="9525">
                   <a:solidFill>
                     <a:srgbClr val="000000"/>
                   </a:solidFill>
@@ -2802,7 +2802,7 @@
             </a:ln>
             <a:extLst>
               <a:ext uri="{91240B29-F687-4f45-9708-019B960494DF}">
-                <a14:hiddenLine xmlns:a14="http://schemas.microsoft.com/office/drawing/2010/main" xmlns="" w="9525">
+                <a14:hiddenLine xmlns="" xmlns:a14="http://schemas.microsoft.com/office/drawing/2010/main" w="9525">
                   <a:solidFill>
                     <a:srgbClr val="000000"/>
                   </a:solidFill>
@@ -2892,7 +2892,7 @@
             </a:ln>
             <a:extLst>
               <a:ext uri="{91240B29-F687-4f45-9708-019B960494DF}">
-                <a14:hiddenLine xmlns:a14="http://schemas.microsoft.com/office/drawing/2010/main" xmlns="" w="9525">
+                <a14:hiddenLine xmlns="" xmlns:a14="http://schemas.microsoft.com/office/drawing/2010/main" w="9525">
                   <a:solidFill>
                     <a:srgbClr val="000000"/>
                   </a:solidFill>
@@ -2954,7 +2954,7 @@
             </a:ln>
             <a:extLst>
               <a:ext uri="{91240B29-F687-4f45-9708-019B960494DF}">
-                <a14:hiddenLine xmlns:a14="http://schemas.microsoft.com/office/drawing/2010/main" xmlns="" w="9525">
+                <a14:hiddenLine xmlns="" xmlns:a14="http://schemas.microsoft.com/office/drawing/2010/main" w="9525">
                   <a:solidFill>
                     <a:srgbClr val="000000"/>
                   </a:solidFill>
@@ -3044,7 +3044,7 @@
             </a:ln>
             <a:extLst>
               <a:ext uri="{91240B29-F687-4f45-9708-019B960494DF}">
-                <a14:hiddenLine xmlns:a14="http://schemas.microsoft.com/office/drawing/2010/main" xmlns="" w="9525">
+                <a14:hiddenLine xmlns="" xmlns:a14="http://schemas.microsoft.com/office/drawing/2010/main" w="9525">
                   <a:solidFill>
                     <a:srgbClr val="000000"/>
                   </a:solidFill>
@@ -3106,7 +3106,7 @@
             </a:ln>
             <a:extLst>
               <a:ext uri="{91240B29-F687-4f45-9708-019B960494DF}">
-                <a14:hiddenLine xmlns:a14="http://schemas.microsoft.com/office/drawing/2010/main" xmlns="" w="9525">
+                <a14:hiddenLine xmlns="" xmlns:a14="http://schemas.microsoft.com/office/drawing/2010/main" w="9525">
                   <a:solidFill>
                     <a:srgbClr val="000000"/>
                   </a:solidFill>
@@ -3196,7 +3196,7 @@
             </a:ln>
             <a:extLst>
               <a:ext uri="{91240B29-F687-4f45-9708-019B960494DF}">
-                <a14:hiddenLine xmlns:a14="http://schemas.microsoft.com/office/drawing/2010/main" xmlns="" w="9525">
+                <a14:hiddenLine xmlns="" xmlns:a14="http://schemas.microsoft.com/office/drawing/2010/main" w="9525">
                   <a:solidFill>
                     <a:srgbClr val="000000"/>
                   </a:solidFill>
@@ -3230,7 +3230,7 @@
             </a:ln>
             <a:extLst>
               <a:ext uri="{91240B29-F687-4f45-9708-019B960494DF}">
-                <a14:hiddenLine xmlns:a14="http://schemas.microsoft.com/office/drawing/2010/main" xmlns="" w="9525">
+                <a14:hiddenLine xmlns="" xmlns:a14="http://schemas.microsoft.com/office/drawing/2010/main" w="9525">
                   <a:solidFill>
                     <a:srgbClr val="000000"/>
                   </a:solidFill>
@@ -3295,7 +3295,7 @@
             </a:ln>
             <a:extLst>
               <a:ext uri="{91240B29-F687-4f45-9708-019B960494DF}">
-                <a14:hiddenLine xmlns:a14="http://schemas.microsoft.com/office/drawing/2010/main" xmlns="" w="9525">
+                <a14:hiddenLine xmlns="" xmlns:a14="http://schemas.microsoft.com/office/drawing/2010/main" w="9525">
                   <a:solidFill>
                     <a:srgbClr val="000000"/>
                   </a:solidFill>
@@ -3385,7 +3385,7 @@
             </a:ln>
             <a:extLst>
               <a:ext uri="{91240B29-F687-4f45-9708-019B960494DF}">
-                <a14:hiddenLine xmlns:a14="http://schemas.microsoft.com/office/drawing/2010/main" xmlns="" w="9525">
+                <a14:hiddenLine xmlns="" xmlns:a14="http://schemas.microsoft.com/office/drawing/2010/main" w="9525">
                   <a:solidFill>
                     <a:srgbClr val="000000"/>
                   </a:solidFill>
@@ -3447,7 +3447,7 @@
             </a:ln>
             <a:extLst>
               <a:ext uri="{91240B29-F687-4f45-9708-019B960494DF}">
-                <a14:hiddenLine xmlns:a14="http://schemas.microsoft.com/office/drawing/2010/main" xmlns="" w="9525">
+                <a14:hiddenLine xmlns="" xmlns:a14="http://schemas.microsoft.com/office/drawing/2010/main" w="9525">
                   <a:solidFill>
                     <a:srgbClr val="000000"/>
                   </a:solidFill>
@@ -3537,7 +3537,7 @@
             </a:ln>
             <a:extLst>
               <a:ext uri="{91240B29-F687-4f45-9708-019B960494DF}">
-                <a14:hiddenLine xmlns:a14="http://schemas.microsoft.com/office/drawing/2010/main" xmlns="" w="9525">
+                <a14:hiddenLine xmlns="" xmlns:a14="http://schemas.microsoft.com/office/drawing/2010/main" w="9525">
                   <a:solidFill>
                     <a:srgbClr val="000000"/>
                   </a:solidFill>
@@ -3627,7 +3627,7 @@
             </a:ln>
             <a:extLst>
               <a:ext uri="{91240B29-F687-4f45-9708-019B960494DF}">
-                <a14:hiddenLine xmlns:a14="http://schemas.microsoft.com/office/drawing/2010/main" xmlns="" w="9525">
+                <a14:hiddenLine xmlns="" xmlns:a14="http://schemas.microsoft.com/office/drawing/2010/main" w="9525">
                   <a:solidFill>
                     <a:srgbClr val="000000"/>
                   </a:solidFill>
@@ -3692,7 +3692,7 @@
             </a:ln>
             <a:extLst>
               <a:ext uri="{91240B29-F687-4f45-9708-019B960494DF}">
-                <a14:hiddenLine xmlns:a14="http://schemas.microsoft.com/office/drawing/2010/main" xmlns="" w="9525">
+                <a14:hiddenLine xmlns="" xmlns:a14="http://schemas.microsoft.com/office/drawing/2010/main" w="9525">
                   <a:solidFill>
                     <a:srgbClr val="000000"/>
                   </a:solidFill>
@@ -3754,7 +3754,7 @@
             </a:ln>
             <a:extLst>
               <a:ext uri="{91240B29-F687-4f45-9708-019B960494DF}">
-                <a14:hiddenLine xmlns:a14="http://schemas.microsoft.com/office/drawing/2010/main" xmlns="" w="9525">
+                <a14:hiddenLine xmlns="" xmlns:a14="http://schemas.microsoft.com/office/drawing/2010/main" w="9525">
                   <a:solidFill>
                     <a:srgbClr val="000000"/>
                   </a:solidFill>
@@ -3844,7 +3844,7 @@
             </a:ln>
             <a:extLst>
               <a:ext uri="{91240B29-F687-4f45-9708-019B960494DF}">
-                <a14:hiddenLine xmlns:a14="http://schemas.microsoft.com/office/drawing/2010/main" xmlns="" w="9525">
+                <a14:hiddenLine xmlns="" xmlns:a14="http://schemas.microsoft.com/office/drawing/2010/main" w="9525">
                   <a:solidFill>
                     <a:srgbClr val="000000"/>
                   </a:solidFill>
@@ -3934,7 +3934,7 @@
             </a:ln>
             <a:extLst>
               <a:ext uri="{91240B29-F687-4f45-9708-019B960494DF}">
-                <a14:hiddenLine xmlns:a14="http://schemas.microsoft.com/office/drawing/2010/main" xmlns="" w="9525">
+                <a14:hiddenLine xmlns="" xmlns:a14="http://schemas.microsoft.com/office/drawing/2010/main" w="9525">
                   <a:solidFill>
                     <a:srgbClr val="000000"/>
                   </a:solidFill>
@@ -3996,7 +3996,7 @@
             </a:ln>
             <a:extLst>
               <a:ext uri="{91240B29-F687-4f45-9708-019B960494DF}">
-                <a14:hiddenLine xmlns:a14="http://schemas.microsoft.com/office/drawing/2010/main" xmlns="" w="9525">
+                <a14:hiddenLine xmlns="" xmlns:a14="http://schemas.microsoft.com/office/drawing/2010/main" w="9525">
                   <a:solidFill>
                     <a:srgbClr val="000000"/>
                   </a:solidFill>
@@ -4116,7 +4116,7 @@
             </a:ln>
             <a:extLst>
               <a:ext uri="{91240B29-F687-4f45-9708-019B960494DF}">
-                <a14:hiddenLine xmlns:a14="http://schemas.microsoft.com/office/drawing/2010/main" xmlns="" w="9525">
+                <a14:hiddenLine xmlns="" xmlns:a14="http://schemas.microsoft.com/office/drawing/2010/main" w="9525">
                   <a:solidFill>
                     <a:srgbClr val="000000"/>
                   </a:solidFill>
@@ -4184,7 +4184,7 @@
             </a:ln>
             <a:extLst>
               <a:ext uri="{91240B29-F687-4f45-9708-019B960494DF}">
-                <a14:hiddenLine xmlns:a14="http://schemas.microsoft.com/office/drawing/2010/main" xmlns="" w="9525">
+                <a14:hiddenLine xmlns="" xmlns:a14="http://schemas.microsoft.com/office/drawing/2010/main" w="9525">
                   <a:solidFill>
                     <a:srgbClr val="000000"/>
                   </a:solidFill>
@@ -4274,7 +4274,7 @@
             </a:ln>
             <a:extLst>
               <a:ext uri="{91240B29-F687-4f45-9708-019B960494DF}">
-                <a14:hiddenLine xmlns:a14="http://schemas.microsoft.com/office/drawing/2010/main" xmlns="" w="9525">
+                <a14:hiddenLine xmlns="" xmlns:a14="http://schemas.microsoft.com/office/drawing/2010/main" w="9525">
                   <a:solidFill>
                     <a:srgbClr val="000000"/>
                   </a:solidFill>
@@ -9169,7 +9169,7 @@
           <a:noFill/>
           <a:extLst>
             <a:ext uri="{909E8E84-426E-40dd-AFC4-6F175D3DCCD1}">
-              <a14:hiddenFill xmlns:a14="http://schemas.microsoft.com/office/drawing/2010/main" xmlns="">
+              <a14:hiddenFill xmlns="" xmlns:a14="http://schemas.microsoft.com/office/drawing/2010/main">
                 <a:solidFill>
                   <a:srgbClr val="FFFFFF"/>
                 </a:solidFill>
@@ -9243,7 +9243,7 @@
               </a:ln>
               <a:extLst>
                 <a:ext uri="{91240B29-F687-4f45-9708-019B960494DF}">
-                  <a14:hiddenLine xmlns:a14="http://schemas.microsoft.com/office/drawing/2010/main" xmlns="" w="9525">
+                  <a14:hiddenLine xmlns="" xmlns:a14="http://schemas.microsoft.com/office/drawing/2010/main" w="9525">
                     <a:solidFill>
                       <a:srgbClr val="000000"/>
                     </a:solidFill>
@@ -9333,7 +9333,7 @@
               </a:ln>
               <a:extLst>
                 <a:ext uri="{91240B29-F687-4f45-9708-019B960494DF}">
-                  <a14:hiddenLine xmlns:a14="http://schemas.microsoft.com/office/drawing/2010/main" xmlns="" w="9525">
+                  <a14:hiddenLine xmlns="" xmlns:a14="http://schemas.microsoft.com/office/drawing/2010/main" w="9525">
                     <a:solidFill>
                       <a:srgbClr val="000000"/>
                     </a:solidFill>
@@ -9423,7 +9423,7 @@
               </a:ln>
               <a:extLst>
                 <a:ext uri="{91240B29-F687-4f45-9708-019B960494DF}">
-                  <a14:hiddenLine xmlns:a14="http://schemas.microsoft.com/office/drawing/2010/main" xmlns="" w="9525">
+                  <a14:hiddenLine xmlns="" xmlns:a14="http://schemas.microsoft.com/office/drawing/2010/main" w="9525">
                     <a:solidFill>
                       <a:srgbClr val="000000"/>
                     </a:solidFill>
@@ -9485,7 +9485,7 @@
               </a:ln>
               <a:extLst>
                 <a:ext uri="{91240B29-F687-4f45-9708-019B960494DF}">
-                  <a14:hiddenLine xmlns:a14="http://schemas.microsoft.com/office/drawing/2010/main" xmlns="" w="9525">
+                  <a14:hiddenLine xmlns="" xmlns:a14="http://schemas.microsoft.com/office/drawing/2010/main" w="9525">
                     <a:solidFill>
                       <a:srgbClr val="000000"/>
                     </a:solidFill>
@@ -9575,7 +9575,7 @@
               </a:ln>
               <a:extLst>
                 <a:ext uri="{91240B29-F687-4f45-9708-019B960494DF}">
-                  <a14:hiddenLine xmlns:a14="http://schemas.microsoft.com/office/drawing/2010/main" xmlns="" w="9525">
+                  <a14:hiddenLine xmlns="" xmlns:a14="http://schemas.microsoft.com/office/drawing/2010/main" w="9525">
                     <a:solidFill>
                       <a:srgbClr val="000000"/>
                     </a:solidFill>
@@ -9637,7 +9637,7 @@
               </a:ln>
               <a:extLst>
                 <a:ext uri="{91240B29-F687-4f45-9708-019B960494DF}">
-                  <a14:hiddenLine xmlns:a14="http://schemas.microsoft.com/office/drawing/2010/main" xmlns="" w="9525">
+                  <a14:hiddenLine xmlns="" xmlns:a14="http://schemas.microsoft.com/office/drawing/2010/main" w="9525">
                     <a:solidFill>
                       <a:srgbClr val="000000"/>
                     </a:solidFill>
@@ -9699,7 +9699,7 @@
               </a:ln>
               <a:extLst>
                 <a:ext uri="{91240B29-F687-4f45-9708-019B960494DF}">
-                  <a14:hiddenLine xmlns:a14="http://schemas.microsoft.com/office/drawing/2010/main" xmlns="" w="9525">
+                  <a14:hiddenLine xmlns="" xmlns:a14="http://schemas.microsoft.com/office/drawing/2010/main" w="9525">
                     <a:solidFill>
                       <a:srgbClr val="000000"/>
                     </a:solidFill>
@@ -9789,7 +9789,7 @@
               </a:ln>
               <a:extLst>
                 <a:ext uri="{91240B29-F687-4f45-9708-019B960494DF}">
-                  <a14:hiddenLine xmlns:a14="http://schemas.microsoft.com/office/drawing/2010/main" xmlns="" w="9525">
+                  <a14:hiddenLine xmlns="" xmlns:a14="http://schemas.microsoft.com/office/drawing/2010/main" w="9525">
                     <a:solidFill>
                       <a:srgbClr val="000000"/>
                     </a:solidFill>
@@ -9879,7 +9879,7 @@
               </a:ln>
               <a:extLst>
                 <a:ext uri="{91240B29-F687-4f45-9708-019B960494DF}">
-                  <a14:hiddenLine xmlns:a14="http://schemas.microsoft.com/office/drawing/2010/main" xmlns="" w="9525">
+                  <a14:hiddenLine xmlns="" xmlns:a14="http://schemas.microsoft.com/office/drawing/2010/main" w="9525">
                     <a:solidFill>
                       <a:srgbClr val="000000"/>
                     </a:solidFill>
@@ -9941,7 +9941,7 @@
               </a:ln>
               <a:extLst>
                 <a:ext uri="{91240B29-F687-4f45-9708-019B960494DF}">
-                  <a14:hiddenLine xmlns:a14="http://schemas.microsoft.com/office/drawing/2010/main" xmlns="" w="9525">
+                  <a14:hiddenLine xmlns="" xmlns:a14="http://schemas.microsoft.com/office/drawing/2010/main" w="9525">
                     <a:solidFill>
                       <a:srgbClr val="000000"/>
                     </a:solidFill>
@@ -10051,7 +10051,7 @@
               </a:ln>
               <a:extLst>
                 <a:ext uri="{91240B29-F687-4f45-9708-019B960494DF}">
-                  <a14:hiddenLine xmlns:a14="http://schemas.microsoft.com/office/drawing/2010/main" xmlns="" w="9525">
+                  <a14:hiddenLine xmlns="" xmlns:a14="http://schemas.microsoft.com/office/drawing/2010/main" w="9525">
                     <a:solidFill>
                       <a:srgbClr val="000000"/>
                     </a:solidFill>
@@ -10135,7 +10135,7 @@
               </a:ln>
               <a:extLst>
                 <a:ext uri="{91240B29-F687-4f45-9708-019B960494DF}">
-                  <a14:hiddenLine xmlns:a14="http://schemas.microsoft.com/office/drawing/2010/main" xmlns="" w="9525">
+                  <a14:hiddenLine xmlns="" xmlns:a14="http://schemas.microsoft.com/office/drawing/2010/main" w="9525">
                     <a:solidFill>
                       <a:srgbClr val="000000"/>
                     </a:solidFill>
@@ -10197,7 +10197,7 @@
               </a:ln>
               <a:extLst>
                 <a:ext uri="{91240B29-F687-4f45-9708-019B960494DF}">
-                  <a14:hiddenLine xmlns:a14="http://schemas.microsoft.com/office/drawing/2010/main" xmlns="" w="9525">
+                  <a14:hiddenLine xmlns="" xmlns:a14="http://schemas.microsoft.com/office/drawing/2010/main" w="9525">
                     <a:solidFill>
                       <a:srgbClr val="000000"/>
                     </a:solidFill>
@@ -10259,7 +10259,7 @@
               </a:ln>
               <a:extLst>
                 <a:ext uri="{91240B29-F687-4f45-9708-019B960494DF}">
-                  <a14:hiddenLine xmlns:a14="http://schemas.microsoft.com/office/drawing/2010/main" xmlns="" w="9525">
+                  <a14:hiddenLine xmlns="" xmlns:a14="http://schemas.microsoft.com/office/drawing/2010/main" w="9525">
                     <a:solidFill>
                       <a:srgbClr val="000000"/>
                     </a:solidFill>
@@ -10349,7 +10349,7 @@
               </a:ln>
               <a:extLst>
                 <a:ext uri="{91240B29-F687-4f45-9708-019B960494DF}">
-                  <a14:hiddenLine xmlns:a14="http://schemas.microsoft.com/office/drawing/2010/main" xmlns="" w="9525">
+                  <a14:hiddenLine xmlns="" xmlns:a14="http://schemas.microsoft.com/office/drawing/2010/main" w="9525">
                     <a:solidFill>
                       <a:srgbClr val="000000"/>
                     </a:solidFill>
@@ -10383,7 +10383,7 @@
               </a:ln>
               <a:extLst>
                 <a:ext uri="{91240B29-F687-4f45-9708-019B960494DF}">
-                  <a14:hiddenLine xmlns:a14="http://schemas.microsoft.com/office/drawing/2010/main" xmlns="" w="9525">
+                  <a14:hiddenLine xmlns="" xmlns:a14="http://schemas.microsoft.com/office/drawing/2010/main" w="9525">
                     <a:solidFill>
                       <a:srgbClr val="000000"/>
                     </a:solidFill>
@@ -10448,7 +10448,7 @@
               </a:ln>
               <a:extLst>
                 <a:ext uri="{91240B29-F687-4f45-9708-019B960494DF}">
-                  <a14:hiddenLine xmlns:a14="http://schemas.microsoft.com/office/drawing/2010/main" xmlns="" w="9525">
+                  <a14:hiddenLine xmlns="" xmlns:a14="http://schemas.microsoft.com/office/drawing/2010/main" w="9525">
                     <a:solidFill>
                       <a:srgbClr val="000000"/>
                     </a:solidFill>
@@ -10538,7 +10538,7 @@
               </a:ln>
               <a:extLst>
                 <a:ext uri="{91240B29-F687-4f45-9708-019B960494DF}">
-                  <a14:hiddenLine xmlns:a14="http://schemas.microsoft.com/office/drawing/2010/main" xmlns="" w="9525">
+                  <a14:hiddenLine xmlns="" xmlns:a14="http://schemas.microsoft.com/office/drawing/2010/main" w="9525">
                     <a:solidFill>
                       <a:srgbClr val="000000"/>
                     </a:solidFill>
@@ -10600,7 +10600,7 @@
               </a:ln>
               <a:extLst>
                 <a:ext uri="{91240B29-F687-4f45-9708-019B960494DF}">
-                  <a14:hiddenLine xmlns:a14="http://schemas.microsoft.com/office/drawing/2010/main" xmlns="" w="9525">
+                  <a14:hiddenLine xmlns="" xmlns:a14="http://schemas.microsoft.com/office/drawing/2010/main" w="9525">
                     <a:solidFill>
                       <a:srgbClr val="000000"/>
                     </a:solidFill>
@@ -10690,7 +10690,7 @@
               </a:ln>
               <a:extLst>
                 <a:ext uri="{91240B29-F687-4f45-9708-019B960494DF}">
-                  <a14:hiddenLine xmlns:a14="http://schemas.microsoft.com/office/drawing/2010/main" xmlns="" w="9525">
+                  <a14:hiddenLine xmlns="" xmlns:a14="http://schemas.microsoft.com/office/drawing/2010/main" w="9525">
                     <a:solidFill>
                       <a:srgbClr val="000000"/>
                     </a:solidFill>
@@ -10755,7 +10755,7 @@
               </a:ln>
               <a:extLst>
                 <a:ext uri="{91240B29-F687-4f45-9708-019B960494DF}">
-                  <a14:hiddenLine xmlns:a14="http://schemas.microsoft.com/office/drawing/2010/main" xmlns="" w="9525">
+                  <a14:hiddenLine xmlns="" xmlns:a14="http://schemas.microsoft.com/office/drawing/2010/main" w="9525">
                     <a:solidFill>
                       <a:srgbClr val="000000"/>
                     </a:solidFill>
@@ -10817,7 +10817,7 @@
               </a:ln>
               <a:extLst>
                 <a:ext uri="{91240B29-F687-4f45-9708-019B960494DF}">
-                  <a14:hiddenLine xmlns:a14="http://schemas.microsoft.com/office/drawing/2010/main" xmlns="" w="9525">
+                  <a14:hiddenLine xmlns="" xmlns:a14="http://schemas.microsoft.com/office/drawing/2010/main" w="9525">
                     <a:solidFill>
                       <a:srgbClr val="000000"/>
                     </a:solidFill>
@@ -10907,7 +10907,7 @@
               </a:ln>
               <a:extLst>
                 <a:ext uri="{91240B29-F687-4f45-9708-019B960494DF}">
-                  <a14:hiddenLine xmlns:a14="http://schemas.microsoft.com/office/drawing/2010/main" xmlns="" w="9525">
+                  <a14:hiddenLine xmlns="" xmlns:a14="http://schemas.microsoft.com/office/drawing/2010/main" w="9525">
                     <a:solidFill>
                       <a:srgbClr val="000000"/>
                     </a:solidFill>
@@ -10997,7 +10997,7 @@
               </a:ln>
               <a:extLst>
                 <a:ext uri="{91240B29-F687-4f45-9708-019B960494DF}">
-                  <a14:hiddenLine xmlns:a14="http://schemas.microsoft.com/office/drawing/2010/main" xmlns="" w="9525">
+                  <a14:hiddenLine xmlns="" xmlns:a14="http://schemas.microsoft.com/office/drawing/2010/main" w="9525">
                     <a:solidFill>
                       <a:srgbClr val="000000"/>
                     </a:solidFill>
@@ -11062,7 +11062,7 @@
               </a:ln>
               <a:extLst>
                 <a:ext uri="{91240B29-F687-4f45-9708-019B960494DF}">
-                  <a14:hiddenLine xmlns:a14="http://schemas.microsoft.com/office/drawing/2010/main" xmlns="" w="9525">
+                  <a14:hiddenLine xmlns="" xmlns:a14="http://schemas.microsoft.com/office/drawing/2010/main" w="9525">
                     <a:solidFill>
                       <a:srgbClr val="000000"/>
                     </a:solidFill>
@@ -11182,7 +11182,7 @@
               </a:ln>
               <a:extLst>
                 <a:ext uri="{91240B29-F687-4f45-9708-019B960494DF}">
-                  <a14:hiddenLine xmlns:a14="http://schemas.microsoft.com/office/drawing/2010/main" xmlns="" w="9525">
+                  <a14:hiddenLine xmlns="" xmlns:a14="http://schemas.microsoft.com/office/drawing/2010/main" w="9525">
                     <a:solidFill>
                       <a:srgbClr val="000000"/>
                     </a:solidFill>
@@ -11263,7 +11263,7 @@
               </a:ln>
               <a:extLst>
                 <a:ext uri="{91240B29-F687-4f45-9708-019B960494DF}">
-                  <a14:hiddenLine xmlns:a14="http://schemas.microsoft.com/office/drawing/2010/main" xmlns="" w="9525">
+                  <a14:hiddenLine xmlns="" xmlns:a14="http://schemas.microsoft.com/office/drawing/2010/main" w="9525">
                     <a:solidFill>
                       <a:srgbClr val="000000"/>
                     </a:solidFill>
@@ -11378,7 +11378,7 @@
               </a:ln>
               <a:extLst>
                 <a:ext uri="{91240B29-F687-4f45-9708-019B960494DF}">
-                  <a14:hiddenLine xmlns:a14="http://schemas.microsoft.com/office/drawing/2010/main" xmlns="" w="9525">
+                  <a14:hiddenLine xmlns="" xmlns:a14="http://schemas.microsoft.com/office/drawing/2010/main" w="9525">
                     <a:solidFill>
                       <a:srgbClr val="000000"/>
                     </a:solidFill>
@@ -11468,7 +11468,7 @@
               </a:ln>
               <a:extLst>
                 <a:ext uri="{91240B29-F687-4f45-9708-019B960494DF}">
-                  <a14:hiddenLine xmlns:a14="http://schemas.microsoft.com/office/drawing/2010/main" xmlns="" w="9525">
+                  <a14:hiddenLine xmlns="" xmlns:a14="http://schemas.microsoft.com/office/drawing/2010/main" w="9525">
                     <a:solidFill>
                       <a:srgbClr val="000000"/>
                     </a:solidFill>
@@ -11533,7 +11533,7 @@
               </a:ln>
               <a:extLst>
                 <a:ext uri="{91240B29-F687-4f45-9708-019B960494DF}">
-                  <a14:hiddenLine xmlns:a14="http://schemas.microsoft.com/office/drawing/2010/main" xmlns="" w="9525">
+                  <a14:hiddenLine xmlns="" xmlns:a14="http://schemas.microsoft.com/office/drawing/2010/main" w="9525">
                     <a:solidFill>
                       <a:srgbClr val="000000"/>
                     </a:solidFill>
@@ -11623,7 +11623,7 @@
               </a:ln>
               <a:extLst>
                 <a:ext uri="{91240B29-F687-4f45-9708-019B960494DF}">
-                  <a14:hiddenLine xmlns:a14="http://schemas.microsoft.com/office/drawing/2010/main" xmlns="" w="9525">
+                  <a14:hiddenLine xmlns="" xmlns:a14="http://schemas.microsoft.com/office/drawing/2010/main" w="9525">
                     <a:solidFill>
                       <a:srgbClr val="000000"/>
                     </a:solidFill>
@@ -11691,7 +11691,7 @@
               </a:ln>
               <a:extLst>
                 <a:ext uri="{91240B29-F687-4f45-9708-019B960494DF}">
-                  <a14:hiddenLine xmlns:a14="http://schemas.microsoft.com/office/drawing/2010/main" xmlns="" w="9525">
+                  <a14:hiddenLine xmlns="" xmlns:a14="http://schemas.microsoft.com/office/drawing/2010/main" w="9525">
                     <a:solidFill>
                       <a:srgbClr val="000000"/>
                     </a:solidFill>
@@ -11781,7 +11781,7 @@
               </a:ln>
               <a:extLst>
                 <a:ext uri="{91240B29-F687-4f45-9708-019B960494DF}">
-                  <a14:hiddenLine xmlns:a14="http://schemas.microsoft.com/office/drawing/2010/main" xmlns="" w="9525">
+                  <a14:hiddenLine xmlns="" xmlns:a14="http://schemas.microsoft.com/office/drawing/2010/main" w="9525">
                     <a:solidFill>
                       <a:srgbClr val="000000"/>
                     </a:solidFill>
@@ -11849,7 +11849,7 @@
               </a:ln>
               <a:extLst>
                 <a:ext uri="{91240B29-F687-4f45-9708-019B960494DF}">
-                  <a14:hiddenLine xmlns:a14="http://schemas.microsoft.com/office/drawing/2010/main" xmlns="" w="9525">
+                  <a14:hiddenLine xmlns="" xmlns:a14="http://schemas.microsoft.com/office/drawing/2010/main" w="9525">
                     <a:solidFill>
                       <a:srgbClr val="000000"/>
                     </a:solidFill>
@@ -11939,7 +11939,7 @@
               </a:ln>
               <a:extLst>
                 <a:ext uri="{91240B29-F687-4f45-9708-019B960494DF}">
-                  <a14:hiddenLine xmlns:a14="http://schemas.microsoft.com/office/drawing/2010/main" xmlns="" w="9525">
+                  <a14:hiddenLine xmlns="" xmlns:a14="http://schemas.microsoft.com/office/drawing/2010/main" w="9525">
                     <a:solidFill>
                       <a:srgbClr val="000000"/>
                     </a:solidFill>
@@ -11973,7 +11973,7 @@
               </a:ln>
               <a:extLst>
                 <a:ext uri="{91240B29-F687-4f45-9708-019B960494DF}">
-                  <a14:hiddenLine xmlns:a14="http://schemas.microsoft.com/office/drawing/2010/main" xmlns="" w="9525">
+                  <a14:hiddenLine xmlns="" xmlns:a14="http://schemas.microsoft.com/office/drawing/2010/main" w="9525">
                     <a:solidFill>
                       <a:srgbClr val="000000"/>
                     </a:solidFill>
@@ -15395,7 +15395,19 @@
           <a:p>
             <a:r>
               <a:rPr lang="en-US" dirty="0" smtClean="0"/>
-              <a:t>We implemented a dynamic rule that, given malformed/invalid make file invocation:</a:t>
+              <a:t>We implemented a dynamic rule that, given </a:t>
+            </a:r>
+            <a:r>
+              <a:rPr lang="en-US" dirty="0"/>
+              <a:t>a</a:t>
+            </a:r>
+            <a:r>
+              <a:rPr lang="en-US" dirty="0" smtClean="0"/>
+              <a:t> malformed/invalid </a:t>
+            </a:r>
+            <a:r>
+              <a:rPr lang="en-US" dirty="0" smtClean="0"/>
+              <a:t>make file invocation:</a:t>
             </a:r>
           </a:p>
           <a:p>
@@ -15549,25 +15561,28 @@
             </a:r>
             <a:r>
               <a:rPr lang="en-US" dirty="0" smtClean="0"/>
-              <a:t>the exception of </a:t>
-            </a:r>
-            <a:r>
-              <a:rPr lang="en-US" dirty="0" smtClean="0"/>
-              <a:t>the </a:t>
+              <a:t>the exception of the </a:t>
             </a:r>
             <a:r>
               <a:rPr lang="en-US" i="1" dirty="0" err="1" smtClean="0"/>
               <a:t>Makefile</a:t>
             </a:r>
             <a:r>
-              <a:rPr lang="en-US" i="1" dirty="0" smtClean="0"/>
+              <a:rPr lang="en-US" i="1" smtClean="0"/>
               <a:t> </a:t>
             </a:r>
             <a:r>
+              <a:rPr lang="en-US" smtClean="0"/>
+              <a:t>R</a:t>
+            </a:r>
+            <a:r>
+              <a:rPr lang="en-US" smtClean="0"/>
+              <a:t>ule code </a:t>
+            </a:r>
+            <a:r>
               <a:rPr lang="en-US" dirty="0" smtClean="0"/>
-              <a:t>rule which was implemented by Miguel Ferreira.</a:t>
-            </a:r>
-            <a:endParaRPr lang="en-US" dirty="0" smtClean="0"/>
+              <a:t>which was implemented by Miguel Ferreira.</a:t>
+            </a:r>
           </a:p>
           <a:p>
             <a:pPr marL="0" indent="0" algn="just">

--- a/ArchSW-docs/The Fuck.pptx
+++ b/ArchSW-docs/The Fuck.pptx
@@ -17,15 +17,12 @@
     <p:sldId id="265" r:id="rId11"/>
     <p:sldId id="266" r:id="rId12"/>
     <p:sldId id="267" r:id="rId13"/>
-    <p:sldId id="270" r:id="rId14"/>
-    <p:sldId id="271" r:id="rId15"/>
-    <p:sldId id="272" r:id="rId16"/>
-    <p:sldId id="268" r:id="rId17"/>
-    <p:sldId id="269" r:id="rId18"/>
-    <p:sldId id="273" r:id="rId19"/>
-    <p:sldId id="274" r:id="rId20"/>
-    <p:sldId id="275" r:id="rId21"/>
-    <p:sldId id="276" r:id="rId22"/>
+    <p:sldId id="268" r:id="rId14"/>
+    <p:sldId id="269" r:id="rId15"/>
+    <p:sldId id="273" r:id="rId16"/>
+    <p:sldId id="274" r:id="rId17"/>
+    <p:sldId id="275" r:id="rId18"/>
+    <p:sldId id="276" r:id="rId19"/>
   </p:sldIdLst>
   <p:sldSz cx="12192000" cy="6858000"/>
   <p:notesSz cx="6858000" cy="9144000"/>
@@ -13023,891 +13020,9 @@
           <a:prstGeom prst="rect">
             <a:avLst/>
           </a:prstGeom>
-        </p:spPr>
-      </p:pic>
-    </p:spTree>
-    <p:extLst>
-      <p:ext uri="{BB962C8B-B14F-4D97-AF65-F5344CB8AC3E}">
-        <p14:creationId xmlns:p14="http://schemas.microsoft.com/office/powerpoint/2010/main" val="4102759581"/>
-      </p:ext>
-    </p:extLst>
-  </p:cSld>
-  <p:clrMapOvr>
-    <a:masterClrMapping/>
-  </p:clrMapOvr>
-  <p:transition spd="slow">
-    <p:push dir="u"/>
-  </p:transition>
-  <p:timing>
-    <p:tnLst>
-      <p:par>
-        <p:cTn id="1" dur="indefinite" restart="never" nodeType="tmRoot"/>
-      </p:par>
-    </p:tnLst>
-  </p:timing>
-</p:sld>
-</file>
-
-<file path=ppt/slides/slide13.xml><?xml version="1.0" encoding="utf-8"?>
-<p:sld xmlns:a="http://schemas.openxmlformats.org/drawingml/2006/main" xmlns:r="http://schemas.openxmlformats.org/officeDocument/2006/relationships" xmlns:p="http://schemas.openxmlformats.org/presentationml/2006/main">
-  <p:cSld>
-    <p:spTree>
-      <p:nvGrpSpPr>
-        <p:cNvPr id="1" name=""/>
-        <p:cNvGrpSpPr/>
-        <p:nvPr/>
-      </p:nvGrpSpPr>
-      <p:grpSpPr>
-        <a:xfrm>
-          <a:off x="0" y="0"/>
-          <a:ext cx="0" cy="0"/>
-          <a:chOff x="0" y="0"/>
-          <a:chExt cx="0" cy="0"/>
-        </a:xfrm>
-      </p:grpSpPr>
-      <p:pic>
-        <p:nvPicPr>
-          <p:cNvPr id="2" name="Imagem 1"/>
-          <p:cNvPicPr>
-            <a:picLocks noChangeAspect="1"/>
-          </p:cNvPicPr>
-          <p:nvPr/>
-        </p:nvPicPr>
-        <p:blipFill>
-          <a:blip r:embed="rId2">
-            <a:extLst>
-              <a:ext uri="{28A0092B-C50C-407E-A947-70E740481C1C}">
-                <a14:useLocalDpi xmlns:a14="http://schemas.microsoft.com/office/drawing/2010/main" val="0"/>
-              </a:ext>
-            </a:extLst>
-          </a:blip>
-          <a:stretch>
-            <a:fillRect/>
-          </a:stretch>
-        </p:blipFill>
-        <p:spPr>
-          <a:xfrm>
-            <a:off x="1367116" y="467403"/>
-            <a:ext cx="1363029" cy="1108257"/>
-          </a:xfrm>
-          <a:prstGeom prst="rect">
-            <a:avLst/>
-          </a:prstGeom>
-        </p:spPr>
-      </p:pic>
-      <p:sp>
-        <p:nvSpPr>
-          <p:cNvPr id="3" name="CaixaDeTexto 2"/>
-          <p:cNvSpPr txBox="1"/>
-          <p:nvPr/>
-        </p:nvSpPr>
-        <p:spPr>
-          <a:xfrm>
-            <a:off x="3174281" y="359811"/>
-            <a:ext cx="8271915" cy="1323439"/>
-          </a:xfrm>
-          <a:prstGeom prst="rect">
-            <a:avLst/>
-          </a:prstGeom>
-          <a:noFill/>
-        </p:spPr>
-        <p:txBody>
-          <a:bodyPr wrap="square" rtlCol="0">
-            <a:spAutoFit/>
-          </a:bodyPr>
-          <a:lstStyle/>
-          <a:p>
-            <a:pPr algn="just"/>
-            <a:r>
-              <a:rPr lang="en-US" sz="2000" dirty="0"/>
-              <a:t>C</a:t>
-            </a:r>
-            <a:r>
-              <a:rPr lang="en-US" sz="2000" dirty="0" smtClean="0"/>
-              <a:t>ontains </a:t>
-            </a:r>
-            <a:r>
-              <a:rPr lang="en-US" sz="2000" dirty="0"/>
-              <a:t>rules enabled by default. Each rule is a special module with two functions</a:t>
-            </a:r>
-            <a:r>
-              <a:rPr lang="en-US" sz="2000" dirty="0" smtClean="0"/>
-              <a:t>:</a:t>
-            </a:r>
-          </a:p>
-          <a:p>
-            <a:pPr marL="285750" indent="-285750" algn="just">
-              <a:buFont typeface="Arial" panose="020B0604020202020204" pitchFamily="34" charset="0"/>
-              <a:buChar char="•"/>
-            </a:pPr>
-            <a:r>
-              <a:rPr lang="pt-PT" sz="2000" dirty="0">
-                <a:effectLst>
-                  <a:outerShdw blurRad="38100" dist="38100" dir="2700000" algn="tl">
-                    <a:srgbClr val="000000">
-                      <a:alpha val="43137"/>
-                    </a:srgbClr>
-                  </a:outerShdw>
-                </a:effectLst>
-              </a:rPr>
-              <a:t>m</a:t>
-            </a:r>
-            <a:r>
-              <a:rPr lang="pt-PT" sz="2000" dirty="0" smtClean="0">
-                <a:effectLst>
-                  <a:outerShdw blurRad="38100" dist="38100" dir="2700000" algn="tl">
-                    <a:srgbClr val="000000">
-                      <a:alpha val="43137"/>
-                    </a:srgbClr>
-                  </a:outerShdw>
-                </a:effectLst>
-              </a:rPr>
-              <a:t>atch(</a:t>
-            </a:r>
-            <a:r>
-              <a:rPr lang="pt-PT" sz="2000" dirty="0" err="1" smtClean="0">
-                <a:effectLst>
-                  <a:outerShdw blurRad="38100" dist="38100" dir="2700000" algn="tl">
-                    <a:srgbClr val="000000">
-                      <a:alpha val="43137"/>
-                    </a:srgbClr>
-                  </a:outerShdw>
-                </a:effectLst>
-              </a:rPr>
-              <a:t>command</a:t>
-            </a:r>
-            <a:r>
-              <a:rPr lang="pt-PT" sz="2000" dirty="0" smtClean="0">
-                <a:effectLst>
-                  <a:outerShdw blurRad="38100" dist="38100" dir="2700000" algn="tl">
-                    <a:srgbClr val="000000">
-                      <a:alpha val="43137"/>
-                    </a:srgbClr>
-                  </a:outerShdw>
-                </a:effectLst>
-              </a:rPr>
-              <a:t>) </a:t>
-            </a:r>
-            <a:r>
-              <a:rPr lang="pt-PT" sz="2000" dirty="0" smtClean="0"/>
-              <a:t>- </a:t>
-            </a:r>
-            <a:r>
-              <a:rPr lang="pt-PT" sz="2000" dirty="0" err="1"/>
-              <a:t>True</a:t>
-            </a:r>
-            <a:r>
-              <a:rPr lang="pt-PT" sz="2000" dirty="0"/>
-              <a:t> </a:t>
-            </a:r>
-            <a:r>
-              <a:rPr lang="pt-PT" sz="2000" dirty="0" err="1"/>
-              <a:t>when</a:t>
-            </a:r>
-            <a:r>
-              <a:rPr lang="pt-PT" sz="2000" dirty="0"/>
-              <a:t> rule </a:t>
-            </a:r>
-            <a:r>
-              <a:rPr lang="pt-PT" sz="2000" dirty="0" err="1"/>
-              <a:t>matched</a:t>
-            </a:r>
-            <a:r>
-              <a:rPr lang="pt-PT" sz="2000" dirty="0" smtClean="0"/>
-              <a:t>;</a:t>
-            </a:r>
-          </a:p>
-          <a:p>
-            <a:pPr marL="285750" indent="-285750" algn="just">
-              <a:buFont typeface="Arial" panose="020B0604020202020204" pitchFamily="34" charset="0"/>
-              <a:buChar char="•"/>
-            </a:pPr>
-            <a:r>
-              <a:rPr lang="pt-PT" sz="2000" dirty="0" err="1" smtClean="0">
-                <a:effectLst>
-                  <a:outerShdw blurRad="38100" dist="38100" dir="2700000" algn="tl">
-                    <a:srgbClr val="000000">
-                      <a:alpha val="43137"/>
-                    </a:srgbClr>
-                  </a:outerShdw>
-                </a:effectLst>
-              </a:rPr>
-              <a:t>get_new</a:t>
-            </a:r>
-            <a:r>
-              <a:rPr lang="pt-PT" sz="2000" dirty="0" smtClean="0">
-                <a:effectLst>
-                  <a:outerShdw blurRad="38100" dist="38100" dir="2700000" algn="tl">
-                    <a:srgbClr val="000000">
-                      <a:alpha val="43137"/>
-                    </a:srgbClr>
-                  </a:outerShdw>
-                </a:effectLst>
-              </a:rPr>
-              <a:t>_</a:t>
-            </a:r>
-            <a:r>
-              <a:rPr lang="en-US" sz="2000" dirty="0" smtClean="0">
-                <a:effectLst>
-                  <a:outerShdw blurRad="38100" dist="38100" dir="2700000" algn="tl">
-                    <a:srgbClr val="000000">
-                      <a:alpha val="43137"/>
-                    </a:srgbClr>
-                  </a:outerShdw>
-                </a:effectLst>
-              </a:rPr>
-              <a:t>command</a:t>
-            </a:r>
-            <a:r>
-              <a:rPr lang="pt-PT" sz="2000" dirty="0" smtClean="0">
-                <a:effectLst>
-                  <a:outerShdw blurRad="38100" dist="38100" dir="2700000" algn="tl">
-                    <a:srgbClr val="000000">
-                      <a:alpha val="43137"/>
-                    </a:srgbClr>
-                  </a:outerShdw>
-                </a:effectLst>
-              </a:rPr>
-              <a:t>(</a:t>
-            </a:r>
-            <a:r>
-              <a:rPr lang="pt-PT" sz="2000" dirty="0" err="1" smtClean="0">
-                <a:effectLst>
-                  <a:outerShdw blurRad="38100" dist="38100" dir="2700000" algn="tl">
-                    <a:srgbClr val="000000">
-                      <a:alpha val="43137"/>
-                    </a:srgbClr>
-                  </a:outerShdw>
-                </a:effectLst>
-              </a:rPr>
-              <a:t>command</a:t>
-            </a:r>
-            <a:r>
-              <a:rPr lang="pt-PT" sz="2000" dirty="0">
-                <a:effectLst>
-                  <a:outerShdw blurRad="38100" dist="38100" dir="2700000" algn="tl">
-                    <a:srgbClr val="000000">
-                      <a:alpha val="43137"/>
-                    </a:srgbClr>
-                  </a:outerShdw>
-                </a:effectLst>
-              </a:rPr>
-              <a:t>) </a:t>
-            </a:r>
-            <a:r>
-              <a:rPr lang="en-US" sz="2000" dirty="0"/>
-              <a:t>- return a list of fixed commands.</a:t>
-            </a:r>
-            <a:endParaRPr lang="pt-PT" sz="2000" dirty="0"/>
-          </a:p>
-        </p:txBody>
-      </p:sp>
-      <p:pic>
-        <p:nvPicPr>
-          <p:cNvPr id="6" name="Imagem 5"/>
-          <p:cNvPicPr>
-            <a:picLocks noChangeAspect="1"/>
-          </p:cNvPicPr>
-          <p:nvPr/>
-        </p:nvPicPr>
-        <p:blipFill>
-          <a:blip r:embed="rId3">
-            <a:extLst>
-              <a:ext uri="{28A0092B-C50C-407E-A947-70E740481C1C}">
-                <a14:useLocalDpi xmlns:a14="http://schemas.microsoft.com/office/drawing/2010/main" val="0"/>
-              </a:ext>
-            </a:extLst>
-          </a:blip>
-          <a:stretch>
-            <a:fillRect/>
-          </a:stretch>
-        </p:blipFill>
-        <p:spPr>
-          <a:xfrm>
-            <a:off x="1367116" y="2074134"/>
-            <a:ext cx="1363029" cy="1108257"/>
-          </a:xfrm>
-          <a:prstGeom prst="rect">
-            <a:avLst/>
-          </a:prstGeom>
-        </p:spPr>
-      </p:pic>
-      <p:pic>
-        <p:nvPicPr>
-          <p:cNvPr id="9" name="Imagem 8"/>
-          <p:cNvPicPr>
-            <a:picLocks noChangeAspect="1"/>
-          </p:cNvPicPr>
-          <p:nvPr/>
-        </p:nvPicPr>
-        <p:blipFill>
-          <a:blip r:embed="rId4">
-            <a:extLst>
-              <a:ext uri="{28A0092B-C50C-407E-A947-70E740481C1C}">
-                <a14:useLocalDpi xmlns:a14="http://schemas.microsoft.com/office/drawing/2010/main" val="0"/>
-              </a:ext>
-            </a:extLst>
-          </a:blip>
-          <a:stretch>
-            <a:fillRect/>
-          </a:stretch>
-        </p:blipFill>
-        <p:spPr>
-          <a:xfrm>
-            <a:off x="1367116" y="3680865"/>
-            <a:ext cx="1363029" cy="1108257"/>
-          </a:xfrm>
-          <a:prstGeom prst="rect">
-            <a:avLst/>
-          </a:prstGeom>
-        </p:spPr>
-      </p:pic>
-      <p:pic>
-        <p:nvPicPr>
-          <p:cNvPr id="10" name="Imagem 9"/>
-          <p:cNvPicPr>
-            <a:picLocks noChangeAspect="1"/>
-          </p:cNvPicPr>
-          <p:nvPr/>
-        </p:nvPicPr>
-        <p:blipFill>
-          <a:blip r:embed="rId5">
-            <a:extLst>
-              <a:ext uri="{28A0092B-C50C-407E-A947-70E740481C1C}">
-                <a14:useLocalDpi xmlns:a14="http://schemas.microsoft.com/office/drawing/2010/main" val="0"/>
-              </a:ext>
-            </a:extLst>
-          </a:blip>
-          <a:stretch>
-            <a:fillRect/>
-          </a:stretch>
-        </p:blipFill>
-        <p:spPr>
-          <a:xfrm>
-            <a:off x="1367116" y="5287596"/>
-            <a:ext cx="1363029" cy="1108257"/>
-          </a:xfrm>
-          <a:prstGeom prst="rect">
-            <a:avLst/>
-          </a:prstGeom>
-        </p:spPr>
-      </p:pic>
-      <p:sp>
-        <p:nvSpPr>
-          <p:cNvPr id="7" name="CaixaDeTexto 2"/>
-          <p:cNvSpPr txBox="1"/>
-          <p:nvPr/>
-        </p:nvSpPr>
-        <p:spPr>
-          <a:xfrm>
-            <a:off x="3174280" y="1966542"/>
-            <a:ext cx="8271916" cy="1323439"/>
-          </a:xfrm>
-          <a:prstGeom prst="rect">
-            <a:avLst/>
-          </a:prstGeom>
-          <a:noFill/>
-        </p:spPr>
-        <p:txBody>
-          <a:bodyPr wrap="square" rtlCol="0">
-            <a:spAutoFit/>
-          </a:bodyPr>
-          <a:lstStyle/>
-          <a:p>
-            <a:pPr algn="just"/>
-            <a:r>
-              <a:rPr lang="en-US" sz="2000" dirty="0"/>
-              <a:t>U</a:t>
-            </a:r>
-            <a:r>
-              <a:rPr lang="en-US" sz="2000" dirty="0" smtClean="0"/>
-              <a:t>tility </a:t>
-            </a:r>
-            <a:r>
-              <a:rPr lang="en-US" sz="2000" dirty="0"/>
-              <a:t>functions to help matching specific rules. Provides information about </a:t>
-            </a:r>
-            <a:r>
-              <a:rPr lang="en-US" sz="2000" dirty="0" smtClean="0"/>
-              <a:t>existence </a:t>
-            </a:r>
-          </a:p>
-          <a:p>
-            <a:pPr algn="just"/>
-            <a:r>
-              <a:rPr lang="en-US" sz="2000" dirty="0" smtClean="0"/>
-              <a:t>of </a:t>
-            </a:r>
-            <a:r>
-              <a:rPr lang="en-US" sz="2000" u="sng" dirty="0" smtClean="0"/>
-              <a:t>apt-get</a:t>
-            </a:r>
-            <a:r>
-              <a:rPr lang="en-US" sz="2000" dirty="0" smtClean="0"/>
-              <a:t> </a:t>
-            </a:r>
-            <a:r>
-              <a:rPr lang="pt-PT" sz="2000" dirty="0" smtClean="0"/>
-              <a:t>or ArchLinux </a:t>
-            </a:r>
-            <a:r>
-              <a:rPr lang="pt-PT" sz="2000" dirty="0" smtClean="0">
-                <a:effectLst>
-                  <a:outerShdw blurRad="38100" dist="38100" dir="2700000" algn="tl">
-                    <a:srgbClr val="000000">
-                      <a:alpha val="43137"/>
-                    </a:srgbClr>
-                  </a:outerShdw>
-                </a:effectLst>
-              </a:rPr>
-              <a:t>pacman</a:t>
-            </a:r>
-            <a:r>
-              <a:rPr lang="pt-PT" sz="2000" dirty="0" smtClean="0"/>
-              <a:t>, </a:t>
-            </a:r>
-            <a:r>
-              <a:rPr lang="en-US" sz="2000" dirty="0"/>
-              <a:t>for instance, and predicts a fix for the </a:t>
-            </a:r>
-            <a:r>
-              <a:rPr lang="en-US" sz="2000" dirty="0" smtClean="0"/>
-              <a:t>command.</a:t>
-            </a:r>
-          </a:p>
-        </p:txBody>
-      </p:sp>
-      <p:sp>
-        <p:nvSpPr>
-          <p:cNvPr id="11" name="CaixaDeTexto 2"/>
-          <p:cNvSpPr txBox="1"/>
-          <p:nvPr/>
-        </p:nvSpPr>
-        <p:spPr>
-          <a:xfrm>
-            <a:off x="3174280" y="3872249"/>
-            <a:ext cx="8271916" cy="725487"/>
-          </a:xfrm>
-          <a:prstGeom prst="rect">
-            <a:avLst/>
-          </a:prstGeom>
-          <a:noFill/>
-        </p:spPr>
-        <p:txBody>
-          <a:bodyPr wrap="square" rtlCol="0">
-            <a:spAutoFit/>
-          </a:bodyPr>
-          <a:lstStyle/>
-          <a:p>
-            <a:pPr algn="just"/>
-            <a:r>
-              <a:rPr lang="en-US" sz="2000" dirty="0"/>
-              <a:t>C</a:t>
-            </a:r>
-            <a:r>
-              <a:rPr lang="en-US" sz="2000" dirty="0" smtClean="0"/>
-              <a:t>onverts </a:t>
-            </a:r>
-            <a:r>
-              <a:rPr lang="en-US" sz="2000" dirty="0"/>
-              <a:t>shell specific command </a:t>
-            </a:r>
-            <a:r>
-              <a:rPr lang="en-US" sz="2000" dirty="0" smtClean="0"/>
-              <a:t>to </a:t>
-            </a:r>
-            <a:r>
-              <a:rPr lang="en-US" sz="2000" dirty="0" err="1" smtClean="0">
-                <a:effectLst>
-                  <a:outerShdw blurRad="38100" dist="38100" dir="2700000" algn="tl">
-                    <a:srgbClr val="000000">
-                      <a:alpha val="43137"/>
-                    </a:srgbClr>
-                  </a:outerShdw>
-                </a:effectLst>
-              </a:rPr>
-              <a:t>sh</a:t>
-            </a:r>
-            <a:r>
-              <a:rPr lang="en-US" sz="2000" dirty="0" smtClean="0"/>
-              <a:t> </a:t>
-            </a:r>
-            <a:r>
-              <a:rPr lang="pt-PT" sz="2000" dirty="0"/>
-              <a:t>compatible version, expands aliases and </a:t>
-            </a:r>
-            <a:endParaRPr lang="pt-PT" sz="2000" dirty="0" smtClean="0"/>
-          </a:p>
-          <a:p>
-            <a:pPr algn="just"/>
-            <a:r>
-              <a:rPr lang="pt-PT" sz="2000" dirty="0" smtClean="0"/>
-              <a:t>environment </a:t>
-            </a:r>
-            <a:r>
-              <a:rPr lang="pt-PT" sz="2000" dirty="0"/>
-              <a:t>variable</a:t>
-            </a:r>
-            <a:r>
-              <a:rPr lang="pt-PT" sz="2000" dirty="0" smtClean="0"/>
-              <a:t>.</a:t>
-            </a:r>
-            <a:endParaRPr lang="en-US" sz="2000" dirty="0" smtClean="0"/>
-          </a:p>
-        </p:txBody>
-      </p:sp>
-      <p:sp>
-        <p:nvSpPr>
-          <p:cNvPr id="12" name="CaixaDeTexto 2"/>
-          <p:cNvSpPr txBox="1"/>
-          <p:nvPr/>
-        </p:nvSpPr>
-        <p:spPr>
-          <a:xfrm>
-            <a:off x="3174280" y="5487781"/>
-            <a:ext cx="8271917" cy="707886"/>
-          </a:xfrm>
-          <a:prstGeom prst="rect">
-            <a:avLst/>
-          </a:prstGeom>
-          <a:noFill/>
-        </p:spPr>
-        <p:txBody>
-          <a:bodyPr wrap="square" rtlCol="0">
-            <a:spAutoFit/>
-          </a:bodyPr>
-          <a:lstStyle/>
-          <a:p>
-            <a:pPr algn="just"/>
-            <a:r>
-              <a:rPr lang="en-US" sz="2000" dirty="0"/>
-              <a:t>D</a:t>
-            </a:r>
-            <a:r>
-              <a:rPr lang="en-US" sz="2000" dirty="0" smtClean="0"/>
-              <a:t>ecides </a:t>
-            </a:r>
-            <a:r>
-              <a:rPr lang="en-US" sz="2000" dirty="0"/>
-              <a:t>which terminal encoding to use and how to recognize key </a:t>
-            </a:r>
-            <a:r>
-              <a:rPr lang="en-US" sz="2000" dirty="0" smtClean="0"/>
-              <a:t>up/down movements in </a:t>
-            </a:r>
-            <a:r>
-              <a:rPr lang="en-US" sz="2000" i="1" dirty="0" err="1" smtClean="0">
-                <a:effectLst>
-                  <a:outerShdw blurRad="38100" dist="38100" dir="2700000" algn="tl">
-                    <a:srgbClr val="000000">
-                      <a:alpha val="43137"/>
-                    </a:srgbClr>
-                  </a:outerShdw>
-                </a:effectLst>
-              </a:rPr>
-              <a:t>unix</a:t>
-            </a:r>
-            <a:r>
-              <a:rPr lang="en-US" sz="2000" dirty="0" smtClean="0"/>
-              <a:t> and </a:t>
-            </a:r>
-            <a:r>
-              <a:rPr lang="en-US" sz="2000" i="1" dirty="0" smtClean="0">
-                <a:effectLst>
-                  <a:outerShdw blurRad="38100" dist="38100" dir="2700000" algn="tl">
-                    <a:srgbClr val="000000">
-                      <a:alpha val="43137"/>
-                    </a:srgbClr>
-                  </a:outerShdw>
-                </a:effectLst>
-              </a:rPr>
-              <a:t>Windows</a:t>
-            </a:r>
-            <a:r>
-              <a:rPr lang="en-US" sz="2000" dirty="0" smtClean="0"/>
-              <a:t>.</a:t>
-            </a:r>
-          </a:p>
-        </p:txBody>
-      </p:sp>
-    </p:spTree>
-    <p:extLst>
-      <p:ext uri="{BB962C8B-B14F-4D97-AF65-F5344CB8AC3E}">
-        <p14:creationId xmlns:p14="http://schemas.microsoft.com/office/powerpoint/2010/main" val="3991281921"/>
-      </p:ext>
-    </p:extLst>
-  </p:cSld>
-  <p:clrMapOvr>
-    <a:masterClrMapping/>
-  </p:clrMapOvr>
-  <p:transition spd="slow">
-    <p:push dir="u"/>
-  </p:transition>
-  <p:timing>
-    <p:tnLst>
-      <p:par>
-        <p:cTn id="1" dur="indefinite" restart="never" nodeType="tmRoot"/>
-      </p:par>
-    </p:tnLst>
-  </p:timing>
-</p:sld>
-</file>
-
-<file path=ppt/slides/slide14.xml><?xml version="1.0" encoding="utf-8"?>
-<p:sld xmlns:a="http://schemas.openxmlformats.org/drawingml/2006/main" xmlns:r="http://schemas.openxmlformats.org/officeDocument/2006/relationships" xmlns:p="http://schemas.openxmlformats.org/presentationml/2006/main">
-  <p:cSld>
-    <p:spTree>
-      <p:nvGrpSpPr>
-        <p:cNvPr id="1" name=""/>
-        <p:cNvGrpSpPr/>
-        <p:nvPr/>
-      </p:nvGrpSpPr>
-      <p:grpSpPr>
-        <a:xfrm>
-          <a:off x="0" y="0"/>
-          <a:ext cx="0" cy="0"/>
-          <a:chOff x="0" y="0"/>
-          <a:chExt cx="0" cy="0"/>
-        </a:xfrm>
-      </p:grpSpPr>
-      <p:pic>
-        <p:nvPicPr>
-          <p:cNvPr id="3" name="Imagem 2"/>
-          <p:cNvPicPr>
-            <a:picLocks noChangeAspect="1"/>
-          </p:cNvPicPr>
-          <p:nvPr/>
-        </p:nvPicPr>
-        <p:blipFill>
-          <a:blip r:embed="rId2">
-            <a:extLst>
-              <a:ext uri="{28A0092B-C50C-407E-A947-70E740481C1C}">
-                <a14:useLocalDpi xmlns:a14="http://schemas.microsoft.com/office/drawing/2010/main" val="0"/>
-              </a:ext>
-            </a:extLst>
-          </a:blip>
-          <a:stretch>
-            <a:fillRect/>
-          </a:stretch>
-        </p:blipFill>
-        <p:spPr>
-          <a:xfrm>
-            <a:off x="1113880" y="1917380"/>
-            <a:ext cx="1989463" cy="2785248"/>
-          </a:xfrm>
-          <a:prstGeom prst="rect">
-            <a:avLst/>
-          </a:prstGeom>
-        </p:spPr>
-      </p:pic>
-      <p:sp>
-        <p:nvSpPr>
-          <p:cNvPr id="4" name="CaixaDeTexto 3"/>
-          <p:cNvSpPr txBox="1"/>
-          <p:nvPr/>
-        </p:nvSpPr>
-        <p:spPr>
-          <a:xfrm>
-            <a:off x="3526971" y="1316488"/>
-            <a:ext cx="7863840" cy="1015663"/>
-          </a:xfrm>
-          <a:prstGeom prst="rect">
-            <a:avLst/>
-          </a:prstGeom>
-          <a:noFill/>
-        </p:spPr>
-        <p:txBody>
-          <a:bodyPr wrap="square" rtlCol="0">
-            <a:spAutoFit/>
-          </a:bodyPr>
-          <a:lstStyle/>
-          <a:p>
-            <a:pPr algn="just"/>
-            <a:r>
-              <a:rPr lang="en-US" sz="2000" dirty="0" smtClean="0"/>
-              <a:t>Auxiliary </a:t>
-            </a:r>
-            <a:r>
-              <a:rPr lang="en-US" sz="2000" dirty="0"/>
-              <a:t>modules that deal with the program settings, errors, global variables, etc. We grouped these modules in a virtual package in order to make the diagram easier to understand.</a:t>
-            </a:r>
-            <a:endParaRPr lang="pt-PT" sz="2000" dirty="0"/>
-          </a:p>
-        </p:txBody>
-      </p:sp>
-      <p:sp>
-        <p:nvSpPr>
-          <p:cNvPr id="5" name="CaixaDeTexto 4"/>
-          <p:cNvSpPr txBox="1"/>
-          <p:nvPr/>
-        </p:nvSpPr>
-        <p:spPr>
-          <a:xfrm>
-            <a:off x="3526971" y="2492144"/>
-            <a:ext cx="7863840" cy="3170099"/>
-          </a:xfrm>
-          <a:prstGeom prst="rect">
-            <a:avLst/>
-          </a:prstGeom>
-          <a:noFill/>
-        </p:spPr>
-        <p:txBody>
-          <a:bodyPr wrap="square" rtlCol="0">
-            <a:spAutoFit/>
-          </a:bodyPr>
-          <a:lstStyle/>
-          <a:p>
-            <a:pPr algn="just">
-              <a:lnSpc>
-                <a:spcPct val="150000"/>
-              </a:lnSpc>
-            </a:pPr>
-            <a:r>
-              <a:rPr lang="en-US" sz="2000" dirty="0"/>
-              <a:t>The </a:t>
-            </a:r>
-            <a:r>
-              <a:rPr lang="en-US" sz="2000" b="1" dirty="0"/>
-              <a:t>Aux</a:t>
-            </a:r>
-            <a:r>
-              <a:rPr lang="en-US" sz="2000" dirty="0"/>
-              <a:t> package contains the following modules:</a:t>
-            </a:r>
-          </a:p>
-          <a:p>
-            <a:pPr algn="just">
-              <a:lnSpc>
-                <a:spcPct val="150000"/>
-              </a:lnSpc>
-            </a:pPr>
-            <a:r>
-              <a:rPr lang="en-US" sz="2000" b="1" i="1" dirty="0"/>
-              <a:t>conf.py</a:t>
-            </a:r>
-            <a:r>
-              <a:rPr lang="en-US" sz="2000" dirty="0"/>
-              <a:t> - configure the settings.</a:t>
-            </a:r>
-          </a:p>
-          <a:p>
-            <a:pPr algn="just"/>
-            <a:r>
-              <a:rPr lang="en-US" sz="2000" b="1" i="1" dirty="0"/>
-              <a:t>utils.py</a:t>
-            </a:r>
-            <a:r>
-              <a:rPr lang="en-US" sz="2000" dirty="0"/>
-              <a:t> - define the necessary auxiliary functions for developing the program.</a:t>
-            </a:r>
-          </a:p>
-          <a:p>
-            <a:pPr algn="just"/>
-            <a:r>
-              <a:rPr lang="en-US" sz="2000" b="1" i="1" dirty="0"/>
-              <a:t>logs.py</a:t>
-            </a:r>
-            <a:r>
-              <a:rPr lang="en-US" sz="2000" dirty="0"/>
-              <a:t> - deals with internal errors.</a:t>
-            </a:r>
-          </a:p>
-          <a:p>
-            <a:pPr algn="just"/>
-            <a:r>
-              <a:rPr lang="en-US" sz="2000" b="1" i="1" dirty="0"/>
-              <a:t>const.py</a:t>
-            </a:r>
-            <a:r>
-              <a:rPr lang="en-US" sz="2000" dirty="0"/>
-              <a:t> - initializes through global variables the default options.</a:t>
-            </a:r>
-          </a:p>
-          <a:p>
-            <a:pPr algn="just"/>
-            <a:r>
-              <a:rPr lang="en-US" sz="2000" b="1" i="1" dirty="0"/>
-              <a:t>exceptions.py</a:t>
-            </a:r>
-            <a:r>
-              <a:rPr lang="en-US" sz="2000" dirty="0"/>
-              <a:t> - displays an error message when the user enters a command that is not found.</a:t>
-            </a:r>
-          </a:p>
-          <a:p>
-            <a:pPr algn="just"/>
-            <a:endParaRPr lang="pt-PT" sz="2000" dirty="0"/>
-          </a:p>
-        </p:txBody>
-      </p:sp>
-    </p:spTree>
-    <p:extLst>
-      <p:ext uri="{BB962C8B-B14F-4D97-AF65-F5344CB8AC3E}">
-        <p14:creationId xmlns:p14="http://schemas.microsoft.com/office/powerpoint/2010/main" val="204583802"/>
-      </p:ext>
-    </p:extLst>
-  </p:cSld>
-  <p:clrMapOvr>
-    <a:masterClrMapping/>
-  </p:clrMapOvr>
-  <p:transition spd="slow">
-    <p:push dir="u"/>
-  </p:transition>
-  <p:timing>
-    <p:tnLst>
-      <p:par>
-        <p:cTn id="1" dur="indefinite" restart="never" nodeType="tmRoot"/>
-      </p:par>
-    </p:tnLst>
-  </p:timing>
-</p:sld>
-</file>
-
-<file path=ppt/slides/slide15.xml><?xml version="1.0" encoding="utf-8"?>
-<p:sld xmlns:a="http://schemas.openxmlformats.org/drawingml/2006/main" xmlns:r="http://schemas.openxmlformats.org/officeDocument/2006/relationships" xmlns:p="http://schemas.openxmlformats.org/presentationml/2006/main">
-  <p:cSld>
-    <p:spTree>
-      <p:nvGrpSpPr>
-        <p:cNvPr id="1" name=""/>
-        <p:cNvGrpSpPr/>
-        <p:nvPr/>
-      </p:nvGrpSpPr>
-      <p:grpSpPr>
-        <a:xfrm>
-          <a:off x="0" y="0"/>
-          <a:ext cx="0" cy="0"/>
-          <a:chOff x="0" y="0"/>
-          <a:chExt cx="0" cy="0"/>
-        </a:xfrm>
-      </p:grpSpPr>
-      <p:pic>
-        <p:nvPicPr>
-          <p:cNvPr id="2" name="Imagem 1"/>
-          <p:cNvPicPr>
-            <a:picLocks noChangeAspect="1"/>
-          </p:cNvPicPr>
-          <p:nvPr/>
-        </p:nvPicPr>
-        <p:blipFill>
-          <a:blip r:embed="rId2">
-            <a:extLst>
-              <a:ext uri="{28A0092B-C50C-407E-A947-70E740481C1C}">
-                <a14:useLocalDpi xmlns:a14="http://schemas.microsoft.com/office/drawing/2010/main" val="0"/>
-              </a:ext>
-            </a:extLst>
-          </a:blip>
-          <a:stretch>
-            <a:fillRect/>
-          </a:stretch>
-        </p:blipFill>
-        <p:spPr>
-          <a:xfrm>
-            <a:off x="1288730" y="927467"/>
-            <a:ext cx="1662790" cy="858654"/>
-          </a:xfrm>
-          <a:prstGeom prst="rect">
-            <a:avLst/>
-          </a:prstGeom>
+          <a:solidFill>
+            <a:schemeClr val="accent5"/>
+          </a:solidFill>
         </p:spPr>
       </p:pic>
       <p:pic>
@@ -13932,8 +13047,8 @@
         </p:blipFill>
         <p:spPr>
           <a:xfrm>
-            <a:off x="1288729" y="2354573"/>
-            <a:ext cx="1662790" cy="845024"/>
+            <a:off x="1223425" y="1564683"/>
+            <a:ext cx="1363029" cy="1108257"/>
           </a:xfrm>
           <a:prstGeom prst="rect">
             <a:avLst/>
@@ -13942,7 +13057,7 @@
       </p:pic>
       <p:pic>
         <p:nvPicPr>
-          <p:cNvPr id="4" name="Imagem 3"/>
+          <p:cNvPr id="5" name="Imagem 4"/>
           <p:cNvPicPr>
             <a:picLocks noChangeAspect="1"/>
           </p:cNvPicPr>
@@ -13962,8 +13077,8 @@
         </p:blipFill>
         <p:spPr>
           <a:xfrm>
-            <a:off x="1288730" y="3768049"/>
-            <a:ext cx="1662789" cy="845024"/>
+            <a:off x="1223425" y="2888122"/>
+            <a:ext cx="1363029" cy="1108257"/>
           </a:xfrm>
           <a:prstGeom prst="rect">
             <a:avLst/>
@@ -13972,7 +13087,7 @@
       </p:pic>
       <p:pic>
         <p:nvPicPr>
-          <p:cNvPr id="5" name="Imagem 4"/>
+          <p:cNvPr id="8" name="Imagem 7"/>
           <p:cNvPicPr>
             <a:picLocks noChangeAspect="1"/>
           </p:cNvPicPr>
@@ -13992,8 +13107,68 @@
         </p:blipFill>
         <p:spPr>
           <a:xfrm>
-            <a:off x="1288730" y="5181525"/>
-            <a:ext cx="1662789" cy="845024"/>
+            <a:off x="1223425" y="4097792"/>
+            <a:ext cx="1363029" cy="1108257"/>
+          </a:xfrm>
+          <a:prstGeom prst="rect">
+            <a:avLst/>
+          </a:prstGeom>
+        </p:spPr>
+      </p:pic>
+      <p:pic>
+        <p:nvPicPr>
+          <p:cNvPr id="10" name="Imagem 9"/>
+          <p:cNvPicPr>
+            <a:picLocks noChangeAspect="1"/>
+          </p:cNvPicPr>
+          <p:nvPr/>
+        </p:nvPicPr>
+        <p:blipFill>
+          <a:blip r:embed="rId6">
+            <a:extLst>
+              <a:ext uri="{28A0092B-C50C-407E-A947-70E740481C1C}">
+                <a14:useLocalDpi xmlns:a14="http://schemas.microsoft.com/office/drawing/2010/main" val="0"/>
+              </a:ext>
+            </a:extLst>
+          </a:blip>
+          <a:stretch>
+            <a:fillRect/>
+          </a:stretch>
+        </p:blipFill>
+        <p:spPr>
+          <a:xfrm>
+            <a:off x="3618997" y="4606691"/>
+            <a:ext cx="1363029" cy="1108257"/>
+          </a:xfrm>
+          <a:prstGeom prst="rect">
+            <a:avLst/>
+          </a:prstGeom>
+        </p:spPr>
+      </p:pic>
+      <p:pic>
+        <p:nvPicPr>
+          <p:cNvPr id="16" name="Imagem 15"/>
+          <p:cNvPicPr>
+            <a:picLocks noChangeAspect="1"/>
+          </p:cNvPicPr>
+          <p:nvPr/>
+        </p:nvPicPr>
+        <p:blipFill>
+          <a:blip r:embed="rId7">
+            <a:extLst>
+              <a:ext uri="{28A0092B-C50C-407E-A947-70E740481C1C}">
+                <a14:useLocalDpi xmlns:a14="http://schemas.microsoft.com/office/drawing/2010/main" val="0"/>
+              </a:ext>
+            </a:extLst>
+          </a:blip>
+          <a:stretch>
+            <a:fillRect/>
+          </a:stretch>
+        </p:blipFill>
+        <p:spPr>
+          <a:xfrm>
+            <a:off x="4982026" y="1378514"/>
+            <a:ext cx="1820895" cy="2549253"/>
           </a:xfrm>
           <a:prstGeom prst="rect">
             <a:avLst/>
@@ -14002,20 +13177,33 @@
       </p:pic>
       <p:sp>
         <p:nvSpPr>
-          <p:cNvPr id="6" name="CaixaDeTexto 2"/>
+          <p:cNvPr id="11" name="CaixaDeTexto 2"/>
           <p:cNvSpPr txBox="1"/>
           <p:nvPr/>
         </p:nvSpPr>
         <p:spPr>
           <a:xfrm>
-            <a:off x="3520899" y="848962"/>
-            <a:ext cx="7602216" cy="1015663"/>
+            <a:off x="164552" y="5928867"/>
+            <a:ext cx="8271917" cy="707886"/>
           </a:xfrm>
           <a:prstGeom prst="rect">
             <a:avLst/>
           </a:prstGeom>
-          <a:noFill/>
         </p:spPr>
+        <p:style>
+          <a:lnRef idx="3">
+            <a:schemeClr val="lt1"/>
+          </a:lnRef>
+          <a:fillRef idx="1">
+            <a:schemeClr val="accent5"/>
+          </a:fillRef>
+          <a:effectRef idx="1">
+            <a:schemeClr val="accent5"/>
+          </a:effectRef>
+          <a:fontRef idx="minor">
+            <a:schemeClr val="lt1"/>
+          </a:fontRef>
+        </p:style>
         <p:txBody>
           <a:bodyPr wrap="square" rtlCol="0">
             <a:spAutoFit/>
@@ -14024,48 +13212,366 @@
           <a:p>
             <a:pPr algn="just"/>
             <a:r>
-              <a:rPr lang="en-US" sz="2000" dirty="0"/>
-              <a:t>M</a:t>
-            </a:r>
-            <a:r>
-              <a:rPr lang="en-US" sz="2000" dirty="0" smtClean="0"/>
-              <a:t>atches </a:t>
-            </a:r>
-            <a:r>
-              <a:rPr lang="en-US" sz="2000" dirty="0"/>
-              <a:t>all enabled rules from rules package against current command and </a:t>
-            </a:r>
-            <a:endParaRPr lang="en-US" sz="2000" dirty="0" smtClean="0"/>
-          </a:p>
+              <a:rPr lang="en-US" sz="2000" dirty="0">
+                <a:solidFill>
+                  <a:sysClr val="windowText" lastClr="000000"/>
+                </a:solidFill>
+              </a:rPr>
+              <a:t>D</a:t>
+            </a:r>
+            <a:r>
+              <a:rPr lang="en-US" sz="2000" dirty="0" smtClean="0">
+                <a:solidFill>
+                  <a:sysClr val="windowText" lastClr="000000"/>
+                </a:solidFill>
+              </a:rPr>
+              <a:t>ecides </a:t>
+            </a:r>
+            <a:r>
+              <a:rPr lang="en-US" sz="2000" dirty="0">
+                <a:solidFill>
+                  <a:sysClr val="windowText" lastClr="000000"/>
+                </a:solidFill>
+              </a:rPr>
+              <a:t>which terminal encoding to use and how to recognize key </a:t>
+            </a:r>
+            <a:r>
+              <a:rPr lang="en-US" sz="2000" dirty="0" smtClean="0">
+                <a:solidFill>
+                  <a:sysClr val="windowText" lastClr="000000"/>
+                </a:solidFill>
+              </a:rPr>
+              <a:t>up/down movements in </a:t>
+            </a:r>
+            <a:r>
+              <a:rPr lang="en-US" sz="2000" i="1" dirty="0" err="1" smtClean="0">
+                <a:solidFill>
+                  <a:sysClr val="windowText" lastClr="000000"/>
+                </a:solidFill>
+                <a:effectLst>
+                  <a:outerShdw blurRad="38100" dist="38100" dir="2700000" algn="tl">
+                    <a:srgbClr val="000000">
+                      <a:alpha val="43137"/>
+                    </a:srgbClr>
+                  </a:outerShdw>
+                </a:effectLst>
+              </a:rPr>
+              <a:t>unix</a:t>
+            </a:r>
+            <a:r>
+              <a:rPr lang="en-US" sz="2000" dirty="0" smtClean="0">
+                <a:solidFill>
+                  <a:sysClr val="windowText" lastClr="000000"/>
+                </a:solidFill>
+              </a:rPr>
+              <a:t> and </a:t>
+            </a:r>
+            <a:r>
+              <a:rPr lang="en-US" sz="2000" i="1" dirty="0" smtClean="0">
+                <a:solidFill>
+                  <a:sysClr val="windowText" lastClr="000000"/>
+                </a:solidFill>
+                <a:effectLst>
+                  <a:outerShdw blurRad="38100" dist="38100" dir="2700000" algn="tl">
+                    <a:srgbClr val="000000">
+                      <a:alpha val="43137"/>
+                    </a:srgbClr>
+                  </a:outerShdw>
+                </a:effectLst>
+              </a:rPr>
+              <a:t>Windows</a:t>
+            </a:r>
+            <a:r>
+              <a:rPr lang="en-US" sz="2000" dirty="0" smtClean="0">
+                <a:solidFill>
+                  <a:sysClr val="windowText" lastClr="000000"/>
+                </a:solidFill>
+              </a:rPr>
+              <a:t>.</a:t>
+            </a:r>
+          </a:p>
+        </p:txBody>
+      </p:sp>
+      <p:pic>
+        <p:nvPicPr>
+          <p:cNvPr id="26" name="Imagem 25"/>
+          <p:cNvPicPr>
+            <a:picLocks noChangeAspect="1"/>
+          </p:cNvPicPr>
+          <p:nvPr/>
+        </p:nvPicPr>
+        <p:blipFill>
+          <a:blip r:embed="rId8">
+            <a:extLst>
+              <a:ext uri="{28A0092B-C50C-407E-A947-70E740481C1C}">
+                <a14:useLocalDpi xmlns:a14="http://schemas.microsoft.com/office/drawing/2010/main" val="0"/>
+              </a:ext>
+            </a:extLst>
+          </a:blip>
+          <a:stretch>
+            <a:fillRect/>
+          </a:stretch>
+        </p:blipFill>
+        <p:spPr>
+          <a:xfrm>
+            <a:off x="5512540" y="4841971"/>
+            <a:ext cx="1516058" cy="771307"/>
+          </a:xfrm>
+          <a:prstGeom prst="roundRect">
+            <a:avLst>
+              <a:gd name="adj" fmla="val 8594"/>
+            </a:avLst>
+          </a:prstGeom>
+          <a:solidFill>
+            <a:srgbClr val="FFFFFF">
+              <a:shade val="85000"/>
+            </a:srgbClr>
+          </a:solidFill>
+          <a:ln>
+            <a:noFill/>
+          </a:ln>
+          <a:effectLst>
+            <a:reflection blurRad="12700" stA="38000" endPos="28000" dist="5000" dir="5400000" sy="-100000" algn="bl" rotWithShape="0"/>
+          </a:effectLst>
+        </p:spPr>
+      </p:pic>
+      <p:sp>
+        <p:nvSpPr>
+          <p:cNvPr id="7" name="CaixaDeTexto 2"/>
+          <p:cNvSpPr txBox="1"/>
+          <p:nvPr/>
+        </p:nvSpPr>
+        <p:spPr>
+          <a:xfrm>
+            <a:off x="2991402" y="2934418"/>
+            <a:ext cx="8271916" cy="1015663"/>
+          </a:xfrm>
+          <a:prstGeom prst="rect">
+            <a:avLst/>
+          </a:prstGeom>
+          <a:solidFill>
+            <a:schemeClr val="accent5"/>
+          </a:solidFill>
+        </p:spPr>
+        <p:style>
+          <a:lnRef idx="3">
+            <a:schemeClr val="lt1"/>
+          </a:lnRef>
+          <a:fillRef idx="1">
+            <a:schemeClr val="accent5"/>
+          </a:fillRef>
+          <a:effectRef idx="1">
+            <a:schemeClr val="accent5"/>
+          </a:effectRef>
+          <a:fontRef idx="minor">
+            <a:schemeClr val="lt1"/>
+          </a:fontRef>
+        </p:style>
+        <p:txBody>
+          <a:bodyPr wrap="square" rtlCol="0">
+            <a:spAutoFit/>
+          </a:bodyPr>
+          <a:lstStyle/>
           <a:p>
             <a:pPr algn="just"/>
             <a:r>
-              <a:rPr lang="en-US" sz="2000" dirty="0" smtClean="0"/>
-              <a:t>return </a:t>
-            </a:r>
-            <a:r>
-              <a:rPr lang="en-US" sz="2000" dirty="0"/>
-              <a:t>all available corrected commands.</a:t>
-            </a:r>
-            <a:endParaRPr lang="en-US" sz="2000" dirty="0" smtClean="0"/>
+              <a:rPr lang="en-US" sz="2000" dirty="0">
+                <a:solidFill>
+                  <a:sysClr val="windowText" lastClr="000000"/>
+                </a:solidFill>
+              </a:rPr>
+              <a:t>U</a:t>
+            </a:r>
+            <a:r>
+              <a:rPr lang="en-US" sz="2000" dirty="0" smtClean="0">
+                <a:solidFill>
+                  <a:sysClr val="windowText" lastClr="000000"/>
+                </a:solidFill>
+              </a:rPr>
+              <a:t>tility </a:t>
+            </a:r>
+            <a:r>
+              <a:rPr lang="en-US" sz="2000" dirty="0">
+                <a:solidFill>
+                  <a:sysClr val="windowText" lastClr="000000"/>
+                </a:solidFill>
+              </a:rPr>
+              <a:t>functions to help matching specific rules. Provides information about </a:t>
+            </a:r>
+            <a:r>
+              <a:rPr lang="en-US" sz="2000" dirty="0" smtClean="0">
+                <a:solidFill>
+                  <a:sysClr val="windowText" lastClr="000000"/>
+                </a:solidFill>
+              </a:rPr>
+              <a:t>existence of </a:t>
+            </a:r>
+            <a:r>
+              <a:rPr lang="en-US" sz="2000" u="sng" dirty="0" smtClean="0">
+                <a:solidFill>
+                  <a:sysClr val="windowText" lastClr="000000"/>
+                </a:solidFill>
+              </a:rPr>
+              <a:t>apt-get</a:t>
+            </a:r>
+            <a:r>
+              <a:rPr lang="en-US" sz="2000" dirty="0" smtClean="0">
+                <a:solidFill>
+                  <a:sysClr val="windowText" lastClr="000000"/>
+                </a:solidFill>
+              </a:rPr>
+              <a:t> </a:t>
+            </a:r>
+            <a:r>
+              <a:rPr lang="pt-PT" sz="2000" dirty="0" smtClean="0">
+                <a:solidFill>
+                  <a:sysClr val="windowText" lastClr="000000"/>
+                </a:solidFill>
+              </a:rPr>
+              <a:t>or ArchLinux </a:t>
+            </a:r>
+            <a:r>
+              <a:rPr lang="pt-PT" sz="2000" dirty="0" smtClean="0">
+                <a:solidFill>
+                  <a:sysClr val="windowText" lastClr="000000"/>
+                </a:solidFill>
+                <a:effectLst>
+                  <a:outerShdw blurRad="38100" dist="38100" dir="2700000" algn="tl">
+                    <a:srgbClr val="000000">
+                      <a:alpha val="43137"/>
+                    </a:srgbClr>
+                  </a:outerShdw>
+                </a:effectLst>
+              </a:rPr>
+              <a:t>pacman</a:t>
+            </a:r>
+            <a:r>
+              <a:rPr lang="pt-PT" sz="2000" dirty="0" smtClean="0">
+                <a:solidFill>
+                  <a:sysClr val="windowText" lastClr="000000"/>
+                </a:solidFill>
+              </a:rPr>
+              <a:t>, </a:t>
+            </a:r>
+            <a:r>
+              <a:rPr lang="en-US" sz="2000" dirty="0">
+                <a:solidFill>
+                  <a:sysClr val="windowText" lastClr="000000"/>
+                </a:solidFill>
+              </a:rPr>
+              <a:t>for instance, and predicts a fix for the </a:t>
+            </a:r>
+            <a:r>
+              <a:rPr lang="en-US" sz="2000" dirty="0" smtClean="0">
+                <a:solidFill>
+                  <a:sysClr val="windowText" lastClr="000000"/>
+                </a:solidFill>
+              </a:rPr>
+              <a:t>command.</a:t>
+            </a:r>
           </a:p>
         </p:txBody>
       </p:sp>
       <p:sp>
         <p:nvSpPr>
-          <p:cNvPr id="7" name="Rectangle 6"/>
+          <p:cNvPr id="25" name="CaixaDeTexto 2"/>
+          <p:cNvSpPr txBox="1"/>
+          <p:nvPr/>
+        </p:nvSpPr>
+        <p:spPr>
+          <a:xfrm>
+            <a:off x="0" y="1685511"/>
+            <a:ext cx="7192370" cy="707886"/>
+          </a:xfrm>
+          <a:prstGeom prst="rect">
+            <a:avLst/>
+          </a:prstGeom>
+        </p:spPr>
+        <p:style>
+          <a:lnRef idx="3">
+            <a:schemeClr val="lt1"/>
+          </a:lnRef>
+          <a:fillRef idx="1">
+            <a:schemeClr val="accent5"/>
+          </a:fillRef>
+          <a:effectRef idx="1">
+            <a:schemeClr val="accent5"/>
+          </a:effectRef>
+          <a:fontRef idx="minor">
+            <a:schemeClr val="lt1"/>
+          </a:fontRef>
+        </p:style>
+        <p:txBody>
+          <a:bodyPr wrap="square" rtlCol="0">
+            <a:spAutoFit/>
+          </a:bodyPr>
+          <a:lstStyle/>
+          <a:p>
+            <a:pPr algn="just"/>
+            <a:r>
+              <a:rPr lang="en-US" sz="2000" dirty="0">
+                <a:solidFill>
+                  <a:sysClr val="windowText" lastClr="000000"/>
+                </a:solidFill>
+              </a:rPr>
+              <a:t>M</a:t>
+            </a:r>
+            <a:r>
+              <a:rPr lang="en-US" sz="2000" dirty="0" smtClean="0">
+                <a:solidFill>
+                  <a:sysClr val="windowText" lastClr="000000"/>
+                </a:solidFill>
+              </a:rPr>
+              <a:t>atches </a:t>
+            </a:r>
+            <a:r>
+              <a:rPr lang="en-US" sz="2000" dirty="0">
+                <a:solidFill>
+                  <a:sysClr val="windowText" lastClr="000000"/>
+                </a:solidFill>
+              </a:rPr>
+              <a:t>all enabled rules from rules package against current command and </a:t>
+            </a:r>
+            <a:r>
+              <a:rPr lang="en-US" sz="2000" dirty="0" smtClean="0">
+                <a:solidFill>
+                  <a:sysClr val="windowText" lastClr="000000"/>
+                </a:solidFill>
+              </a:rPr>
+              <a:t>return all available corrected commands.</a:t>
+            </a:r>
+          </a:p>
+        </p:txBody>
+      </p:sp>
+      <p:sp>
+        <p:nvSpPr>
+          <p:cNvPr id="27" name="Rectangle 6"/>
           <p:cNvSpPr/>
           <p:nvPr/>
         </p:nvSpPr>
         <p:spPr>
           <a:xfrm>
-            <a:off x="3520897" y="2423142"/>
+            <a:off x="2586454" y="3694035"/>
             <a:ext cx="7602218" cy="707886"/>
           </a:xfrm>
           <a:prstGeom prst="rect">
             <a:avLst/>
           </a:prstGeom>
         </p:spPr>
+        <p:style>
+          <a:lnRef idx="3">
+            <a:schemeClr val="lt1"/>
+          </a:lnRef>
+          <a:fillRef idx="1">
+            <a:schemeClr val="accent5"/>
+          </a:fillRef>
+          <a:effectRef idx="1">
+            <a:schemeClr val="accent5"/>
+          </a:effectRef>
+          <a:fontRef idx="minor">
+            <a:schemeClr val="lt1"/>
+          </a:fontRef>
+        </p:style>
         <p:txBody>
           <a:bodyPr wrap="square">
             <a:spAutoFit/>
@@ -14074,23 +13580,42 @@
           <a:p>
             <a:pPr algn="just"/>
             <a:r>
-              <a:rPr lang="en-US" sz="2000" dirty="0"/>
+              <a:rPr lang="en-US" sz="2000" dirty="0">
+                <a:solidFill>
+                  <a:sysClr val="windowText" lastClr="000000"/>
+                </a:solidFill>
+              </a:rPr>
               <a:t>A</a:t>
             </a:r>
             <a:r>
-              <a:rPr lang="en-US" sz="2000" dirty="0" smtClean="0"/>
+              <a:rPr lang="en-US" sz="2000" dirty="0" smtClean="0">
+                <a:solidFill>
+                  <a:sysClr val="windowText" lastClr="000000"/>
+                </a:solidFill>
+              </a:rPr>
               <a:t>llows </a:t>
             </a:r>
             <a:r>
-              <a:rPr lang="en-US" sz="2000" dirty="0"/>
+              <a:rPr lang="en-US" sz="2000" dirty="0">
+                <a:solidFill>
+                  <a:sysClr val="windowText" lastClr="000000"/>
+                </a:solidFill>
+              </a:rPr>
               <a:t>to choose from a list of corrected commands with arrow keys, approve selection </a:t>
             </a:r>
             <a:r>
-              <a:rPr lang="en-US" sz="2000" dirty="0" smtClean="0"/>
+              <a:rPr lang="en-US" sz="2000" dirty="0" smtClean="0">
+                <a:solidFill>
+                  <a:sysClr val="windowText" lastClr="000000"/>
+                </a:solidFill>
+              </a:rPr>
               <a:t>with </a:t>
             </a:r>
             <a:r>
               <a:rPr lang="en-US" sz="2000" dirty="0" smtClean="0">
+                <a:solidFill>
+                  <a:sysClr val="windowText" lastClr="000000"/>
+                </a:solidFill>
                 <a:effectLst>
                   <a:outerShdw blurRad="38100" dist="38100" dir="2700000" algn="tl">
                     <a:srgbClr val="000000">
@@ -14102,19 +13627,34 @@
               <a:t>Enter</a:t>
             </a:r>
             <a:r>
-              <a:rPr lang="en-US" sz="2000" dirty="0" smtClean="0"/>
+              <a:rPr lang="en-US" sz="2000" dirty="0" smtClean="0">
+                <a:solidFill>
+                  <a:sysClr val="windowText" lastClr="000000"/>
+                </a:solidFill>
+              </a:rPr>
               <a:t> </a:t>
             </a:r>
             <a:r>
-              <a:rPr lang="pt-PT" sz="2000" dirty="0"/>
+              <a:rPr lang="pt-PT" sz="2000" dirty="0">
+                <a:solidFill>
+                  <a:sysClr val="windowText" lastClr="000000"/>
+                </a:solidFill>
+              </a:rPr>
               <a:t>or dismiss it </a:t>
             </a:r>
             <a:r>
-              <a:rPr lang="pt-PT" sz="2000" dirty="0" smtClean="0"/>
+              <a:rPr lang="pt-PT" sz="2000" dirty="0" smtClean="0">
+                <a:solidFill>
+                  <a:sysClr val="windowText" lastClr="000000"/>
+                </a:solidFill>
+              </a:rPr>
               <a:t>with </a:t>
             </a:r>
             <a:r>
               <a:rPr lang="pt-PT" sz="2000" dirty="0" smtClean="0">
+                <a:solidFill>
+                  <a:sysClr val="windowText" lastClr="000000"/>
+                </a:solidFill>
                 <a:effectLst>
                   <a:outerShdw blurRad="38100" dist="38100" dir="2700000" algn="tl">
                     <a:srgbClr val="000000">
@@ -14126,6 +13666,9 @@
               <a:t>Ctrl+C</a:t>
             </a:r>
             <a:endParaRPr lang="pt-PT" sz="2000" dirty="0">
+              <a:solidFill>
+                <a:sysClr val="windowText" lastClr="000000"/>
+              </a:solidFill>
               <a:effectLst>
                 <a:outerShdw blurRad="38100" dist="38100" dir="2700000" algn="tl">
                   <a:srgbClr val="000000">
@@ -14137,22 +13680,298 @@
           </a:p>
         </p:txBody>
       </p:sp>
+      <p:pic>
+        <p:nvPicPr>
+          <p:cNvPr id="28" name="Imagem 27"/>
+          <p:cNvPicPr>
+            <a:picLocks noChangeAspect="1"/>
+          </p:cNvPicPr>
+          <p:nvPr/>
+        </p:nvPicPr>
+        <p:blipFill>
+          <a:blip r:embed="rId9">
+            <a:extLst>
+              <a:ext uri="{28A0092B-C50C-407E-A947-70E740481C1C}">
+                <a14:useLocalDpi xmlns:a14="http://schemas.microsoft.com/office/drawing/2010/main" val="0"/>
+              </a:ext>
+            </a:extLst>
+          </a:blip>
+          <a:stretch>
+            <a:fillRect/>
+          </a:stretch>
+        </p:blipFill>
+        <p:spPr>
+          <a:xfrm>
+            <a:off x="7568481" y="4835145"/>
+            <a:ext cx="1479986" cy="752124"/>
+          </a:xfrm>
+          <a:prstGeom prst="roundRect">
+            <a:avLst>
+              <a:gd name="adj" fmla="val 8594"/>
+            </a:avLst>
+          </a:prstGeom>
+          <a:solidFill>
+            <a:srgbClr val="FFFFFF">
+              <a:shade val="85000"/>
+            </a:srgbClr>
+          </a:solidFill>
+          <a:ln>
+            <a:noFill/>
+          </a:ln>
+          <a:effectLst>
+            <a:reflection blurRad="12700" stA="38000" endPos="28000" dist="5000" dir="5400000" sy="-100000" algn="bl" rotWithShape="0"/>
+          </a:effectLst>
+        </p:spPr>
+      </p:pic>
+      <p:pic>
+        <p:nvPicPr>
+          <p:cNvPr id="24" name="Imagem 23"/>
+          <p:cNvPicPr>
+            <a:picLocks noChangeAspect="1"/>
+          </p:cNvPicPr>
+          <p:nvPr/>
+        </p:nvPicPr>
+        <p:blipFill>
+          <a:blip r:embed="rId10">
+            <a:extLst>
+              <a:ext uri="{28A0092B-C50C-407E-A947-70E740481C1C}">
+                <a14:useLocalDpi xmlns:a14="http://schemas.microsoft.com/office/drawing/2010/main" val="0"/>
+              </a:ext>
+            </a:extLst>
+          </a:blip>
+          <a:stretch>
+            <a:fillRect/>
+          </a:stretch>
+        </p:blipFill>
+        <p:spPr>
+          <a:xfrm>
+            <a:off x="7568480" y="1625742"/>
+            <a:ext cx="1479986" cy="827424"/>
+          </a:xfrm>
+          <a:prstGeom prst="roundRect">
+            <a:avLst>
+              <a:gd name="adj" fmla="val 8594"/>
+            </a:avLst>
+          </a:prstGeom>
+          <a:solidFill>
+            <a:srgbClr val="FFFFFF">
+              <a:shade val="85000"/>
+            </a:srgbClr>
+          </a:solidFill>
+          <a:ln>
+            <a:noFill/>
+          </a:ln>
+          <a:effectLst>
+            <a:reflection blurRad="12700" stA="38000" endPos="28000" dist="5000" dir="5400000" sy="-100000" algn="bl" rotWithShape="0"/>
+          </a:effectLst>
+        </p:spPr>
+      </p:pic>
       <p:sp>
         <p:nvSpPr>
-          <p:cNvPr id="11" name="CaixaDeTexto 2"/>
+          <p:cNvPr id="17" name="CaixaDeTexto 16"/>
           <p:cNvSpPr txBox="1"/>
           <p:nvPr/>
         </p:nvSpPr>
         <p:spPr>
           <a:xfrm>
-            <a:off x="3520897" y="3528841"/>
+            <a:off x="1960553" y="3680574"/>
+            <a:ext cx="7863840" cy="3170099"/>
+          </a:xfrm>
+          <a:prstGeom prst="rect">
+            <a:avLst/>
+          </a:prstGeom>
+          <a:solidFill>
+            <a:schemeClr val="accent5"/>
+          </a:solidFill>
+        </p:spPr>
+        <p:style>
+          <a:lnRef idx="3">
+            <a:schemeClr val="lt1"/>
+          </a:lnRef>
+          <a:fillRef idx="1">
+            <a:schemeClr val="accent5"/>
+          </a:fillRef>
+          <a:effectRef idx="1">
+            <a:schemeClr val="accent5"/>
+          </a:effectRef>
+          <a:fontRef idx="minor">
+            <a:schemeClr val="lt1"/>
+          </a:fontRef>
+        </p:style>
+        <p:txBody>
+          <a:bodyPr wrap="square" rtlCol="0">
+            <a:spAutoFit/>
+          </a:bodyPr>
+          <a:lstStyle/>
+          <a:p>
+            <a:pPr algn="just">
+              <a:lnSpc>
+                <a:spcPct val="150000"/>
+              </a:lnSpc>
+            </a:pPr>
+            <a:r>
+              <a:rPr lang="en-US" sz="2000" dirty="0">
+                <a:solidFill>
+                  <a:sysClr val="windowText" lastClr="000000"/>
+                </a:solidFill>
+              </a:rPr>
+              <a:t>The </a:t>
+            </a:r>
+            <a:r>
+              <a:rPr lang="en-US" sz="2000" b="1" dirty="0">
+                <a:solidFill>
+                  <a:sysClr val="windowText" lastClr="000000"/>
+                </a:solidFill>
+              </a:rPr>
+              <a:t>Aux</a:t>
+            </a:r>
+            <a:r>
+              <a:rPr lang="en-US" sz="2000" dirty="0">
+                <a:solidFill>
+                  <a:sysClr val="windowText" lastClr="000000"/>
+                </a:solidFill>
+              </a:rPr>
+              <a:t> package contains the following modules:</a:t>
+            </a:r>
+          </a:p>
+          <a:p>
+            <a:pPr algn="just">
+              <a:lnSpc>
+                <a:spcPct val="150000"/>
+              </a:lnSpc>
+            </a:pPr>
+            <a:r>
+              <a:rPr lang="en-US" sz="2000" b="1" i="1" dirty="0">
+                <a:solidFill>
+                  <a:sysClr val="windowText" lastClr="000000"/>
+                </a:solidFill>
+              </a:rPr>
+              <a:t>conf.py</a:t>
+            </a:r>
+            <a:r>
+              <a:rPr lang="en-US" sz="2000" dirty="0">
+                <a:solidFill>
+                  <a:sysClr val="windowText" lastClr="000000"/>
+                </a:solidFill>
+              </a:rPr>
+              <a:t> - configure the settings.</a:t>
+            </a:r>
+          </a:p>
+          <a:p>
+            <a:pPr algn="just"/>
+            <a:r>
+              <a:rPr lang="en-US" sz="2000" b="1" i="1" dirty="0">
+                <a:solidFill>
+                  <a:sysClr val="windowText" lastClr="000000"/>
+                </a:solidFill>
+              </a:rPr>
+              <a:t>utils.py</a:t>
+            </a:r>
+            <a:r>
+              <a:rPr lang="en-US" sz="2000" dirty="0">
+                <a:solidFill>
+                  <a:sysClr val="windowText" lastClr="000000"/>
+                </a:solidFill>
+              </a:rPr>
+              <a:t> - define the necessary auxiliary functions for developing the program.</a:t>
+            </a:r>
+          </a:p>
+          <a:p>
+            <a:pPr algn="just"/>
+            <a:r>
+              <a:rPr lang="en-US" sz="2000" b="1" i="1" dirty="0">
+                <a:solidFill>
+                  <a:sysClr val="windowText" lastClr="000000"/>
+                </a:solidFill>
+              </a:rPr>
+              <a:t>logs.py</a:t>
+            </a:r>
+            <a:r>
+              <a:rPr lang="en-US" sz="2000" dirty="0">
+                <a:solidFill>
+                  <a:sysClr val="windowText" lastClr="000000"/>
+                </a:solidFill>
+              </a:rPr>
+              <a:t> - deals with internal errors.</a:t>
+            </a:r>
+          </a:p>
+          <a:p>
+            <a:pPr algn="just"/>
+            <a:r>
+              <a:rPr lang="en-US" sz="2000" b="1" i="1" dirty="0">
+                <a:solidFill>
+                  <a:sysClr val="windowText" lastClr="000000"/>
+                </a:solidFill>
+              </a:rPr>
+              <a:t>const.py</a:t>
+            </a:r>
+            <a:r>
+              <a:rPr lang="en-US" sz="2000" dirty="0">
+                <a:solidFill>
+                  <a:sysClr val="windowText" lastClr="000000"/>
+                </a:solidFill>
+              </a:rPr>
+              <a:t> - initializes through global variables the default options.</a:t>
+            </a:r>
+          </a:p>
+          <a:p>
+            <a:pPr algn="just"/>
+            <a:r>
+              <a:rPr lang="en-US" sz="2000" b="1" i="1" dirty="0">
+                <a:solidFill>
+                  <a:sysClr val="windowText" lastClr="000000"/>
+                </a:solidFill>
+              </a:rPr>
+              <a:t>exceptions.py</a:t>
+            </a:r>
+            <a:r>
+              <a:rPr lang="en-US" sz="2000" dirty="0">
+                <a:solidFill>
+                  <a:sysClr val="windowText" lastClr="000000"/>
+                </a:solidFill>
+              </a:rPr>
+              <a:t> - displays an error message when the user enters a command that is not found.</a:t>
+            </a:r>
+          </a:p>
+          <a:p>
+            <a:pPr algn="just"/>
+            <a:endParaRPr lang="pt-PT" sz="2000" dirty="0">
+              <a:solidFill>
+                <a:sysClr val="windowText" lastClr="000000"/>
+              </a:solidFill>
+            </a:endParaRPr>
+          </a:p>
+        </p:txBody>
+      </p:sp>
+      <p:sp>
+        <p:nvSpPr>
+          <p:cNvPr id="29" name="CaixaDeTexto 2"/>
+          <p:cNvSpPr txBox="1"/>
+          <p:nvPr/>
+        </p:nvSpPr>
+        <p:spPr>
+          <a:xfrm>
+            <a:off x="4507364" y="2968650"/>
             <a:ext cx="7602218" cy="1323439"/>
           </a:xfrm>
           <a:prstGeom prst="rect">
             <a:avLst/>
           </a:prstGeom>
-          <a:noFill/>
         </p:spPr>
+        <p:style>
+          <a:lnRef idx="3">
+            <a:schemeClr val="lt1"/>
+          </a:lnRef>
+          <a:fillRef idx="1">
+            <a:schemeClr val="accent5"/>
+          </a:fillRef>
+          <a:effectRef idx="1">
+            <a:schemeClr val="accent5"/>
+          </a:effectRef>
+          <a:fontRef idx="minor">
+            <a:schemeClr val="lt1"/>
+          </a:fontRef>
+        </p:style>
         <p:txBody>
           <a:bodyPr wrap="square" rtlCol="0">
             <a:spAutoFit/>
@@ -14161,19 +13980,35 @@
           <a:p>
             <a:pPr algn="just"/>
             <a:r>
-              <a:rPr lang="en-US" sz="2000" dirty="0"/>
+              <a:rPr lang="en-US" sz="2000" dirty="0">
+                <a:solidFill>
+                  <a:sysClr val="windowText" lastClr="000000"/>
+                </a:solidFill>
+              </a:rPr>
               <a:t>I</a:t>
             </a:r>
             <a:r>
-              <a:rPr lang="en-US" sz="2000" dirty="0" smtClean="0"/>
+              <a:rPr lang="en-US" sz="2000" dirty="0" smtClean="0">
+                <a:solidFill>
+                  <a:sysClr val="windowText" lastClr="000000"/>
+                </a:solidFill>
+              </a:rPr>
               <a:t>t's </a:t>
             </a:r>
             <a:r>
-              <a:rPr lang="en-US" sz="2000" dirty="0"/>
+              <a:rPr lang="en-US" sz="2000" dirty="0">
+                <a:solidFill>
+                  <a:sysClr val="windowText" lastClr="000000"/>
+                </a:solidFill>
+              </a:rPr>
               <a:t>distributed in three </a:t>
             </a:r>
             <a:r>
-              <a:rPr lang="en-US" sz="2000" dirty="0" smtClean="0"/>
+              <a:rPr lang="en-US" sz="2000" dirty="0" smtClean="0">
+                <a:solidFill>
+                  <a:sysClr val="windowText" lastClr="000000"/>
+                </a:solidFill>
+              </a:rPr>
               <a:t>classes:</a:t>
             </a:r>
           </a:p>
@@ -14184,6 +14019,9 @@
             </a:pPr>
             <a:r>
               <a:rPr lang="pt-PT" sz="2000" dirty="0" smtClean="0">
+                <a:solidFill>
+                  <a:sysClr val="windowText" lastClr="000000"/>
+                </a:solidFill>
                 <a:effectLst>
                   <a:outerShdw blurRad="38100" dist="38100" dir="2700000" algn="tl">
                     <a:srgbClr val="000000">
@@ -14195,7 +14033,11 @@
               <a:t>Command(object) </a:t>
             </a:r>
             <a:r>
-              <a:rPr lang="pt-PT" sz="2000" dirty="0" smtClean="0"/>
+              <a:rPr lang="pt-PT" sz="2000" dirty="0" smtClean="0">
+                <a:solidFill>
+                  <a:sysClr val="windowText" lastClr="000000"/>
+                </a:solidFill>
+              </a:rPr>
               <a:t>– parser of commands;</a:t>
             </a:r>
           </a:p>
@@ -14206,6 +14048,9 @@
             </a:pPr>
             <a:r>
               <a:rPr lang="pt-PT" sz="2000" dirty="0" smtClean="0">
+                <a:solidFill>
+                  <a:sysClr val="windowText" lastClr="000000"/>
+                </a:solidFill>
                 <a:effectLst>
                   <a:outerShdw blurRad="38100" dist="38100" dir="2700000" algn="tl">
                     <a:srgbClr val="000000">
@@ -14217,23 +14062,43 @@
               <a:t>Rule(object) </a:t>
             </a:r>
             <a:r>
-              <a:rPr lang="en-US" sz="2000" dirty="0" smtClean="0"/>
+              <a:rPr lang="en-US" sz="2000" dirty="0" smtClean="0">
+                <a:solidFill>
+                  <a:sysClr val="windowText" lastClr="000000"/>
+                </a:solidFill>
+              </a:rPr>
               <a:t>- </a:t>
             </a:r>
             <a:r>
-              <a:rPr lang="en-US" sz="2000" dirty="0" err="1" smtClean="0"/>
+              <a:rPr lang="en-US" sz="2000" dirty="0" err="1" smtClean="0">
+                <a:solidFill>
+                  <a:sysClr val="windowText" lastClr="000000"/>
+                </a:solidFill>
+              </a:rPr>
               <a:t>inicializes</a:t>
             </a:r>
             <a:r>
-              <a:rPr lang="en-US" sz="2000" dirty="0" smtClean="0"/>
+              <a:rPr lang="en-US" sz="2000" dirty="0" smtClean="0">
+                <a:solidFill>
+                  <a:sysClr val="windowText" lastClr="000000"/>
+                </a:solidFill>
+              </a:rPr>
               <a:t> </a:t>
             </a:r>
             <a:r>
-              <a:rPr lang="en-US" sz="2000" dirty="0"/>
+              <a:rPr lang="en-US" sz="2000" dirty="0">
+                <a:solidFill>
+                  <a:sysClr val="windowText" lastClr="000000"/>
+                </a:solidFill>
+              </a:rPr>
               <a:t>rule with given fields</a:t>
             </a:r>
             <a:r>
-              <a:rPr lang="en-US" sz="2000" dirty="0" smtClean="0"/>
+              <a:rPr lang="en-US" sz="2000" dirty="0" smtClean="0">
+                <a:solidFill>
+                  <a:sysClr val="windowText" lastClr="000000"/>
+                </a:solidFill>
+              </a:rPr>
               <a:t>;</a:t>
             </a:r>
           </a:p>
@@ -14244,6 +14109,9 @@
             </a:pPr>
             <a:r>
               <a:rPr lang="en-US" sz="2000" dirty="0" err="1" smtClean="0">
+                <a:solidFill>
+                  <a:sysClr val="windowText" lastClr="000000"/>
+                </a:solidFill>
                 <a:effectLst>
                   <a:outerShdw blurRad="38100" dist="38100" dir="2700000" algn="tl">
                     <a:srgbClr val="000000">
@@ -14256,6 +14124,9 @@
             </a:r>
             <a:r>
               <a:rPr lang="en-US" sz="2000" dirty="0" smtClean="0">
+                <a:solidFill>
+                  <a:sysClr val="windowText" lastClr="000000"/>
+                </a:solidFill>
                 <a:effectLst>
                   <a:outerShdw blurRad="38100" dist="38100" dir="2700000" algn="tl">
                     <a:srgbClr val="000000">
@@ -14267,21 +14138,480 @@
               <a:t>(object) </a:t>
             </a:r>
             <a:r>
-              <a:rPr lang="en-US" sz="2000" dirty="0" smtClean="0"/>
+              <a:rPr lang="en-US" sz="2000" dirty="0" smtClean="0">
+                <a:solidFill>
+                  <a:sysClr val="windowText" lastClr="000000"/>
+                </a:solidFill>
+              </a:rPr>
               <a:t>- </a:t>
             </a:r>
             <a:r>
-              <a:rPr lang="en-US" sz="2000" dirty="0"/>
+              <a:rPr lang="en-US" sz="2000" dirty="0">
+                <a:solidFill>
+                  <a:sysClr val="windowText" lastClr="000000"/>
+                </a:solidFill>
+              </a:rPr>
               <a:t>run command from chosen rule by user.</a:t>
             </a:r>
-            <a:endParaRPr lang="pt-PT" sz="2000" dirty="0"/>
+            <a:endParaRPr lang="pt-PT" sz="2000" dirty="0">
+              <a:solidFill>
+                <a:sysClr val="windowText" lastClr="000000"/>
+              </a:solidFill>
+            </a:endParaRPr>
+          </a:p>
+        </p:txBody>
+      </p:sp>
+      <p:sp>
+        <p:nvSpPr>
+          <p:cNvPr id="4" name="CaixaDeTexto 3"/>
+          <p:cNvSpPr txBox="1"/>
+          <p:nvPr/>
+        </p:nvSpPr>
+        <p:spPr>
+          <a:xfrm>
+            <a:off x="2991403" y="1457091"/>
+            <a:ext cx="8271915" cy="1323439"/>
+          </a:xfrm>
+          <a:prstGeom prst="rect">
+            <a:avLst/>
+          </a:prstGeom>
+          <a:solidFill>
+            <a:schemeClr val="accent5"/>
+          </a:solidFill>
+        </p:spPr>
+        <p:style>
+          <a:lnRef idx="3">
+            <a:schemeClr val="lt1"/>
+          </a:lnRef>
+          <a:fillRef idx="1">
+            <a:schemeClr val="accent5"/>
+          </a:fillRef>
+          <a:effectRef idx="1">
+            <a:schemeClr val="accent5"/>
+          </a:effectRef>
+          <a:fontRef idx="minor">
+            <a:schemeClr val="lt1"/>
+          </a:fontRef>
+        </p:style>
+        <p:txBody>
+          <a:bodyPr wrap="square" rtlCol="0">
+            <a:spAutoFit/>
+          </a:bodyPr>
+          <a:lstStyle/>
+          <a:p>
+            <a:pPr algn="just"/>
+            <a:r>
+              <a:rPr lang="en-US" sz="2000" dirty="0">
+                <a:solidFill>
+                  <a:sysClr val="windowText" lastClr="000000"/>
+                </a:solidFill>
+              </a:rPr>
+              <a:t>C</a:t>
+            </a:r>
+            <a:r>
+              <a:rPr lang="en-US" sz="2000" dirty="0" smtClean="0">
+                <a:solidFill>
+                  <a:sysClr val="windowText" lastClr="000000"/>
+                </a:solidFill>
+              </a:rPr>
+              <a:t>ontains </a:t>
+            </a:r>
+            <a:r>
+              <a:rPr lang="en-US" sz="2000" dirty="0">
+                <a:solidFill>
+                  <a:sysClr val="windowText" lastClr="000000"/>
+                </a:solidFill>
+              </a:rPr>
+              <a:t>rules enabled by default. Each rule is a special module with two functions</a:t>
+            </a:r>
+            <a:r>
+              <a:rPr lang="en-US" sz="2000" dirty="0" smtClean="0">
+                <a:solidFill>
+                  <a:sysClr val="windowText" lastClr="000000"/>
+                </a:solidFill>
+              </a:rPr>
+              <a:t>:</a:t>
+            </a:r>
+          </a:p>
+          <a:p>
+            <a:pPr marL="285750" indent="-285750" algn="just">
+              <a:buFont typeface="Arial" panose="020B0604020202020204" pitchFamily="34" charset="0"/>
+              <a:buChar char="•"/>
+            </a:pPr>
+            <a:r>
+              <a:rPr lang="pt-PT" sz="2000" dirty="0">
+                <a:solidFill>
+                  <a:sysClr val="windowText" lastClr="000000"/>
+                </a:solidFill>
+                <a:effectLst>
+                  <a:outerShdw blurRad="38100" dist="38100" dir="2700000" algn="tl">
+                    <a:srgbClr val="000000">
+                      <a:alpha val="43137"/>
+                    </a:srgbClr>
+                  </a:outerShdw>
+                </a:effectLst>
+              </a:rPr>
+              <a:t>m</a:t>
+            </a:r>
+            <a:r>
+              <a:rPr lang="pt-PT" sz="2000" dirty="0" smtClean="0">
+                <a:solidFill>
+                  <a:sysClr val="windowText" lastClr="000000"/>
+                </a:solidFill>
+                <a:effectLst>
+                  <a:outerShdw blurRad="38100" dist="38100" dir="2700000" algn="tl">
+                    <a:srgbClr val="000000">
+                      <a:alpha val="43137"/>
+                    </a:srgbClr>
+                  </a:outerShdw>
+                </a:effectLst>
+              </a:rPr>
+              <a:t>atch(</a:t>
+            </a:r>
+            <a:r>
+              <a:rPr lang="pt-PT" sz="2000" dirty="0" err="1" smtClean="0">
+                <a:solidFill>
+                  <a:sysClr val="windowText" lastClr="000000"/>
+                </a:solidFill>
+                <a:effectLst>
+                  <a:outerShdw blurRad="38100" dist="38100" dir="2700000" algn="tl">
+                    <a:srgbClr val="000000">
+                      <a:alpha val="43137"/>
+                    </a:srgbClr>
+                  </a:outerShdw>
+                </a:effectLst>
+              </a:rPr>
+              <a:t>command</a:t>
+            </a:r>
+            <a:r>
+              <a:rPr lang="pt-PT" sz="2000" dirty="0" smtClean="0">
+                <a:solidFill>
+                  <a:sysClr val="windowText" lastClr="000000"/>
+                </a:solidFill>
+                <a:effectLst>
+                  <a:outerShdw blurRad="38100" dist="38100" dir="2700000" algn="tl">
+                    <a:srgbClr val="000000">
+                      <a:alpha val="43137"/>
+                    </a:srgbClr>
+                  </a:outerShdw>
+                </a:effectLst>
+              </a:rPr>
+              <a:t>) </a:t>
+            </a:r>
+            <a:r>
+              <a:rPr lang="pt-PT" sz="2000" dirty="0" smtClean="0">
+                <a:solidFill>
+                  <a:sysClr val="windowText" lastClr="000000"/>
+                </a:solidFill>
+              </a:rPr>
+              <a:t>- </a:t>
+            </a:r>
+            <a:r>
+              <a:rPr lang="pt-PT" sz="2000" dirty="0" err="1">
+                <a:solidFill>
+                  <a:sysClr val="windowText" lastClr="000000"/>
+                </a:solidFill>
+              </a:rPr>
+              <a:t>True</a:t>
+            </a:r>
+            <a:r>
+              <a:rPr lang="pt-PT" sz="2000" dirty="0">
+                <a:solidFill>
+                  <a:sysClr val="windowText" lastClr="000000"/>
+                </a:solidFill>
+              </a:rPr>
+              <a:t> </a:t>
+            </a:r>
+            <a:r>
+              <a:rPr lang="pt-PT" sz="2000" dirty="0" err="1">
+                <a:solidFill>
+                  <a:sysClr val="windowText" lastClr="000000"/>
+                </a:solidFill>
+              </a:rPr>
+              <a:t>when</a:t>
+            </a:r>
+            <a:r>
+              <a:rPr lang="pt-PT" sz="2000" dirty="0">
+                <a:solidFill>
+                  <a:sysClr val="windowText" lastClr="000000"/>
+                </a:solidFill>
+              </a:rPr>
+              <a:t> rule </a:t>
+            </a:r>
+            <a:r>
+              <a:rPr lang="pt-PT" sz="2000" dirty="0" err="1">
+                <a:solidFill>
+                  <a:sysClr val="windowText" lastClr="000000"/>
+                </a:solidFill>
+              </a:rPr>
+              <a:t>matched</a:t>
+            </a:r>
+            <a:r>
+              <a:rPr lang="pt-PT" sz="2000" dirty="0" smtClean="0">
+                <a:solidFill>
+                  <a:sysClr val="windowText" lastClr="000000"/>
+                </a:solidFill>
+              </a:rPr>
+              <a:t>;</a:t>
+            </a:r>
+          </a:p>
+          <a:p>
+            <a:pPr marL="285750" indent="-285750" algn="just">
+              <a:buFont typeface="Arial" panose="020B0604020202020204" pitchFamily="34" charset="0"/>
+              <a:buChar char="•"/>
+            </a:pPr>
+            <a:r>
+              <a:rPr lang="pt-PT" sz="2000" dirty="0" err="1" smtClean="0">
+                <a:solidFill>
+                  <a:sysClr val="windowText" lastClr="000000"/>
+                </a:solidFill>
+                <a:effectLst>
+                  <a:outerShdw blurRad="38100" dist="38100" dir="2700000" algn="tl">
+                    <a:srgbClr val="000000">
+                      <a:alpha val="43137"/>
+                    </a:srgbClr>
+                  </a:outerShdw>
+                </a:effectLst>
+              </a:rPr>
+              <a:t>get_new</a:t>
+            </a:r>
+            <a:r>
+              <a:rPr lang="pt-PT" sz="2000" dirty="0" smtClean="0">
+                <a:solidFill>
+                  <a:sysClr val="windowText" lastClr="000000"/>
+                </a:solidFill>
+                <a:effectLst>
+                  <a:outerShdw blurRad="38100" dist="38100" dir="2700000" algn="tl">
+                    <a:srgbClr val="000000">
+                      <a:alpha val="43137"/>
+                    </a:srgbClr>
+                  </a:outerShdw>
+                </a:effectLst>
+              </a:rPr>
+              <a:t>_</a:t>
+            </a:r>
+            <a:r>
+              <a:rPr lang="en-US" sz="2000" dirty="0" smtClean="0">
+                <a:solidFill>
+                  <a:sysClr val="windowText" lastClr="000000"/>
+                </a:solidFill>
+                <a:effectLst>
+                  <a:outerShdw blurRad="38100" dist="38100" dir="2700000" algn="tl">
+                    <a:srgbClr val="000000">
+                      <a:alpha val="43137"/>
+                    </a:srgbClr>
+                  </a:outerShdw>
+                </a:effectLst>
+              </a:rPr>
+              <a:t>command</a:t>
+            </a:r>
+            <a:r>
+              <a:rPr lang="pt-PT" sz="2000" dirty="0" smtClean="0">
+                <a:solidFill>
+                  <a:sysClr val="windowText" lastClr="000000"/>
+                </a:solidFill>
+                <a:effectLst>
+                  <a:outerShdw blurRad="38100" dist="38100" dir="2700000" algn="tl">
+                    <a:srgbClr val="000000">
+                      <a:alpha val="43137"/>
+                    </a:srgbClr>
+                  </a:outerShdw>
+                </a:effectLst>
+              </a:rPr>
+              <a:t>(</a:t>
+            </a:r>
+            <a:r>
+              <a:rPr lang="pt-PT" sz="2000" dirty="0" err="1" smtClean="0">
+                <a:solidFill>
+                  <a:sysClr val="windowText" lastClr="000000"/>
+                </a:solidFill>
+                <a:effectLst>
+                  <a:outerShdw blurRad="38100" dist="38100" dir="2700000" algn="tl">
+                    <a:srgbClr val="000000">
+                      <a:alpha val="43137"/>
+                    </a:srgbClr>
+                  </a:outerShdw>
+                </a:effectLst>
+              </a:rPr>
+              <a:t>command</a:t>
+            </a:r>
+            <a:r>
+              <a:rPr lang="pt-PT" sz="2000" dirty="0">
+                <a:solidFill>
+                  <a:sysClr val="windowText" lastClr="000000"/>
+                </a:solidFill>
+                <a:effectLst>
+                  <a:outerShdw blurRad="38100" dist="38100" dir="2700000" algn="tl">
+                    <a:srgbClr val="000000">
+                      <a:alpha val="43137"/>
+                    </a:srgbClr>
+                  </a:outerShdw>
+                </a:effectLst>
+              </a:rPr>
+              <a:t>) </a:t>
+            </a:r>
+            <a:r>
+              <a:rPr lang="en-US" sz="2000" dirty="0">
+                <a:solidFill>
+                  <a:sysClr val="windowText" lastClr="000000"/>
+                </a:solidFill>
+              </a:rPr>
+              <a:t>- return a list of fixed commands.</a:t>
+            </a:r>
+            <a:endParaRPr lang="pt-PT" sz="2000" dirty="0">
+              <a:solidFill>
+                <a:sysClr val="windowText" lastClr="000000"/>
+              </a:solidFill>
+            </a:endParaRPr>
+          </a:p>
+        </p:txBody>
+      </p:sp>
+      <p:sp>
+        <p:nvSpPr>
+          <p:cNvPr id="9" name="CaixaDeTexto 2"/>
+          <p:cNvSpPr txBox="1"/>
+          <p:nvPr/>
+        </p:nvSpPr>
+        <p:spPr>
+          <a:xfrm>
+            <a:off x="2991402" y="4289176"/>
+            <a:ext cx="8271916" cy="725487"/>
+          </a:xfrm>
+          <a:prstGeom prst="rect">
+            <a:avLst/>
+          </a:prstGeom>
+          <a:solidFill>
+            <a:schemeClr val="accent5"/>
+          </a:solidFill>
+        </p:spPr>
+        <p:style>
+          <a:lnRef idx="3">
+            <a:schemeClr val="lt1"/>
+          </a:lnRef>
+          <a:fillRef idx="1">
+            <a:schemeClr val="accent5"/>
+          </a:fillRef>
+          <a:effectRef idx="1">
+            <a:schemeClr val="accent5"/>
+          </a:effectRef>
+          <a:fontRef idx="minor">
+            <a:schemeClr val="lt1"/>
+          </a:fontRef>
+        </p:style>
+        <p:txBody>
+          <a:bodyPr wrap="square" rtlCol="0">
+            <a:spAutoFit/>
+          </a:bodyPr>
+          <a:lstStyle/>
+          <a:p>
+            <a:pPr algn="just"/>
+            <a:r>
+              <a:rPr lang="en-US" sz="2000" dirty="0">
+                <a:solidFill>
+                  <a:sysClr val="windowText" lastClr="000000"/>
+                </a:solidFill>
+              </a:rPr>
+              <a:t>C</a:t>
+            </a:r>
+            <a:r>
+              <a:rPr lang="en-US" sz="2000" dirty="0" smtClean="0">
+                <a:solidFill>
+                  <a:sysClr val="windowText" lastClr="000000"/>
+                </a:solidFill>
+              </a:rPr>
+              <a:t>onverts </a:t>
+            </a:r>
+            <a:r>
+              <a:rPr lang="en-US" sz="2000" dirty="0">
+                <a:solidFill>
+                  <a:sysClr val="windowText" lastClr="000000"/>
+                </a:solidFill>
+              </a:rPr>
+              <a:t>shell specific command </a:t>
+            </a:r>
+            <a:r>
+              <a:rPr lang="en-US" sz="2000" dirty="0" smtClean="0">
+                <a:solidFill>
+                  <a:sysClr val="windowText" lastClr="000000"/>
+                </a:solidFill>
+              </a:rPr>
+              <a:t>to </a:t>
+            </a:r>
+            <a:r>
+              <a:rPr lang="en-US" sz="2000" dirty="0" err="1" smtClean="0">
+                <a:solidFill>
+                  <a:sysClr val="windowText" lastClr="000000"/>
+                </a:solidFill>
+                <a:effectLst>
+                  <a:outerShdw blurRad="38100" dist="38100" dir="2700000" algn="tl">
+                    <a:srgbClr val="000000">
+                      <a:alpha val="43137"/>
+                    </a:srgbClr>
+                  </a:outerShdw>
+                </a:effectLst>
+              </a:rPr>
+              <a:t>sh</a:t>
+            </a:r>
+            <a:r>
+              <a:rPr lang="en-US" sz="2000" dirty="0" smtClean="0">
+                <a:solidFill>
+                  <a:sysClr val="windowText" lastClr="000000"/>
+                </a:solidFill>
+              </a:rPr>
+              <a:t> </a:t>
+            </a:r>
+            <a:r>
+              <a:rPr lang="pt-PT" sz="2000" dirty="0">
+                <a:solidFill>
+                  <a:sysClr val="windowText" lastClr="000000"/>
+                </a:solidFill>
+              </a:rPr>
+              <a:t>compatible version, expands aliases and </a:t>
+            </a:r>
+            <a:endParaRPr lang="pt-PT" sz="2000" dirty="0" smtClean="0">
+              <a:solidFill>
+                <a:sysClr val="windowText" lastClr="000000"/>
+              </a:solidFill>
+            </a:endParaRPr>
+          </a:p>
+          <a:p>
+            <a:pPr algn="just"/>
+            <a:r>
+              <a:rPr lang="pt-PT" sz="2000" dirty="0" smtClean="0">
+                <a:solidFill>
+                  <a:sysClr val="windowText" lastClr="000000"/>
+                </a:solidFill>
+              </a:rPr>
+              <a:t>environment </a:t>
+            </a:r>
+            <a:r>
+              <a:rPr lang="pt-PT" sz="2000" dirty="0">
+                <a:solidFill>
+                  <a:sysClr val="windowText" lastClr="000000"/>
+                </a:solidFill>
+              </a:rPr>
+              <a:t>variable</a:t>
+            </a:r>
+            <a:r>
+              <a:rPr lang="pt-PT" sz="2000" dirty="0" smtClean="0">
+                <a:solidFill>
+                  <a:sysClr val="windowText" lastClr="000000"/>
+                </a:solidFill>
+              </a:rPr>
+              <a:t>.</a:t>
+            </a:r>
+            <a:endParaRPr lang="en-US" sz="2000" dirty="0" smtClean="0">
+              <a:solidFill>
+                <a:sysClr val="windowText" lastClr="000000"/>
+              </a:solidFill>
+            </a:endParaRPr>
           </a:p>
         </p:txBody>
       </p:sp>
     </p:spTree>
     <p:extLst>
       <p:ext uri="{BB962C8B-B14F-4D97-AF65-F5344CB8AC3E}">
-        <p14:creationId xmlns:p14="http://schemas.microsoft.com/office/powerpoint/2010/main" val="2243921299"/>
+        <p14:creationId xmlns:p14="http://schemas.microsoft.com/office/powerpoint/2010/main" val="4102759581"/>
       </p:ext>
     </p:extLst>
   </p:cSld>
@@ -14294,14 +14624,1325 @@
   <p:timing>
     <p:tnLst>
       <p:par>
-        <p:cTn id="1" dur="indefinite" restart="never" nodeType="tmRoot"/>
+        <p:cTn id="1" dur="indefinite" restart="never" nodeType="tmRoot">
+          <p:childTnLst>
+            <p:seq concurrent="1" nextAc="seek">
+              <p:cTn id="2" dur="indefinite" nodeType="mainSeq">
+                <p:childTnLst>
+                  <p:par>
+                    <p:cTn id="3" fill="hold">
+                      <p:stCondLst>
+                        <p:cond delay="indefinite"/>
+                      </p:stCondLst>
+                      <p:childTnLst>
+                        <p:par>
+                          <p:cTn id="4" fill="hold">
+                            <p:stCondLst>
+                              <p:cond delay="0"/>
+                            </p:stCondLst>
+                            <p:childTnLst>
+                              <p:par>
+                                <p:cTn id="5" presetID="6" presetClass="emph" presetSubtype="0" fill="hold" nodeType="clickEffect">
+                                  <p:stCondLst>
+                                    <p:cond delay="0"/>
+                                  </p:stCondLst>
+                                  <p:childTnLst>
+                                    <p:animScale>
+                                      <p:cBhvr>
+                                        <p:cTn id="6" dur="2000" fill="hold"/>
+                                        <p:tgtEl>
+                                          <p:spTgt spid="3"/>
+                                        </p:tgtEl>
+                                      </p:cBhvr>
+                                      <p:by x="150000" y="150000"/>
+                                    </p:animScale>
+                                  </p:childTnLst>
+                                </p:cTn>
+                              </p:par>
+                            </p:childTnLst>
+                          </p:cTn>
+                        </p:par>
+                      </p:childTnLst>
+                    </p:cTn>
+                  </p:par>
+                  <p:par>
+                    <p:cTn id="7" fill="hold">
+                      <p:stCondLst>
+                        <p:cond delay="indefinite"/>
+                      </p:stCondLst>
+                      <p:childTnLst>
+                        <p:par>
+                          <p:cTn id="8" fill="hold">
+                            <p:stCondLst>
+                              <p:cond delay="0"/>
+                            </p:stCondLst>
+                            <p:childTnLst>
+                              <p:par>
+                                <p:cTn id="9" presetID="2" presetClass="entr" presetSubtype="4" fill="hold" grpId="0" nodeType="clickEffect">
+                                  <p:stCondLst>
+                                    <p:cond delay="0"/>
+                                  </p:stCondLst>
+                                  <p:childTnLst>
+                                    <p:set>
+                                      <p:cBhvr>
+                                        <p:cTn id="10" dur="1" fill="hold">
+                                          <p:stCondLst>
+                                            <p:cond delay="0"/>
+                                          </p:stCondLst>
+                                        </p:cTn>
+                                        <p:tgtEl>
+                                          <p:spTgt spid="4"/>
+                                        </p:tgtEl>
+                                        <p:attrNameLst>
+                                          <p:attrName>style.visibility</p:attrName>
+                                        </p:attrNameLst>
+                                      </p:cBhvr>
+                                      <p:to>
+                                        <p:strVal val="visible"/>
+                                      </p:to>
+                                    </p:set>
+                                    <p:anim calcmode="lin" valueType="num">
+                                      <p:cBhvr additive="base">
+                                        <p:cTn id="11" dur="500" fill="hold"/>
+                                        <p:tgtEl>
+                                          <p:spTgt spid="4"/>
+                                        </p:tgtEl>
+                                        <p:attrNameLst>
+                                          <p:attrName>ppt_x</p:attrName>
+                                        </p:attrNameLst>
+                                      </p:cBhvr>
+                                      <p:tavLst>
+                                        <p:tav tm="0">
+                                          <p:val>
+                                            <p:strVal val="#ppt_x"/>
+                                          </p:val>
+                                        </p:tav>
+                                        <p:tav tm="100000">
+                                          <p:val>
+                                            <p:strVal val="#ppt_x"/>
+                                          </p:val>
+                                        </p:tav>
+                                      </p:tavLst>
+                                    </p:anim>
+                                    <p:anim calcmode="lin" valueType="num">
+                                      <p:cBhvr additive="base">
+                                        <p:cTn id="12" dur="500" fill="hold"/>
+                                        <p:tgtEl>
+                                          <p:spTgt spid="4"/>
+                                        </p:tgtEl>
+                                        <p:attrNameLst>
+                                          <p:attrName>ppt_y</p:attrName>
+                                        </p:attrNameLst>
+                                      </p:cBhvr>
+                                      <p:tavLst>
+                                        <p:tav tm="0">
+                                          <p:val>
+                                            <p:strVal val="1+#ppt_h/2"/>
+                                          </p:val>
+                                        </p:tav>
+                                        <p:tav tm="100000">
+                                          <p:val>
+                                            <p:strVal val="#ppt_y"/>
+                                          </p:val>
+                                        </p:tav>
+                                      </p:tavLst>
+                                    </p:anim>
+                                  </p:childTnLst>
+                                </p:cTn>
+                              </p:par>
+                            </p:childTnLst>
+                          </p:cTn>
+                        </p:par>
+                      </p:childTnLst>
+                    </p:cTn>
+                  </p:par>
+                  <p:par>
+                    <p:cTn id="13" fill="hold">
+                      <p:stCondLst>
+                        <p:cond delay="indefinite"/>
+                      </p:stCondLst>
+                      <p:childTnLst>
+                        <p:par>
+                          <p:cTn id="14" fill="hold">
+                            <p:stCondLst>
+                              <p:cond delay="0"/>
+                            </p:stCondLst>
+                            <p:childTnLst>
+                              <p:par>
+                                <p:cTn id="15" presetID="1" presetClass="exit" presetSubtype="0" fill="hold" nodeType="clickEffect">
+                                  <p:stCondLst>
+                                    <p:cond delay="0"/>
+                                  </p:stCondLst>
+                                  <p:childTnLst>
+                                    <p:set>
+                                      <p:cBhvr>
+                                        <p:cTn id="16" dur="1" fill="hold">
+                                          <p:stCondLst>
+                                            <p:cond delay="0"/>
+                                          </p:stCondLst>
+                                        </p:cTn>
+                                        <p:tgtEl>
+                                          <p:spTgt spid="3"/>
+                                        </p:tgtEl>
+                                        <p:attrNameLst>
+                                          <p:attrName>style.visibility</p:attrName>
+                                        </p:attrNameLst>
+                                      </p:cBhvr>
+                                      <p:to>
+                                        <p:strVal val="hidden"/>
+                                      </p:to>
+                                    </p:set>
+                                  </p:childTnLst>
+                                </p:cTn>
+                              </p:par>
+                              <p:par>
+                                <p:cTn id="17" presetID="1" presetClass="exit" presetSubtype="0" fill="hold" grpId="1" nodeType="withEffect">
+                                  <p:stCondLst>
+                                    <p:cond delay="0"/>
+                                  </p:stCondLst>
+                                  <p:childTnLst>
+                                    <p:set>
+                                      <p:cBhvr>
+                                        <p:cTn id="18" dur="1" fill="hold">
+                                          <p:stCondLst>
+                                            <p:cond delay="0"/>
+                                          </p:stCondLst>
+                                        </p:cTn>
+                                        <p:tgtEl>
+                                          <p:spTgt spid="4"/>
+                                        </p:tgtEl>
+                                        <p:attrNameLst>
+                                          <p:attrName>style.visibility</p:attrName>
+                                        </p:attrNameLst>
+                                      </p:cBhvr>
+                                      <p:to>
+                                        <p:strVal val="hidden"/>
+                                      </p:to>
+                                    </p:set>
+                                  </p:childTnLst>
+                                </p:cTn>
+                              </p:par>
+                            </p:childTnLst>
+                          </p:cTn>
+                        </p:par>
+                      </p:childTnLst>
+                    </p:cTn>
+                  </p:par>
+                  <p:par>
+                    <p:cTn id="19" fill="hold">
+                      <p:stCondLst>
+                        <p:cond delay="indefinite"/>
+                      </p:stCondLst>
+                      <p:childTnLst>
+                        <p:par>
+                          <p:cTn id="20" fill="hold">
+                            <p:stCondLst>
+                              <p:cond delay="0"/>
+                            </p:stCondLst>
+                            <p:childTnLst>
+                              <p:par>
+                                <p:cTn id="21" presetID="6" presetClass="emph" presetSubtype="0" fill="hold" nodeType="clickEffect">
+                                  <p:stCondLst>
+                                    <p:cond delay="0"/>
+                                  </p:stCondLst>
+                                  <p:childTnLst>
+                                    <p:animScale>
+                                      <p:cBhvr>
+                                        <p:cTn id="22" dur="2000" fill="hold"/>
+                                        <p:tgtEl>
+                                          <p:spTgt spid="5"/>
+                                        </p:tgtEl>
+                                      </p:cBhvr>
+                                      <p:by x="150000" y="150000"/>
+                                    </p:animScale>
+                                  </p:childTnLst>
+                                </p:cTn>
+                              </p:par>
+                            </p:childTnLst>
+                          </p:cTn>
+                        </p:par>
+                      </p:childTnLst>
+                    </p:cTn>
+                  </p:par>
+                  <p:par>
+                    <p:cTn id="23" fill="hold">
+                      <p:stCondLst>
+                        <p:cond delay="indefinite"/>
+                      </p:stCondLst>
+                      <p:childTnLst>
+                        <p:par>
+                          <p:cTn id="24" fill="hold">
+                            <p:stCondLst>
+                              <p:cond delay="0"/>
+                            </p:stCondLst>
+                            <p:childTnLst>
+                              <p:par>
+                                <p:cTn id="25" presetID="1" presetClass="entr" presetSubtype="0" fill="hold" grpId="0" nodeType="clickEffect">
+                                  <p:stCondLst>
+                                    <p:cond delay="0"/>
+                                  </p:stCondLst>
+                                  <p:childTnLst>
+                                    <p:set>
+                                      <p:cBhvr>
+                                        <p:cTn id="26" dur="1" fill="hold">
+                                          <p:stCondLst>
+                                            <p:cond delay="0"/>
+                                          </p:stCondLst>
+                                        </p:cTn>
+                                        <p:tgtEl>
+                                          <p:spTgt spid="7"/>
+                                        </p:tgtEl>
+                                        <p:attrNameLst>
+                                          <p:attrName>style.visibility</p:attrName>
+                                        </p:attrNameLst>
+                                      </p:cBhvr>
+                                      <p:to>
+                                        <p:strVal val="visible"/>
+                                      </p:to>
+                                    </p:set>
+                                  </p:childTnLst>
+                                </p:cTn>
+                              </p:par>
+                            </p:childTnLst>
+                          </p:cTn>
+                        </p:par>
+                      </p:childTnLst>
+                    </p:cTn>
+                  </p:par>
+                  <p:par>
+                    <p:cTn id="27" fill="hold">
+                      <p:stCondLst>
+                        <p:cond delay="indefinite"/>
+                      </p:stCondLst>
+                      <p:childTnLst>
+                        <p:par>
+                          <p:cTn id="28" fill="hold">
+                            <p:stCondLst>
+                              <p:cond delay="0"/>
+                            </p:stCondLst>
+                            <p:childTnLst>
+                              <p:par>
+                                <p:cTn id="29" presetID="1" presetClass="exit" presetSubtype="0" fill="hold" nodeType="clickEffect">
+                                  <p:stCondLst>
+                                    <p:cond delay="0"/>
+                                  </p:stCondLst>
+                                  <p:childTnLst>
+                                    <p:set>
+                                      <p:cBhvr>
+                                        <p:cTn id="30" dur="1" fill="hold">
+                                          <p:stCondLst>
+                                            <p:cond delay="0"/>
+                                          </p:stCondLst>
+                                        </p:cTn>
+                                        <p:tgtEl>
+                                          <p:spTgt spid="5"/>
+                                        </p:tgtEl>
+                                        <p:attrNameLst>
+                                          <p:attrName>style.visibility</p:attrName>
+                                        </p:attrNameLst>
+                                      </p:cBhvr>
+                                      <p:to>
+                                        <p:strVal val="hidden"/>
+                                      </p:to>
+                                    </p:set>
+                                  </p:childTnLst>
+                                </p:cTn>
+                              </p:par>
+                              <p:par>
+                                <p:cTn id="31" presetID="1" presetClass="exit" presetSubtype="0" fill="hold" grpId="1" nodeType="withEffect">
+                                  <p:stCondLst>
+                                    <p:cond delay="0"/>
+                                  </p:stCondLst>
+                                  <p:childTnLst>
+                                    <p:set>
+                                      <p:cBhvr>
+                                        <p:cTn id="32" dur="1" fill="hold">
+                                          <p:stCondLst>
+                                            <p:cond delay="0"/>
+                                          </p:stCondLst>
+                                        </p:cTn>
+                                        <p:tgtEl>
+                                          <p:spTgt spid="7"/>
+                                        </p:tgtEl>
+                                        <p:attrNameLst>
+                                          <p:attrName>style.visibility</p:attrName>
+                                        </p:attrNameLst>
+                                      </p:cBhvr>
+                                      <p:to>
+                                        <p:strVal val="hidden"/>
+                                      </p:to>
+                                    </p:set>
+                                  </p:childTnLst>
+                                </p:cTn>
+                              </p:par>
+                            </p:childTnLst>
+                          </p:cTn>
+                        </p:par>
+                      </p:childTnLst>
+                    </p:cTn>
+                  </p:par>
+                  <p:par>
+                    <p:cTn id="33" fill="hold">
+                      <p:stCondLst>
+                        <p:cond delay="indefinite"/>
+                      </p:stCondLst>
+                      <p:childTnLst>
+                        <p:par>
+                          <p:cTn id="34" fill="hold">
+                            <p:stCondLst>
+                              <p:cond delay="0"/>
+                            </p:stCondLst>
+                            <p:childTnLst>
+                              <p:par>
+                                <p:cTn id="35" presetID="6" presetClass="emph" presetSubtype="0" fill="hold" nodeType="clickEffect">
+                                  <p:stCondLst>
+                                    <p:cond delay="0"/>
+                                  </p:stCondLst>
+                                  <p:childTnLst>
+                                    <p:animScale>
+                                      <p:cBhvr>
+                                        <p:cTn id="36" dur="2000" fill="hold"/>
+                                        <p:tgtEl>
+                                          <p:spTgt spid="8"/>
+                                        </p:tgtEl>
+                                      </p:cBhvr>
+                                      <p:by x="150000" y="150000"/>
+                                    </p:animScale>
+                                  </p:childTnLst>
+                                </p:cTn>
+                              </p:par>
+                            </p:childTnLst>
+                          </p:cTn>
+                        </p:par>
+                      </p:childTnLst>
+                    </p:cTn>
+                  </p:par>
+                  <p:par>
+                    <p:cTn id="37" fill="hold">
+                      <p:stCondLst>
+                        <p:cond delay="indefinite"/>
+                      </p:stCondLst>
+                      <p:childTnLst>
+                        <p:par>
+                          <p:cTn id="38" fill="hold">
+                            <p:stCondLst>
+                              <p:cond delay="0"/>
+                            </p:stCondLst>
+                            <p:childTnLst>
+                              <p:par>
+                                <p:cTn id="39" presetID="1" presetClass="entr" presetSubtype="0" fill="hold" grpId="0" nodeType="clickEffect">
+                                  <p:stCondLst>
+                                    <p:cond delay="0"/>
+                                  </p:stCondLst>
+                                  <p:childTnLst>
+                                    <p:set>
+                                      <p:cBhvr>
+                                        <p:cTn id="40" dur="1" fill="hold">
+                                          <p:stCondLst>
+                                            <p:cond delay="0"/>
+                                          </p:stCondLst>
+                                        </p:cTn>
+                                        <p:tgtEl>
+                                          <p:spTgt spid="9"/>
+                                        </p:tgtEl>
+                                        <p:attrNameLst>
+                                          <p:attrName>style.visibility</p:attrName>
+                                        </p:attrNameLst>
+                                      </p:cBhvr>
+                                      <p:to>
+                                        <p:strVal val="visible"/>
+                                      </p:to>
+                                    </p:set>
+                                  </p:childTnLst>
+                                </p:cTn>
+                              </p:par>
+                            </p:childTnLst>
+                          </p:cTn>
+                        </p:par>
+                      </p:childTnLst>
+                    </p:cTn>
+                  </p:par>
+                  <p:par>
+                    <p:cTn id="41" fill="hold">
+                      <p:stCondLst>
+                        <p:cond delay="indefinite"/>
+                      </p:stCondLst>
+                      <p:childTnLst>
+                        <p:par>
+                          <p:cTn id="42" fill="hold">
+                            <p:stCondLst>
+                              <p:cond delay="0"/>
+                            </p:stCondLst>
+                            <p:childTnLst>
+                              <p:par>
+                                <p:cTn id="43" presetID="1" presetClass="exit" presetSubtype="0" fill="hold" nodeType="clickEffect">
+                                  <p:stCondLst>
+                                    <p:cond delay="0"/>
+                                  </p:stCondLst>
+                                  <p:childTnLst>
+                                    <p:set>
+                                      <p:cBhvr>
+                                        <p:cTn id="44" dur="1" fill="hold">
+                                          <p:stCondLst>
+                                            <p:cond delay="0"/>
+                                          </p:stCondLst>
+                                        </p:cTn>
+                                        <p:tgtEl>
+                                          <p:spTgt spid="8"/>
+                                        </p:tgtEl>
+                                        <p:attrNameLst>
+                                          <p:attrName>style.visibility</p:attrName>
+                                        </p:attrNameLst>
+                                      </p:cBhvr>
+                                      <p:to>
+                                        <p:strVal val="hidden"/>
+                                      </p:to>
+                                    </p:set>
+                                  </p:childTnLst>
+                                </p:cTn>
+                              </p:par>
+                              <p:par>
+                                <p:cTn id="45" presetID="1" presetClass="exit" presetSubtype="0" fill="hold" grpId="1" nodeType="withEffect">
+                                  <p:stCondLst>
+                                    <p:cond delay="0"/>
+                                  </p:stCondLst>
+                                  <p:childTnLst>
+                                    <p:set>
+                                      <p:cBhvr>
+                                        <p:cTn id="46" dur="1" fill="hold">
+                                          <p:stCondLst>
+                                            <p:cond delay="0"/>
+                                          </p:stCondLst>
+                                        </p:cTn>
+                                        <p:tgtEl>
+                                          <p:spTgt spid="9"/>
+                                        </p:tgtEl>
+                                        <p:attrNameLst>
+                                          <p:attrName>style.visibility</p:attrName>
+                                        </p:attrNameLst>
+                                      </p:cBhvr>
+                                      <p:to>
+                                        <p:strVal val="hidden"/>
+                                      </p:to>
+                                    </p:set>
+                                  </p:childTnLst>
+                                </p:cTn>
+                              </p:par>
+                            </p:childTnLst>
+                          </p:cTn>
+                        </p:par>
+                      </p:childTnLst>
+                    </p:cTn>
+                  </p:par>
+                  <p:par>
+                    <p:cTn id="47" fill="hold">
+                      <p:stCondLst>
+                        <p:cond delay="indefinite"/>
+                      </p:stCondLst>
+                      <p:childTnLst>
+                        <p:par>
+                          <p:cTn id="48" fill="hold">
+                            <p:stCondLst>
+                              <p:cond delay="0"/>
+                            </p:stCondLst>
+                            <p:childTnLst>
+                              <p:par>
+                                <p:cTn id="49" presetID="6" presetClass="emph" presetSubtype="0" fill="hold" nodeType="clickEffect">
+                                  <p:stCondLst>
+                                    <p:cond delay="0"/>
+                                  </p:stCondLst>
+                                  <p:childTnLst>
+                                    <p:animScale>
+                                      <p:cBhvr>
+                                        <p:cTn id="50" dur="2000" fill="hold"/>
+                                        <p:tgtEl>
+                                          <p:spTgt spid="10"/>
+                                        </p:tgtEl>
+                                      </p:cBhvr>
+                                      <p:by x="150000" y="150000"/>
+                                    </p:animScale>
+                                  </p:childTnLst>
+                                </p:cTn>
+                              </p:par>
+                            </p:childTnLst>
+                          </p:cTn>
+                        </p:par>
+                      </p:childTnLst>
+                    </p:cTn>
+                  </p:par>
+                  <p:par>
+                    <p:cTn id="51" fill="hold">
+                      <p:stCondLst>
+                        <p:cond delay="indefinite"/>
+                      </p:stCondLst>
+                      <p:childTnLst>
+                        <p:par>
+                          <p:cTn id="52" fill="hold">
+                            <p:stCondLst>
+                              <p:cond delay="0"/>
+                            </p:stCondLst>
+                            <p:childTnLst>
+                              <p:par>
+                                <p:cTn id="53" presetID="1" presetClass="entr" presetSubtype="0" fill="hold" grpId="0" nodeType="clickEffect">
+                                  <p:stCondLst>
+                                    <p:cond delay="0"/>
+                                  </p:stCondLst>
+                                  <p:childTnLst>
+                                    <p:set>
+                                      <p:cBhvr>
+                                        <p:cTn id="54" dur="1" fill="hold">
+                                          <p:stCondLst>
+                                            <p:cond delay="0"/>
+                                          </p:stCondLst>
+                                        </p:cTn>
+                                        <p:tgtEl>
+                                          <p:spTgt spid="11"/>
+                                        </p:tgtEl>
+                                        <p:attrNameLst>
+                                          <p:attrName>style.visibility</p:attrName>
+                                        </p:attrNameLst>
+                                      </p:cBhvr>
+                                      <p:to>
+                                        <p:strVal val="visible"/>
+                                      </p:to>
+                                    </p:set>
+                                  </p:childTnLst>
+                                </p:cTn>
+                              </p:par>
+                            </p:childTnLst>
+                          </p:cTn>
+                        </p:par>
+                      </p:childTnLst>
+                    </p:cTn>
+                  </p:par>
+                  <p:par>
+                    <p:cTn id="55" fill="hold">
+                      <p:stCondLst>
+                        <p:cond delay="indefinite"/>
+                      </p:stCondLst>
+                      <p:childTnLst>
+                        <p:par>
+                          <p:cTn id="56" fill="hold">
+                            <p:stCondLst>
+                              <p:cond delay="0"/>
+                            </p:stCondLst>
+                            <p:childTnLst>
+                              <p:par>
+                                <p:cTn id="57" presetID="1" presetClass="exit" presetSubtype="0" fill="hold" nodeType="clickEffect">
+                                  <p:stCondLst>
+                                    <p:cond delay="0"/>
+                                  </p:stCondLst>
+                                  <p:childTnLst>
+                                    <p:set>
+                                      <p:cBhvr>
+                                        <p:cTn id="58" dur="1" fill="hold">
+                                          <p:stCondLst>
+                                            <p:cond delay="0"/>
+                                          </p:stCondLst>
+                                        </p:cTn>
+                                        <p:tgtEl>
+                                          <p:spTgt spid="10"/>
+                                        </p:tgtEl>
+                                        <p:attrNameLst>
+                                          <p:attrName>style.visibility</p:attrName>
+                                        </p:attrNameLst>
+                                      </p:cBhvr>
+                                      <p:to>
+                                        <p:strVal val="hidden"/>
+                                      </p:to>
+                                    </p:set>
+                                  </p:childTnLst>
+                                </p:cTn>
+                              </p:par>
+                              <p:par>
+                                <p:cTn id="59" presetID="1" presetClass="exit" presetSubtype="0" fill="hold" grpId="1" nodeType="withEffect">
+                                  <p:stCondLst>
+                                    <p:cond delay="0"/>
+                                  </p:stCondLst>
+                                  <p:childTnLst>
+                                    <p:set>
+                                      <p:cBhvr>
+                                        <p:cTn id="60" dur="1" fill="hold">
+                                          <p:stCondLst>
+                                            <p:cond delay="0"/>
+                                          </p:stCondLst>
+                                        </p:cTn>
+                                        <p:tgtEl>
+                                          <p:spTgt spid="11"/>
+                                        </p:tgtEl>
+                                        <p:attrNameLst>
+                                          <p:attrName>style.visibility</p:attrName>
+                                        </p:attrNameLst>
+                                      </p:cBhvr>
+                                      <p:to>
+                                        <p:strVal val="hidden"/>
+                                      </p:to>
+                                    </p:set>
+                                  </p:childTnLst>
+                                </p:cTn>
+                              </p:par>
+                            </p:childTnLst>
+                          </p:cTn>
+                        </p:par>
+                      </p:childTnLst>
+                    </p:cTn>
+                  </p:par>
+                  <p:par>
+                    <p:cTn id="61" fill="hold">
+                      <p:stCondLst>
+                        <p:cond delay="indefinite"/>
+                      </p:stCondLst>
+                      <p:childTnLst>
+                        <p:par>
+                          <p:cTn id="62" fill="hold">
+                            <p:stCondLst>
+                              <p:cond delay="0"/>
+                            </p:stCondLst>
+                            <p:childTnLst>
+                              <p:par>
+                                <p:cTn id="63" presetID="6" presetClass="emph" presetSubtype="0" fill="hold" nodeType="clickEffect">
+                                  <p:stCondLst>
+                                    <p:cond delay="0"/>
+                                  </p:stCondLst>
+                                  <p:childTnLst>
+                                    <p:animScale>
+                                      <p:cBhvr>
+                                        <p:cTn id="64" dur="2000" fill="hold"/>
+                                        <p:tgtEl>
+                                          <p:spTgt spid="16"/>
+                                        </p:tgtEl>
+                                      </p:cBhvr>
+                                      <p:by x="110000" y="110000"/>
+                                    </p:animScale>
+                                  </p:childTnLst>
+                                </p:cTn>
+                              </p:par>
+                            </p:childTnLst>
+                          </p:cTn>
+                        </p:par>
+                      </p:childTnLst>
+                    </p:cTn>
+                  </p:par>
+                  <p:par>
+                    <p:cTn id="65" fill="hold">
+                      <p:stCondLst>
+                        <p:cond delay="indefinite"/>
+                      </p:stCondLst>
+                      <p:childTnLst>
+                        <p:par>
+                          <p:cTn id="66" fill="hold">
+                            <p:stCondLst>
+                              <p:cond delay="0"/>
+                            </p:stCondLst>
+                            <p:childTnLst>
+                              <p:par>
+                                <p:cTn id="67" presetID="1" presetClass="entr" presetSubtype="0" fill="hold" grpId="0" nodeType="clickEffect">
+                                  <p:stCondLst>
+                                    <p:cond delay="0"/>
+                                  </p:stCondLst>
+                                  <p:childTnLst>
+                                    <p:set>
+                                      <p:cBhvr>
+                                        <p:cTn id="68" dur="1" fill="hold">
+                                          <p:stCondLst>
+                                            <p:cond delay="0"/>
+                                          </p:stCondLst>
+                                        </p:cTn>
+                                        <p:tgtEl>
+                                          <p:spTgt spid="17"/>
+                                        </p:tgtEl>
+                                        <p:attrNameLst>
+                                          <p:attrName>style.visibility</p:attrName>
+                                        </p:attrNameLst>
+                                      </p:cBhvr>
+                                      <p:to>
+                                        <p:strVal val="visible"/>
+                                      </p:to>
+                                    </p:set>
+                                  </p:childTnLst>
+                                </p:cTn>
+                              </p:par>
+                            </p:childTnLst>
+                          </p:cTn>
+                        </p:par>
+                      </p:childTnLst>
+                    </p:cTn>
+                  </p:par>
+                  <p:par>
+                    <p:cTn id="69" fill="hold">
+                      <p:stCondLst>
+                        <p:cond delay="indefinite"/>
+                      </p:stCondLst>
+                      <p:childTnLst>
+                        <p:par>
+                          <p:cTn id="70" fill="hold">
+                            <p:stCondLst>
+                              <p:cond delay="0"/>
+                            </p:stCondLst>
+                            <p:childTnLst>
+                              <p:par>
+                                <p:cTn id="71" presetID="1" presetClass="exit" presetSubtype="0" fill="hold" nodeType="clickEffect">
+                                  <p:stCondLst>
+                                    <p:cond delay="0"/>
+                                  </p:stCondLst>
+                                  <p:childTnLst>
+                                    <p:set>
+                                      <p:cBhvr>
+                                        <p:cTn id="72" dur="1" fill="hold">
+                                          <p:stCondLst>
+                                            <p:cond delay="0"/>
+                                          </p:stCondLst>
+                                        </p:cTn>
+                                        <p:tgtEl>
+                                          <p:spTgt spid="16"/>
+                                        </p:tgtEl>
+                                        <p:attrNameLst>
+                                          <p:attrName>style.visibility</p:attrName>
+                                        </p:attrNameLst>
+                                      </p:cBhvr>
+                                      <p:to>
+                                        <p:strVal val="hidden"/>
+                                      </p:to>
+                                    </p:set>
+                                  </p:childTnLst>
+                                </p:cTn>
+                              </p:par>
+                              <p:par>
+                                <p:cTn id="73" presetID="1" presetClass="exit" presetSubtype="0" fill="hold" grpId="1" nodeType="withEffect">
+                                  <p:stCondLst>
+                                    <p:cond delay="0"/>
+                                  </p:stCondLst>
+                                  <p:childTnLst>
+                                    <p:set>
+                                      <p:cBhvr>
+                                        <p:cTn id="74" dur="1" fill="hold">
+                                          <p:stCondLst>
+                                            <p:cond delay="0"/>
+                                          </p:stCondLst>
+                                        </p:cTn>
+                                        <p:tgtEl>
+                                          <p:spTgt spid="17"/>
+                                        </p:tgtEl>
+                                        <p:attrNameLst>
+                                          <p:attrName>style.visibility</p:attrName>
+                                        </p:attrNameLst>
+                                      </p:cBhvr>
+                                      <p:to>
+                                        <p:strVal val="hidden"/>
+                                      </p:to>
+                                    </p:set>
+                                  </p:childTnLst>
+                                </p:cTn>
+                              </p:par>
+                            </p:childTnLst>
+                          </p:cTn>
+                        </p:par>
+                      </p:childTnLst>
+                    </p:cTn>
+                  </p:par>
+                  <p:par>
+                    <p:cTn id="75" fill="hold">
+                      <p:stCondLst>
+                        <p:cond delay="indefinite"/>
+                      </p:stCondLst>
+                      <p:childTnLst>
+                        <p:par>
+                          <p:cTn id="76" fill="hold">
+                            <p:stCondLst>
+                              <p:cond delay="0"/>
+                            </p:stCondLst>
+                            <p:childTnLst>
+                              <p:par>
+                                <p:cTn id="77" presetID="6" presetClass="emph" presetSubtype="0" fill="hold" nodeType="clickEffect">
+                                  <p:stCondLst>
+                                    <p:cond delay="0"/>
+                                  </p:stCondLst>
+                                  <p:childTnLst>
+                                    <p:animScale>
+                                      <p:cBhvr>
+                                        <p:cTn id="78" dur="2000" fill="hold"/>
+                                        <p:tgtEl>
+                                          <p:spTgt spid="24"/>
+                                        </p:tgtEl>
+                                      </p:cBhvr>
+                                      <p:by x="150000" y="150000"/>
+                                    </p:animScale>
+                                  </p:childTnLst>
+                                </p:cTn>
+                              </p:par>
+                            </p:childTnLst>
+                          </p:cTn>
+                        </p:par>
+                      </p:childTnLst>
+                    </p:cTn>
+                  </p:par>
+                  <p:par>
+                    <p:cTn id="79" fill="hold">
+                      <p:stCondLst>
+                        <p:cond delay="indefinite"/>
+                      </p:stCondLst>
+                      <p:childTnLst>
+                        <p:par>
+                          <p:cTn id="80" fill="hold">
+                            <p:stCondLst>
+                              <p:cond delay="0"/>
+                            </p:stCondLst>
+                            <p:childTnLst>
+                              <p:par>
+                                <p:cTn id="81" presetID="1" presetClass="entr" presetSubtype="0" fill="hold" grpId="0" nodeType="clickEffect">
+                                  <p:stCondLst>
+                                    <p:cond delay="0"/>
+                                  </p:stCondLst>
+                                  <p:childTnLst>
+                                    <p:set>
+                                      <p:cBhvr>
+                                        <p:cTn id="82" dur="1" fill="hold">
+                                          <p:stCondLst>
+                                            <p:cond delay="0"/>
+                                          </p:stCondLst>
+                                        </p:cTn>
+                                        <p:tgtEl>
+                                          <p:spTgt spid="25"/>
+                                        </p:tgtEl>
+                                        <p:attrNameLst>
+                                          <p:attrName>style.visibility</p:attrName>
+                                        </p:attrNameLst>
+                                      </p:cBhvr>
+                                      <p:to>
+                                        <p:strVal val="visible"/>
+                                      </p:to>
+                                    </p:set>
+                                  </p:childTnLst>
+                                </p:cTn>
+                              </p:par>
+                            </p:childTnLst>
+                          </p:cTn>
+                        </p:par>
+                      </p:childTnLst>
+                    </p:cTn>
+                  </p:par>
+                  <p:par>
+                    <p:cTn id="83" fill="hold">
+                      <p:stCondLst>
+                        <p:cond delay="indefinite"/>
+                      </p:stCondLst>
+                      <p:childTnLst>
+                        <p:par>
+                          <p:cTn id="84" fill="hold">
+                            <p:stCondLst>
+                              <p:cond delay="0"/>
+                            </p:stCondLst>
+                            <p:childTnLst>
+                              <p:par>
+                                <p:cTn id="85" presetID="1" presetClass="exit" presetSubtype="0" fill="hold" nodeType="clickEffect">
+                                  <p:stCondLst>
+                                    <p:cond delay="0"/>
+                                  </p:stCondLst>
+                                  <p:childTnLst>
+                                    <p:set>
+                                      <p:cBhvr>
+                                        <p:cTn id="86" dur="1" fill="hold">
+                                          <p:stCondLst>
+                                            <p:cond delay="0"/>
+                                          </p:stCondLst>
+                                        </p:cTn>
+                                        <p:tgtEl>
+                                          <p:spTgt spid="24"/>
+                                        </p:tgtEl>
+                                        <p:attrNameLst>
+                                          <p:attrName>style.visibility</p:attrName>
+                                        </p:attrNameLst>
+                                      </p:cBhvr>
+                                      <p:to>
+                                        <p:strVal val="hidden"/>
+                                      </p:to>
+                                    </p:set>
+                                  </p:childTnLst>
+                                </p:cTn>
+                              </p:par>
+                              <p:par>
+                                <p:cTn id="87" presetID="1" presetClass="exit" presetSubtype="0" fill="hold" grpId="1" nodeType="withEffect">
+                                  <p:stCondLst>
+                                    <p:cond delay="0"/>
+                                  </p:stCondLst>
+                                  <p:childTnLst>
+                                    <p:set>
+                                      <p:cBhvr>
+                                        <p:cTn id="88" dur="1" fill="hold">
+                                          <p:stCondLst>
+                                            <p:cond delay="0"/>
+                                          </p:stCondLst>
+                                        </p:cTn>
+                                        <p:tgtEl>
+                                          <p:spTgt spid="25"/>
+                                        </p:tgtEl>
+                                        <p:attrNameLst>
+                                          <p:attrName>style.visibility</p:attrName>
+                                        </p:attrNameLst>
+                                      </p:cBhvr>
+                                      <p:to>
+                                        <p:strVal val="hidden"/>
+                                      </p:to>
+                                    </p:set>
+                                  </p:childTnLst>
+                                </p:cTn>
+                              </p:par>
+                            </p:childTnLst>
+                          </p:cTn>
+                        </p:par>
+                      </p:childTnLst>
+                    </p:cTn>
+                  </p:par>
+                  <p:par>
+                    <p:cTn id="89" fill="hold">
+                      <p:stCondLst>
+                        <p:cond delay="indefinite"/>
+                      </p:stCondLst>
+                      <p:childTnLst>
+                        <p:par>
+                          <p:cTn id="90" fill="hold">
+                            <p:stCondLst>
+                              <p:cond delay="0"/>
+                            </p:stCondLst>
+                            <p:childTnLst>
+                              <p:par>
+                                <p:cTn id="91" presetID="6" presetClass="emph" presetSubtype="0" fill="hold" nodeType="clickEffect">
+                                  <p:stCondLst>
+                                    <p:cond delay="0"/>
+                                  </p:stCondLst>
+                                  <p:childTnLst>
+                                    <p:animScale>
+                                      <p:cBhvr>
+                                        <p:cTn id="92" dur="2000" fill="hold"/>
+                                        <p:tgtEl>
+                                          <p:spTgt spid="26"/>
+                                        </p:tgtEl>
+                                      </p:cBhvr>
+                                      <p:by x="150000" y="150000"/>
+                                    </p:animScale>
+                                  </p:childTnLst>
+                                </p:cTn>
+                              </p:par>
+                            </p:childTnLst>
+                          </p:cTn>
+                        </p:par>
+                      </p:childTnLst>
+                    </p:cTn>
+                  </p:par>
+                  <p:par>
+                    <p:cTn id="93" fill="hold">
+                      <p:stCondLst>
+                        <p:cond delay="indefinite"/>
+                      </p:stCondLst>
+                      <p:childTnLst>
+                        <p:par>
+                          <p:cTn id="94" fill="hold">
+                            <p:stCondLst>
+                              <p:cond delay="0"/>
+                            </p:stCondLst>
+                            <p:childTnLst>
+                              <p:par>
+                                <p:cTn id="95" presetID="1" presetClass="entr" presetSubtype="0" fill="hold" grpId="0" nodeType="clickEffect">
+                                  <p:stCondLst>
+                                    <p:cond delay="0"/>
+                                  </p:stCondLst>
+                                  <p:childTnLst>
+                                    <p:set>
+                                      <p:cBhvr>
+                                        <p:cTn id="96" dur="1" fill="hold">
+                                          <p:stCondLst>
+                                            <p:cond delay="0"/>
+                                          </p:stCondLst>
+                                        </p:cTn>
+                                        <p:tgtEl>
+                                          <p:spTgt spid="27"/>
+                                        </p:tgtEl>
+                                        <p:attrNameLst>
+                                          <p:attrName>style.visibility</p:attrName>
+                                        </p:attrNameLst>
+                                      </p:cBhvr>
+                                      <p:to>
+                                        <p:strVal val="visible"/>
+                                      </p:to>
+                                    </p:set>
+                                  </p:childTnLst>
+                                </p:cTn>
+                              </p:par>
+                            </p:childTnLst>
+                          </p:cTn>
+                        </p:par>
+                      </p:childTnLst>
+                    </p:cTn>
+                  </p:par>
+                  <p:par>
+                    <p:cTn id="97" fill="hold">
+                      <p:stCondLst>
+                        <p:cond delay="indefinite"/>
+                      </p:stCondLst>
+                      <p:childTnLst>
+                        <p:par>
+                          <p:cTn id="98" fill="hold">
+                            <p:stCondLst>
+                              <p:cond delay="0"/>
+                            </p:stCondLst>
+                            <p:childTnLst>
+                              <p:par>
+                                <p:cTn id="99" presetID="1" presetClass="exit" presetSubtype="0" fill="hold" nodeType="clickEffect">
+                                  <p:stCondLst>
+                                    <p:cond delay="0"/>
+                                  </p:stCondLst>
+                                  <p:childTnLst>
+                                    <p:set>
+                                      <p:cBhvr>
+                                        <p:cTn id="100" dur="1" fill="hold">
+                                          <p:stCondLst>
+                                            <p:cond delay="0"/>
+                                          </p:stCondLst>
+                                        </p:cTn>
+                                        <p:tgtEl>
+                                          <p:spTgt spid="26"/>
+                                        </p:tgtEl>
+                                        <p:attrNameLst>
+                                          <p:attrName>style.visibility</p:attrName>
+                                        </p:attrNameLst>
+                                      </p:cBhvr>
+                                      <p:to>
+                                        <p:strVal val="hidden"/>
+                                      </p:to>
+                                    </p:set>
+                                  </p:childTnLst>
+                                </p:cTn>
+                              </p:par>
+                              <p:par>
+                                <p:cTn id="101" presetID="1" presetClass="exit" presetSubtype="0" fill="hold" grpId="1" nodeType="withEffect">
+                                  <p:stCondLst>
+                                    <p:cond delay="0"/>
+                                  </p:stCondLst>
+                                  <p:childTnLst>
+                                    <p:set>
+                                      <p:cBhvr>
+                                        <p:cTn id="102" dur="1" fill="hold">
+                                          <p:stCondLst>
+                                            <p:cond delay="0"/>
+                                          </p:stCondLst>
+                                        </p:cTn>
+                                        <p:tgtEl>
+                                          <p:spTgt spid="27"/>
+                                        </p:tgtEl>
+                                        <p:attrNameLst>
+                                          <p:attrName>style.visibility</p:attrName>
+                                        </p:attrNameLst>
+                                      </p:cBhvr>
+                                      <p:to>
+                                        <p:strVal val="hidden"/>
+                                      </p:to>
+                                    </p:set>
+                                  </p:childTnLst>
+                                </p:cTn>
+                              </p:par>
+                            </p:childTnLst>
+                          </p:cTn>
+                        </p:par>
+                      </p:childTnLst>
+                    </p:cTn>
+                  </p:par>
+                  <p:par>
+                    <p:cTn id="103" fill="hold">
+                      <p:stCondLst>
+                        <p:cond delay="indefinite"/>
+                      </p:stCondLst>
+                      <p:childTnLst>
+                        <p:par>
+                          <p:cTn id="104" fill="hold">
+                            <p:stCondLst>
+                              <p:cond delay="0"/>
+                            </p:stCondLst>
+                            <p:childTnLst>
+                              <p:par>
+                                <p:cTn id="105" presetID="6" presetClass="emph" presetSubtype="0" fill="hold" nodeType="clickEffect">
+                                  <p:stCondLst>
+                                    <p:cond delay="0"/>
+                                  </p:stCondLst>
+                                  <p:childTnLst>
+                                    <p:animScale>
+                                      <p:cBhvr>
+                                        <p:cTn id="106" dur="2000" fill="hold"/>
+                                        <p:tgtEl>
+                                          <p:spTgt spid="28"/>
+                                        </p:tgtEl>
+                                      </p:cBhvr>
+                                      <p:by x="150000" y="150000"/>
+                                    </p:animScale>
+                                  </p:childTnLst>
+                                </p:cTn>
+                              </p:par>
+                            </p:childTnLst>
+                          </p:cTn>
+                        </p:par>
+                      </p:childTnLst>
+                    </p:cTn>
+                  </p:par>
+                  <p:par>
+                    <p:cTn id="107" fill="hold">
+                      <p:stCondLst>
+                        <p:cond delay="indefinite"/>
+                      </p:stCondLst>
+                      <p:childTnLst>
+                        <p:par>
+                          <p:cTn id="108" fill="hold">
+                            <p:stCondLst>
+                              <p:cond delay="0"/>
+                            </p:stCondLst>
+                            <p:childTnLst>
+                              <p:par>
+                                <p:cTn id="109" presetID="1" presetClass="entr" presetSubtype="0" fill="hold" grpId="0" nodeType="clickEffect">
+                                  <p:stCondLst>
+                                    <p:cond delay="0"/>
+                                  </p:stCondLst>
+                                  <p:childTnLst>
+                                    <p:set>
+                                      <p:cBhvr>
+                                        <p:cTn id="110" dur="1" fill="hold">
+                                          <p:stCondLst>
+                                            <p:cond delay="0"/>
+                                          </p:stCondLst>
+                                        </p:cTn>
+                                        <p:tgtEl>
+                                          <p:spTgt spid="29"/>
+                                        </p:tgtEl>
+                                        <p:attrNameLst>
+                                          <p:attrName>style.visibility</p:attrName>
+                                        </p:attrNameLst>
+                                      </p:cBhvr>
+                                      <p:to>
+                                        <p:strVal val="visible"/>
+                                      </p:to>
+                                    </p:set>
+                                  </p:childTnLst>
+                                </p:cTn>
+                              </p:par>
+                            </p:childTnLst>
+                          </p:cTn>
+                        </p:par>
+                      </p:childTnLst>
+                    </p:cTn>
+                  </p:par>
+                  <p:par>
+                    <p:cTn id="111" fill="hold">
+                      <p:stCondLst>
+                        <p:cond delay="indefinite"/>
+                      </p:stCondLst>
+                      <p:childTnLst>
+                        <p:par>
+                          <p:cTn id="112" fill="hold">
+                            <p:stCondLst>
+                              <p:cond delay="0"/>
+                            </p:stCondLst>
+                            <p:childTnLst>
+                              <p:par>
+                                <p:cTn id="113" presetID="1" presetClass="exit" presetSubtype="0" fill="hold" nodeType="clickEffect">
+                                  <p:stCondLst>
+                                    <p:cond delay="0"/>
+                                  </p:stCondLst>
+                                  <p:childTnLst>
+                                    <p:set>
+                                      <p:cBhvr>
+                                        <p:cTn id="114" dur="1" fill="hold">
+                                          <p:stCondLst>
+                                            <p:cond delay="0"/>
+                                          </p:stCondLst>
+                                        </p:cTn>
+                                        <p:tgtEl>
+                                          <p:spTgt spid="28"/>
+                                        </p:tgtEl>
+                                        <p:attrNameLst>
+                                          <p:attrName>style.visibility</p:attrName>
+                                        </p:attrNameLst>
+                                      </p:cBhvr>
+                                      <p:to>
+                                        <p:strVal val="hidden"/>
+                                      </p:to>
+                                    </p:set>
+                                  </p:childTnLst>
+                                </p:cTn>
+                              </p:par>
+                              <p:par>
+                                <p:cTn id="115" presetID="1" presetClass="exit" presetSubtype="0" fill="hold" grpId="1" nodeType="withEffect">
+                                  <p:stCondLst>
+                                    <p:cond delay="0"/>
+                                  </p:stCondLst>
+                                  <p:childTnLst>
+                                    <p:set>
+                                      <p:cBhvr>
+                                        <p:cTn id="116" dur="1" fill="hold">
+                                          <p:stCondLst>
+                                            <p:cond delay="0"/>
+                                          </p:stCondLst>
+                                        </p:cTn>
+                                        <p:tgtEl>
+                                          <p:spTgt spid="29"/>
+                                        </p:tgtEl>
+                                        <p:attrNameLst>
+                                          <p:attrName>style.visibility</p:attrName>
+                                        </p:attrNameLst>
+                                      </p:cBhvr>
+                                      <p:to>
+                                        <p:strVal val="hidden"/>
+                                      </p:to>
+                                    </p:set>
+                                  </p:childTnLst>
+                                </p:cTn>
+                              </p:par>
+                            </p:childTnLst>
+                          </p:cTn>
+                        </p:par>
+                      </p:childTnLst>
+                    </p:cTn>
+                  </p:par>
+                </p:childTnLst>
+              </p:cTn>
+              <p:prevCondLst>
+                <p:cond evt="onPrev" delay="0">
+                  <p:tgtEl>
+                    <p:sldTgt/>
+                  </p:tgtEl>
+                </p:cond>
+              </p:prevCondLst>
+              <p:nextCondLst>
+                <p:cond evt="onNext" delay="0">
+                  <p:tgtEl>
+                    <p:sldTgt/>
+                  </p:tgtEl>
+                </p:cond>
+              </p:nextCondLst>
+            </p:seq>
+          </p:childTnLst>
+        </p:cTn>
       </p:par>
     </p:tnLst>
+    <p:bldLst>
+      <p:bldP spid="11" grpId="0" animBg="1"/>
+      <p:bldP spid="11" grpId="1" animBg="1"/>
+      <p:bldP spid="7" grpId="0" animBg="1"/>
+      <p:bldP spid="7" grpId="1" animBg="1"/>
+      <p:bldP spid="25" grpId="0" animBg="1"/>
+      <p:bldP spid="25" grpId="1" animBg="1"/>
+      <p:bldP spid="27" grpId="0" animBg="1"/>
+      <p:bldP spid="27" grpId="1" animBg="1"/>
+      <p:bldP spid="17" grpId="0" animBg="1"/>
+      <p:bldP spid="17" grpId="1" animBg="1"/>
+      <p:bldP spid="29" grpId="0" animBg="1"/>
+      <p:bldP spid="29" grpId="1" animBg="1"/>
+      <p:bldP spid="4" grpId="0" animBg="1"/>
+      <p:bldP spid="4" grpId="1" animBg="1"/>
+      <p:bldP spid="9" grpId="0" animBg="1"/>
+      <p:bldP spid="9" grpId="1" animBg="1"/>
+    </p:bldLst>
   </p:timing>
 </p:sld>
 </file>
 
-<file path=ppt/slides/slide16.xml><?xml version="1.0" encoding="utf-8"?>
+<file path=ppt/slides/slide13.xml><?xml version="1.0" encoding="utf-8"?>
 <p:sld xmlns:a="http://schemas.openxmlformats.org/drawingml/2006/main" xmlns:r="http://schemas.openxmlformats.org/officeDocument/2006/relationships" xmlns:p="http://schemas.openxmlformats.org/presentationml/2006/main">
   <p:cSld>
     <p:spTree>
@@ -14410,7 +16051,7 @@
 </p:sld>
 </file>
 
-<file path=ppt/slides/slide17.xml><?xml version="1.0" encoding="utf-8"?>
+<file path=ppt/slides/slide14.xml><?xml version="1.0" encoding="utf-8"?>
 <p:sld xmlns:a="http://schemas.openxmlformats.org/drawingml/2006/main" xmlns:r="http://schemas.openxmlformats.org/officeDocument/2006/relationships" xmlns:p="http://schemas.openxmlformats.org/presentationml/2006/main">
   <p:cSld>
     <p:spTree>
@@ -14479,7 +16120,7 @@
 </p:sld>
 </file>
 
-<file path=ppt/slides/slide18.xml><?xml version="1.0" encoding="utf-8"?>
+<file path=ppt/slides/slide15.xml><?xml version="1.0" encoding="utf-8"?>
 <p:sld xmlns:a="http://schemas.openxmlformats.org/drawingml/2006/main" xmlns:r="http://schemas.openxmlformats.org/officeDocument/2006/relationships" xmlns:p="http://schemas.openxmlformats.org/presentationml/2006/main">
   <p:cSld>
     <p:spTree>
@@ -14560,22 +16201,13 @@
               <a:t> 4+1 architectural view model </a:t>
             </a:r>
             <a:r>
-              <a:rPr lang="pt-PT" dirty="0" smtClean="0"/>
-              <a:t>de </a:t>
-            </a:r>
-            <a:r>
-              <a:rPr lang="pt-PT" dirty="0"/>
-              <a:t>vista é um método prático para avaliar objetivamente este software, no que diz respeito às necessidades dos utilizadores (retratado como casos de uso), como agora detalhes</a:t>
-            </a:r>
-            <a:r>
-              <a:rPr lang="pt-PT" dirty="0" smtClean="0"/>
-              <a:t>:</a:t>
-            </a:r>
-          </a:p>
-          <a:p>
-            <a:pPr marL="0" indent="0" algn="just">
-              <a:buNone/>
-            </a:pPr>
+              <a:rPr lang="en-US" dirty="0" smtClean="0"/>
+              <a:t>is </a:t>
+            </a:r>
+            <a:r>
+              <a:rPr lang="en-US" dirty="0"/>
+              <a:t>a practical method to objectively evaluate this software, with respect to user requirements (depicted as use cases), as we now detail:</a:t>
+            </a:r>
             <a:endParaRPr lang="pt-PT" dirty="0"/>
           </a:p>
         </p:txBody>
@@ -14603,7 +16235,7 @@
 </p:sld>
 </file>
 
-<file path=ppt/slides/slide19.xml><?xml version="1.0" encoding="utf-8"?>
+<file path=ppt/slides/slide16.xml><?xml version="1.0" encoding="utf-8"?>
 <p:sld xmlns:a="http://schemas.openxmlformats.org/drawingml/2006/main" xmlns:r="http://schemas.openxmlformats.org/officeDocument/2006/relationships" xmlns:p="http://schemas.openxmlformats.org/presentationml/2006/main">
   <p:cSld>
     <p:spTree>
@@ -15217,6 +16849,312 @@
 </p:sld>
 </file>
 
+<file path=ppt/slides/slide17.xml><?xml version="1.0" encoding="utf-8"?>
+<p:sld xmlns:a="http://schemas.openxmlformats.org/drawingml/2006/main" xmlns:r="http://schemas.openxmlformats.org/officeDocument/2006/relationships" xmlns:p="http://schemas.openxmlformats.org/presentationml/2006/main">
+  <p:cSld>
+    <p:spTree>
+      <p:nvGrpSpPr>
+        <p:cNvPr id="1" name=""/>
+        <p:cNvGrpSpPr/>
+        <p:nvPr/>
+      </p:nvGrpSpPr>
+      <p:grpSpPr>
+        <a:xfrm>
+          <a:off x="0" y="0"/>
+          <a:ext cx="0" cy="0"/>
+          <a:chOff x="0" y="0"/>
+          <a:chExt cx="0" cy="0"/>
+        </a:xfrm>
+      </p:grpSpPr>
+      <p:sp>
+        <p:nvSpPr>
+          <p:cNvPr id="2" name="Título 1"/>
+          <p:cNvSpPr>
+            <a:spLocks noGrp="1"/>
+          </p:cNvSpPr>
+          <p:nvPr>
+            <p:ph type="title"/>
+          </p:nvPr>
+        </p:nvSpPr>
+        <p:spPr/>
+        <p:txBody>
+          <a:bodyPr/>
+          <a:lstStyle/>
+          <a:p>
+            <a:r>
+              <a:rPr lang="pt-PT" dirty="0" err="1" smtClean="0"/>
+              <a:t>Code</a:t>
+            </a:r>
+            <a:r>
+              <a:rPr lang="pt-PT" dirty="0" smtClean="0"/>
+              <a:t> </a:t>
+            </a:r>
+            <a:r>
+              <a:rPr lang="pt-PT" dirty="0" err="1" smtClean="0"/>
+              <a:t>Contribution</a:t>
+            </a:r>
+            <a:r>
+              <a:rPr lang="pt-PT" dirty="0" smtClean="0"/>
+              <a:t>: </a:t>
+            </a:r>
+            <a:r>
+              <a:rPr lang="pt-PT" dirty="0" err="1" smtClean="0"/>
+              <a:t>Makefile</a:t>
+            </a:r>
+            <a:r>
+              <a:rPr lang="pt-PT" dirty="0" smtClean="0"/>
+              <a:t> </a:t>
+            </a:r>
+            <a:r>
+              <a:rPr lang="pt-PT" dirty="0" err="1" smtClean="0"/>
+              <a:t>RUle</a:t>
+            </a:r>
+            <a:endParaRPr lang="pt-PT" dirty="0"/>
+          </a:p>
+        </p:txBody>
+      </p:sp>
+      <p:sp>
+        <p:nvSpPr>
+          <p:cNvPr id="4" name="Marcador de Posição de Conteúdo 3"/>
+          <p:cNvSpPr>
+            <a:spLocks noGrp="1"/>
+          </p:cNvSpPr>
+          <p:nvPr>
+            <p:ph sz="half" idx="1"/>
+          </p:nvPr>
+        </p:nvSpPr>
+        <p:spPr>
+          <a:xfrm>
+            <a:off x="684210" y="2209333"/>
+            <a:ext cx="4878389" cy="3541714"/>
+          </a:xfrm>
+        </p:spPr>
+        <p:txBody>
+          <a:bodyPr/>
+          <a:lstStyle/>
+          <a:p>
+            <a:pPr algn="just"/>
+            <a:r>
+              <a:rPr lang="en-US" dirty="0" smtClean="0"/>
+              <a:t>We implemented a dynamic rule that, given </a:t>
+            </a:r>
+            <a:r>
+              <a:rPr lang="en-US" dirty="0"/>
+              <a:t>a</a:t>
+            </a:r>
+            <a:r>
+              <a:rPr lang="en-US" dirty="0" smtClean="0"/>
+              <a:t> malformed/invalid make file invocation:</a:t>
+            </a:r>
+          </a:p>
+          <a:p>
+            <a:pPr lvl="1" algn="just"/>
+            <a:r>
+              <a:rPr lang="en-US" dirty="0" smtClean="0"/>
+              <a:t>Parses the </a:t>
+            </a:r>
+            <a:r>
+              <a:rPr lang="en-US" i="1" dirty="0" err="1" smtClean="0"/>
+              <a:t>Makefile</a:t>
+            </a:r>
+            <a:r>
+              <a:rPr lang="en-US" dirty="0" smtClean="0"/>
+              <a:t>;</a:t>
+            </a:r>
+          </a:p>
+          <a:p>
+            <a:pPr lvl="1" algn="just"/>
+            <a:r>
+              <a:rPr lang="en-US" dirty="0" smtClean="0"/>
+              <a:t>Retrieves it’s targets using regular expression matching;</a:t>
+            </a:r>
+          </a:p>
+          <a:p>
+            <a:pPr lvl="1" algn="just"/>
+            <a:r>
+              <a:rPr lang="en-US" dirty="0" smtClean="0"/>
+              <a:t>Returns the most similarly named valid target.</a:t>
+            </a:r>
+            <a:endParaRPr lang="en-US" dirty="0"/>
+          </a:p>
+        </p:txBody>
+      </p:sp>
+      <p:pic>
+        <p:nvPicPr>
+          <p:cNvPr id="6" name="Marcador de Posição de Conteúdo 5"/>
+          <p:cNvPicPr>
+            <a:picLocks noGrp="1" noChangeAspect="1"/>
+          </p:cNvPicPr>
+          <p:nvPr>
+            <p:ph sz="half" idx="2"/>
+          </p:nvPr>
+        </p:nvPicPr>
+        <p:blipFill rotWithShape="1">
+          <a:blip r:embed="rId2" cstate="print">
+            <a:extLst>
+              <a:ext uri="{28A0092B-C50C-407E-A947-70E740481C1C}">
+                <a14:useLocalDpi xmlns:a14="http://schemas.microsoft.com/office/drawing/2010/main" val="0"/>
+              </a:ext>
+            </a:extLst>
+          </a:blip>
+          <a:srcRect l="18087" t="8171" r="26449" b="26538"/>
+          <a:stretch/>
+        </p:blipFill>
+        <p:spPr>
+          <a:xfrm>
+            <a:off x="5719353" y="2094757"/>
+            <a:ext cx="5697584" cy="3770866"/>
+          </a:xfrm>
+        </p:spPr>
+      </p:pic>
+    </p:spTree>
+    <p:extLst>
+      <p:ext uri="{BB962C8B-B14F-4D97-AF65-F5344CB8AC3E}">
+        <p14:creationId xmlns:p14="http://schemas.microsoft.com/office/powerpoint/2010/main" val="2807070173"/>
+      </p:ext>
+    </p:extLst>
+  </p:cSld>
+  <p:clrMapOvr>
+    <a:masterClrMapping/>
+  </p:clrMapOvr>
+  <p:transition spd="slow">
+    <p:push dir="u"/>
+  </p:transition>
+  <p:timing>
+    <p:tnLst>
+      <p:par>
+        <p:cTn id="1" dur="indefinite" restart="never" nodeType="tmRoot"/>
+      </p:par>
+    </p:tnLst>
+  </p:timing>
+</p:sld>
+</file>
+
+<file path=ppt/slides/slide18.xml><?xml version="1.0" encoding="utf-8"?>
+<p:sld xmlns:a="http://schemas.openxmlformats.org/drawingml/2006/main" xmlns:r="http://schemas.openxmlformats.org/officeDocument/2006/relationships" xmlns:p="http://schemas.openxmlformats.org/presentationml/2006/main">
+  <p:cSld>
+    <p:spTree>
+      <p:nvGrpSpPr>
+        <p:cNvPr id="1" name=""/>
+        <p:cNvGrpSpPr/>
+        <p:nvPr/>
+      </p:nvGrpSpPr>
+      <p:grpSpPr>
+        <a:xfrm>
+          <a:off x="0" y="0"/>
+          <a:ext cx="0" cy="0"/>
+          <a:chOff x="0" y="0"/>
+          <a:chExt cx="0" cy="0"/>
+        </a:xfrm>
+      </p:grpSpPr>
+      <p:sp>
+        <p:nvSpPr>
+          <p:cNvPr id="2" name="Título 1"/>
+          <p:cNvSpPr>
+            <a:spLocks noGrp="1"/>
+          </p:cNvSpPr>
+          <p:nvPr>
+            <p:ph type="title"/>
+          </p:nvPr>
+        </p:nvSpPr>
+        <p:spPr/>
+        <p:txBody>
+          <a:bodyPr/>
+          <a:lstStyle/>
+          <a:p>
+            <a:r>
+              <a:rPr lang="pt-PT" b="1" dirty="0" err="1" smtClean="0"/>
+              <a:t>Contributions</a:t>
+            </a:r>
+            <a:endParaRPr lang="pt-PT" dirty="0"/>
+          </a:p>
+        </p:txBody>
+      </p:sp>
+      <p:sp>
+        <p:nvSpPr>
+          <p:cNvPr id="3" name="Marcador de Posição de Conteúdo 2"/>
+          <p:cNvSpPr>
+            <a:spLocks noGrp="1"/>
+          </p:cNvSpPr>
+          <p:nvPr>
+            <p:ph idx="1"/>
+          </p:nvPr>
+        </p:nvSpPr>
+        <p:spPr/>
+        <p:txBody>
+          <a:bodyPr/>
+          <a:lstStyle/>
+          <a:p>
+            <a:pPr marL="0" indent="0" algn="just">
+              <a:buNone/>
+            </a:pPr>
+            <a:r>
+              <a:rPr lang="en-US" dirty="0" smtClean="0"/>
+              <a:t>	Regarding </a:t>
+            </a:r>
+            <a:r>
+              <a:rPr lang="en-US" dirty="0"/>
+              <a:t>the contribution of each element to this report, the group believes that the work was equally distributed by the five elements, with </a:t>
+            </a:r>
+            <a:r>
+              <a:rPr lang="en-US" dirty="0" smtClean="0"/>
+              <a:t>the exception of the </a:t>
+            </a:r>
+            <a:r>
+              <a:rPr lang="en-US" i="1" dirty="0" err="1" smtClean="0"/>
+              <a:t>Makefile</a:t>
+            </a:r>
+            <a:r>
+              <a:rPr lang="en-US" i="1" smtClean="0"/>
+              <a:t> </a:t>
+            </a:r>
+            <a:r>
+              <a:rPr lang="en-US" smtClean="0"/>
+              <a:t>Rule code </a:t>
+            </a:r>
+            <a:r>
+              <a:rPr lang="en-US" dirty="0" smtClean="0"/>
+              <a:t>which was implemented by Miguel Ferreira.</a:t>
+            </a:r>
+          </a:p>
+          <a:p>
+            <a:pPr marL="0" indent="0" algn="just">
+              <a:buNone/>
+            </a:pPr>
+            <a:r>
+              <a:rPr lang="en-US" dirty="0"/>
+              <a:t/>
+            </a:r>
+            <a:br>
+              <a:rPr lang="en-US" dirty="0"/>
+            </a:br>
+            <a:endParaRPr lang="pt-PT" dirty="0"/>
+          </a:p>
+        </p:txBody>
+      </p:sp>
+    </p:spTree>
+    <p:extLst>
+      <p:ext uri="{BB962C8B-B14F-4D97-AF65-F5344CB8AC3E}">
+        <p14:creationId xmlns:p14="http://schemas.microsoft.com/office/powerpoint/2010/main" val="2855302387"/>
+      </p:ext>
+    </p:extLst>
+  </p:cSld>
+  <p:clrMapOvr>
+    <a:masterClrMapping/>
+  </p:clrMapOvr>
+  <p:transition spd="slow">
+    <p:push dir="u"/>
+  </p:transition>
+  <p:timing>
+    <p:tnLst>
+      <p:par>
+        <p:cTn id="1" dur="indefinite" restart="never" nodeType="tmRoot"/>
+      </p:par>
+    </p:tnLst>
+  </p:timing>
+</p:sld>
+</file>
+
 <file path=ppt/slides/slide2.xml><?xml version="1.0" encoding="utf-8"?>
 <p:sld xmlns:a="http://schemas.openxmlformats.org/drawingml/2006/main" xmlns:r="http://schemas.openxmlformats.org/officeDocument/2006/relationships" xmlns:p="http://schemas.openxmlformats.org/presentationml/2006/main">
   <p:cSld>
@@ -15295,314 +17233,6 @@
     <p:extLst>
       <p:ext uri="{BB962C8B-B14F-4D97-AF65-F5344CB8AC3E}">
         <p14:creationId xmlns:p14="http://schemas.microsoft.com/office/powerpoint/2010/main" val="3075696198"/>
-      </p:ext>
-    </p:extLst>
-  </p:cSld>
-  <p:clrMapOvr>
-    <a:masterClrMapping/>
-  </p:clrMapOvr>
-  <p:transition spd="slow">
-    <p:push dir="u"/>
-  </p:transition>
-  <p:timing>
-    <p:tnLst>
-      <p:par>
-        <p:cTn id="1" dur="indefinite" restart="never" nodeType="tmRoot"/>
-      </p:par>
-    </p:tnLst>
-  </p:timing>
-</p:sld>
-</file>
-
-<file path=ppt/slides/slide20.xml><?xml version="1.0" encoding="utf-8"?>
-<p:sld xmlns:a="http://schemas.openxmlformats.org/drawingml/2006/main" xmlns:r="http://schemas.openxmlformats.org/officeDocument/2006/relationships" xmlns:p="http://schemas.openxmlformats.org/presentationml/2006/main">
-  <p:cSld>
-    <p:spTree>
-      <p:nvGrpSpPr>
-        <p:cNvPr id="1" name=""/>
-        <p:cNvGrpSpPr/>
-        <p:nvPr/>
-      </p:nvGrpSpPr>
-      <p:grpSpPr>
-        <a:xfrm>
-          <a:off x="0" y="0"/>
-          <a:ext cx="0" cy="0"/>
-          <a:chOff x="0" y="0"/>
-          <a:chExt cx="0" cy="0"/>
-        </a:xfrm>
-      </p:grpSpPr>
-      <p:sp>
-        <p:nvSpPr>
-          <p:cNvPr id="2" name="Título 1"/>
-          <p:cNvSpPr>
-            <a:spLocks noGrp="1"/>
-          </p:cNvSpPr>
-          <p:nvPr>
-            <p:ph type="title"/>
-          </p:nvPr>
-        </p:nvSpPr>
-        <p:spPr/>
-        <p:txBody>
-          <a:bodyPr/>
-          <a:lstStyle/>
-          <a:p>
-            <a:r>
-              <a:rPr lang="pt-PT" dirty="0" err="1" smtClean="0"/>
-              <a:t>Code</a:t>
-            </a:r>
-            <a:r>
-              <a:rPr lang="pt-PT" dirty="0" smtClean="0"/>
-              <a:t> </a:t>
-            </a:r>
-            <a:r>
-              <a:rPr lang="pt-PT" dirty="0" err="1" smtClean="0"/>
-              <a:t>Contribution</a:t>
-            </a:r>
-            <a:r>
-              <a:rPr lang="pt-PT" dirty="0" smtClean="0"/>
-              <a:t>: </a:t>
-            </a:r>
-            <a:r>
-              <a:rPr lang="pt-PT" dirty="0" err="1" smtClean="0"/>
-              <a:t>Makefile</a:t>
-            </a:r>
-            <a:r>
-              <a:rPr lang="pt-PT" dirty="0" smtClean="0"/>
-              <a:t> </a:t>
-            </a:r>
-            <a:r>
-              <a:rPr lang="pt-PT" dirty="0" err="1" smtClean="0"/>
-              <a:t>RUle</a:t>
-            </a:r>
-            <a:endParaRPr lang="pt-PT" dirty="0"/>
-          </a:p>
-        </p:txBody>
-      </p:sp>
-      <p:sp>
-        <p:nvSpPr>
-          <p:cNvPr id="4" name="Marcador de Posição de Conteúdo 3"/>
-          <p:cNvSpPr>
-            <a:spLocks noGrp="1"/>
-          </p:cNvSpPr>
-          <p:nvPr>
-            <p:ph sz="half" idx="1"/>
-          </p:nvPr>
-        </p:nvSpPr>
-        <p:spPr/>
-        <p:txBody>
-          <a:bodyPr/>
-          <a:lstStyle/>
-          <a:p>
-            <a:r>
-              <a:rPr lang="en-US" dirty="0" smtClean="0"/>
-              <a:t>We implemented a dynamic rule that, given </a:t>
-            </a:r>
-            <a:r>
-              <a:rPr lang="en-US" dirty="0"/>
-              <a:t>a</a:t>
-            </a:r>
-            <a:r>
-              <a:rPr lang="en-US" dirty="0" smtClean="0"/>
-              <a:t> malformed/invalid </a:t>
-            </a:r>
-            <a:r>
-              <a:rPr lang="en-US" dirty="0" smtClean="0"/>
-              <a:t>make file invocation:</a:t>
-            </a:r>
-          </a:p>
-          <a:p>
-            <a:pPr lvl="1"/>
-            <a:r>
-              <a:rPr lang="en-US" dirty="0" smtClean="0"/>
-              <a:t>Parses the </a:t>
-            </a:r>
-            <a:r>
-              <a:rPr lang="en-US" i="1" dirty="0" err="1" smtClean="0"/>
-              <a:t>Makefile</a:t>
-            </a:r>
-            <a:r>
-              <a:rPr lang="en-US" dirty="0" smtClean="0"/>
-              <a:t>;</a:t>
-            </a:r>
-          </a:p>
-          <a:p>
-            <a:pPr lvl="1"/>
-            <a:r>
-              <a:rPr lang="en-US" dirty="0" smtClean="0"/>
-              <a:t>Retrieves it’s targets using regular expression matching;</a:t>
-            </a:r>
-          </a:p>
-          <a:p>
-            <a:pPr lvl="1"/>
-            <a:r>
-              <a:rPr lang="en-US" dirty="0" smtClean="0"/>
-              <a:t>Returns the most similarly named valid target.</a:t>
-            </a:r>
-            <a:endParaRPr lang="en-US" dirty="0"/>
-          </a:p>
-        </p:txBody>
-      </p:sp>
-      <p:pic>
-        <p:nvPicPr>
-          <p:cNvPr id="6" name="Marcador de Posição de Conteúdo 5"/>
-          <p:cNvPicPr>
-            <a:picLocks noGrp="1" noChangeAspect="1"/>
-          </p:cNvPicPr>
-          <p:nvPr>
-            <p:ph sz="half" idx="2"/>
-          </p:nvPr>
-        </p:nvPicPr>
-        <p:blipFill rotWithShape="1">
-          <a:blip r:embed="rId2" cstate="print">
-            <a:extLst>
-              <a:ext uri="{28A0092B-C50C-407E-A947-70E740481C1C}">
-                <a14:useLocalDpi xmlns:a14="http://schemas.microsoft.com/office/drawing/2010/main" val="0"/>
-              </a:ext>
-            </a:extLst>
-          </a:blip>
-          <a:srcRect l="18087" t="8171" r="26449" b="26538"/>
-          <a:stretch/>
-        </p:blipFill>
-        <p:spPr>
-          <a:xfrm>
-            <a:off x="6019799" y="2092427"/>
-            <a:ext cx="5697584" cy="3770866"/>
-          </a:xfrm>
-        </p:spPr>
-      </p:pic>
-    </p:spTree>
-    <p:extLst>
-      <p:ext uri="{BB962C8B-B14F-4D97-AF65-F5344CB8AC3E}">
-        <p14:creationId xmlns:p14="http://schemas.microsoft.com/office/powerpoint/2010/main" val="2807070173"/>
-      </p:ext>
-    </p:extLst>
-  </p:cSld>
-  <p:clrMapOvr>
-    <a:masterClrMapping/>
-  </p:clrMapOvr>
-  <p:transition spd="slow">
-    <p:push dir="u"/>
-  </p:transition>
-  <p:timing>
-    <p:tnLst>
-      <p:par>
-        <p:cTn id="1" dur="indefinite" restart="never" nodeType="tmRoot"/>
-      </p:par>
-    </p:tnLst>
-  </p:timing>
-</p:sld>
-</file>
-
-<file path=ppt/slides/slide21.xml><?xml version="1.0" encoding="utf-8"?>
-<p:sld xmlns:a="http://schemas.openxmlformats.org/drawingml/2006/main" xmlns:r="http://schemas.openxmlformats.org/officeDocument/2006/relationships" xmlns:p="http://schemas.openxmlformats.org/presentationml/2006/main">
-  <p:cSld>
-    <p:spTree>
-      <p:nvGrpSpPr>
-        <p:cNvPr id="1" name=""/>
-        <p:cNvGrpSpPr/>
-        <p:nvPr/>
-      </p:nvGrpSpPr>
-      <p:grpSpPr>
-        <a:xfrm>
-          <a:off x="0" y="0"/>
-          <a:ext cx="0" cy="0"/>
-          <a:chOff x="0" y="0"/>
-          <a:chExt cx="0" cy="0"/>
-        </a:xfrm>
-      </p:grpSpPr>
-      <p:sp>
-        <p:nvSpPr>
-          <p:cNvPr id="2" name="Título 1"/>
-          <p:cNvSpPr>
-            <a:spLocks noGrp="1"/>
-          </p:cNvSpPr>
-          <p:nvPr>
-            <p:ph type="title"/>
-          </p:nvPr>
-        </p:nvSpPr>
-        <p:spPr/>
-        <p:txBody>
-          <a:bodyPr/>
-          <a:lstStyle/>
-          <a:p>
-            <a:r>
-              <a:rPr lang="pt-PT" b="1" dirty="0" err="1" smtClean="0"/>
-              <a:t>Contributions</a:t>
-            </a:r>
-            <a:endParaRPr lang="pt-PT" dirty="0"/>
-          </a:p>
-        </p:txBody>
-      </p:sp>
-      <p:sp>
-        <p:nvSpPr>
-          <p:cNvPr id="3" name="Marcador de Posição de Conteúdo 2"/>
-          <p:cNvSpPr>
-            <a:spLocks noGrp="1"/>
-          </p:cNvSpPr>
-          <p:nvPr>
-            <p:ph idx="1"/>
-          </p:nvPr>
-        </p:nvSpPr>
-        <p:spPr/>
-        <p:txBody>
-          <a:bodyPr/>
-          <a:lstStyle/>
-          <a:p>
-            <a:pPr marL="0" indent="0" algn="just">
-              <a:buNone/>
-            </a:pPr>
-            <a:r>
-              <a:rPr lang="en-US" dirty="0" smtClean="0"/>
-              <a:t>	Regarding </a:t>
-            </a:r>
-            <a:r>
-              <a:rPr lang="en-US" dirty="0"/>
-              <a:t>the contribution of each element to this report, the group believes that the work was equally distributed by the five elements, with </a:t>
-            </a:r>
-            <a:r>
-              <a:rPr lang="en-US" dirty="0" smtClean="0"/>
-              <a:t>the exception of the </a:t>
-            </a:r>
-            <a:r>
-              <a:rPr lang="en-US" i="1" dirty="0" err="1" smtClean="0"/>
-              <a:t>Makefile</a:t>
-            </a:r>
-            <a:r>
-              <a:rPr lang="en-US" i="1" smtClean="0"/>
-              <a:t> </a:t>
-            </a:r>
-            <a:r>
-              <a:rPr lang="en-US" smtClean="0"/>
-              <a:t>R</a:t>
-            </a:r>
-            <a:r>
-              <a:rPr lang="en-US" smtClean="0"/>
-              <a:t>ule code </a:t>
-            </a:r>
-            <a:r>
-              <a:rPr lang="en-US" dirty="0" smtClean="0"/>
-              <a:t>which was implemented by Miguel Ferreira.</a:t>
-            </a:r>
-          </a:p>
-          <a:p>
-            <a:pPr marL="0" indent="0" algn="just">
-              <a:buNone/>
-            </a:pPr>
-            <a:r>
-              <a:rPr lang="en-US" dirty="0"/>
-              <a:t/>
-            </a:r>
-            <a:br>
-              <a:rPr lang="en-US" dirty="0"/>
-            </a:br>
-            <a:endParaRPr lang="pt-PT" dirty="0"/>
-          </a:p>
-        </p:txBody>
-      </p:sp>
-    </p:spTree>
-    <p:extLst>
-      <p:ext uri="{BB962C8B-B14F-4D97-AF65-F5344CB8AC3E}">
-        <p14:creationId xmlns:p14="http://schemas.microsoft.com/office/powerpoint/2010/main" val="2855302387"/>
       </p:ext>
     </p:extLst>
   </p:cSld>
